--- a/FireboxBenchmarks-retreat.pptx
+++ b/FireboxBenchmarks-retreat.pptx
@@ -4,10 +4,19 @@
   <p:sldMasterIdLst>
     <p:sldMasterId id="2147483648" r:id="rId1"/>
   </p:sldMasterIdLst>
+  <p:notesMasterIdLst>
+    <p:notesMasterId r:id="rId11"/>
+  </p:notesMasterIdLst>
   <p:sldIdLst>
     <p:sldId id="258" r:id="rId2"/>
-    <p:sldId id="256" r:id="rId3"/>
-    <p:sldId id="257" r:id="rId4"/>
+    <p:sldId id="261" r:id="rId3"/>
+    <p:sldId id="260" r:id="rId4"/>
+    <p:sldId id="259" r:id="rId5"/>
+    <p:sldId id="256" r:id="rId6"/>
+    <p:sldId id="264" r:id="rId7"/>
+    <p:sldId id="265" r:id="rId8"/>
+    <p:sldId id="257" r:id="rId9"/>
+    <p:sldId id="262" r:id="rId10"/>
   </p:sldIdLst>
   <p:sldSz cx="9144000" cy="6858000" type="screen4x3"/>
   <p:notesSz cx="6858000" cy="9144000"/>
@@ -109,6 +118,575 @@
 </p:presentation>
 </file>
 
+<file path=ppt/notesMasters/notesMaster1.xml><?xml version="1.0" encoding="utf-8"?>
+<p:notesMaster xmlns:a="http://schemas.openxmlformats.org/drawingml/2006/main" xmlns:r="http://schemas.openxmlformats.org/officeDocument/2006/relationships" xmlns:p="http://schemas.openxmlformats.org/presentationml/2006/main">
+  <p:cSld>
+    <p:bg>
+      <p:bgRef idx="1001">
+        <a:schemeClr val="bg1"/>
+      </p:bgRef>
+    </p:bg>
+    <p:spTree>
+      <p:nvGrpSpPr>
+        <p:cNvPr id="1" name=""/>
+        <p:cNvGrpSpPr/>
+        <p:nvPr/>
+      </p:nvGrpSpPr>
+      <p:grpSpPr>
+        <a:xfrm>
+          <a:off x="0" y="0"/>
+          <a:ext cx="0" cy="0"/>
+          <a:chOff x="0" y="0"/>
+          <a:chExt cx="0" cy="0"/>
+        </a:xfrm>
+      </p:grpSpPr>
+      <p:sp>
+        <p:nvSpPr>
+          <p:cNvPr id="2" name="Header Placeholder 1"/>
+          <p:cNvSpPr>
+            <a:spLocks noGrp="1"/>
+          </p:cNvSpPr>
+          <p:nvPr>
+            <p:ph type="hdr" sz="quarter"/>
+          </p:nvPr>
+        </p:nvSpPr>
+        <p:spPr>
+          <a:xfrm>
+            <a:off x="0" y="0"/>
+            <a:ext cx="2971800" cy="457200"/>
+          </a:xfrm>
+          <a:prstGeom prst="rect">
+            <a:avLst/>
+          </a:prstGeom>
+        </p:spPr>
+        <p:txBody>
+          <a:bodyPr vert="horz" lIns="91440" tIns="45720" rIns="91440" bIns="45720" rtlCol="0"/>
+          <a:lstStyle>
+            <a:lvl1pPr algn="l">
+              <a:defRPr sz="1200"/>
+            </a:lvl1pPr>
+          </a:lstStyle>
+          <a:p>
+            <a:endParaRPr lang="en-US"/>
+          </a:p>
+        </p:txBody>
+      </p:sp>
+      <p:sp>
+        <p:nvSpPr>
+          <p:cNvPr id="3" name="Date Placeholder 2"/>
+          <p:cNvSpPr>
+            <a:spLocks noGrp="1"/>
+          </p:cNvSpPr>
+          <p:nvPr>
+            <p:ph type="dt" idx="1"/>
+          </p:nvPr>
+        </p:nvSpPr>
+        <p:spPr>
+          <a:xfrm>
+            <a:off x="3884613" y="0"/>
+            <a:ext cx="2971800" cy="457200"/>
+          </a:xfrm>
+          <a:prstGeom prst="rect">
+            <a:avLst/>
+          </a:prstGeom>
+        </p:spPr>
+        <p:txBody>
+          <a:bodyPr vert="horz" lIns="91440" tIns="45720" rIns="91440" bIns="45720" rtlCol="0"/>
+          <a:lstStyle>
+            <a:lvl1pPr algn="r">
+              <a:defRPr sz="1200"/>
+            </a:lvl1pPr>
+          </a:lstStyle>
+          <a:p>
+            <a:fld id="{8C65E151-9CEB-CB40-A092-9E1DFF7319D6}" type="datetimeFigureOut">
+              <a:rPr lang="en-US" smtClean="0"/>
+              <a:t>12/30/14</a:t>
+            </a:fld>
+            <a:endParaRPr lang="en-US"/>
+          </a:p>
+        </p:txBody>
+      </p:sp>
+      <p:sp>
+        <p:nvSpPr>
+          <p:cNvPr id="4" name="Slide Image Placeholder 3"/>
+          <p:cNvSpPr>
+            <a:spLocks noGrp="1" noRot="1" noChangeAspect="1"/>
+          </p:cNvSpPr>
+          <p:nvPr>
+            <p:ph type="sldImg" idx="2"/>
+          </p:nvPr>
+        </p:nvSpPr>
+        <p:spPr>
+          <a:xfrm>
+            <a:off x="1143000" y="685800"/>
+            <a:ext cx="4572000" cy="3429000"/>
+          </a:xfrm>
+          <a:prstGeom prst="rect">
+            <a:avLst/>
+          </a:prstGeom>
+          <a:noFill/>
+          <a:ln w="12700">
+            <a:solidFill>
+              <a:prstClr val="black"/>
+            </a:solidFill>
+          </a:ln>
+        </p:spPr>
+        <p:txBody>
+          <a:bodyPr vert="horz" lIns="91440" tIns="45720" rIns="91440" bIns="45720" rtlCol="0" anchor="ctr"/>
+          <a:lstStyle/>
+          <a:p>
+            <a:endParaRPr lang="en-US"/>
+          </a:p>
+        </p:txBody>
+      </p:sp>
+      <p:sp>
+        <p:nvSpPr>
+          <p:cNvPr id="5" name="Notes Placeholder 4"/>
+          <p:cNvSpPr>
+            <a:spLocks noGrp="1"/>
+          </p:cNvSpPr>
+          <p:nvPr>
+            <p:ph type="body" sz="quarter" idx="3"/>
+          </p:nvPr>
+        </p:nvSpPr>
+        <p:spPr>
+          <a:xfrm>
+            <a:off x="685800" y="4343400"/>
+            <a:ext cx="5486400" cy="4114800"/>
+          </a:xfrm>
+          <a:prstGeom prst="rect">
+            <a:avLst/>
+          </a:prstGeom>
+        </p:spPr>
+        <p:txBody>
+          <a:bodyPr vert="horz" lIns="91440" tIns="45720" rIns="91440" bIns="45720" rtlCol="0"/>
+          <a:lstStyle/>
+          <a:p>
+            <a:pPr lvl="0"/>
+            <a:r>
+              <a:rPr lang="en-US" smtClean="0"/>
+              <a:t>Click to edit Master text styles</a:t>
+            </a:r>
+          </a:p>
+          <a:p>
+            <a:pPr lvl="1"/>
+            <a:r>
+              <a:rPr lang="en-US" smtClean="0"/>
+              <a:t>Second level</a:t>
+            </a:r>
+          </a:p>
+          <a:p>
+            <a:pPr lvl="2"/>
+            <a:r>
+              <a:rPr lang="en-US" smtClean="0"/>
+              <a:t>Third level</a:t>
+            </a:r>
+          </a:p>
+          <a:p>
+            <a:pPr lvl="3"/>
+            <a:r>
+              <a:rPr lang="en-US" smtClean="0"/>
+              <a:t>Fourth level</a:t>
+            </a:r>
+          </a:p>
+          <a:p>
+            <a:pPr lvl="4"/>
+            <a:r>
+              <a:rPr lang="en-US" smtClean="0"/>
+              <a:t>Fifth level</a:t>
+            </a:r>
+            <a:endParaRPr lang="en-US"/>
+          </a:p>
+        </p:txBody>
+      </p:sp>
+      <p:sp>
+        <p:nvSpPr>
+          <p:cNvPr id="6" name="Footer Placeholder 5"/>
+          <p:cNvSpPr>
+            <a:spLocks noGrp="1"/>
+          </p:cNvSpPr>
+          <p:nvPr>
+            <p:ph type="ftr" sz="quarter" idx="4"/>
+          </p:nvPr>
+        </p:nvSpPr>
+        <p:spPr>
+          <a:xfrm>
+            <a:off x="0" y="8685213"/>
+            <a:ext cx="2971800" cy="457200"/>
+          </a:xfrm>
+          <a:prstGeom prst="rect">
+            <a:avLst/>
+          </a:prstGeom>
+        </p:spPr>
+        <p:txBody>
+          <a:bodyPr vert="horz" lIns="91440" tIns="45720" rIns="91440" bIns="45720" rtlCol="0" anchor="b"/>
+          <a:lstStyle>
+            <a:lvl1pPr algn="l">
+              <a:defRPr sz="1200"/>
+            </a:lvl1pPr>
+          </a:lstStyle>
+          <a:p>
+            <a:endParaRPr lang="en-US"/>
+          </a:p>
+        </p:txBody>
+      </p:sp>
+      <p:sp>
+        <p:nvSpPr>
+          <p:cNvPr id="7" name="Slide Number Placeholder 6"/>
+          <p:cNvSpPr>
+            <a:spLocks noGrp="1"/>
+          </p:cNvSpPr>
+          <p:nvPr>
+            <p:ph type="sldNum" sz="quarter" idx="5"/>
+          </p:nvPr>
+        </p:nvSpPr>
+        <p:spPr>
+          <a:xfrm>
+            <a:off x="3884613" y="8685213"/>
+            <a:ext cx="2971800" cy="457200"/>
+          </a:xfrm>
+          <a:prstGeom prst="rect">
+            <a:avLst/>
+          </a:prstGeom>
+        </p:spPr>
+        <p:txBody>
+          <a:bodyPr vert="horz" lIns="91440" tIns="45720" rIns="91440" bIns="45720" rtlCol="0" anchor="b"/>
+          <a:lstStyle>
+            <a:lvl1pPr algn="r">
+              <a:defRPr sz="1200"/>
+            </a:lvl1pPr>
+          </a:lstStyle>
+          <a:p>
+            <a:fld id="{0E827EFA-5465-8D44-95A2-57B374621445}" type="slidenum">
+              <a:rPr lang="en-US" smtClean="0"/>
+              <a:t>‹#›</a:t>
+            </a:fld>
+            <a:endParaRPr lang="en-US"/>
+          </a:p>
+        </p:txBody>
+      </p:sp>
+    </p:spTree>
+    <p:extLst>
+      <p:ext uri="{BB962C8B-B14F-4D97-AF65-F5344CB8AC3E}">
+        <p14:creationId xmlns:p14="http://schemas.microsoft.com/office/powerpoint/2010/main" val="2086313579"/>
+      </p:ext>
+    </p:extLst>
+  </p:cSld>
+  <p:clrMap bg1="lt1" tx1="dk1" bg2="lt2" tx2="dk2" accent1="accent1" accent2="accent2" accent3="accent3" accent4="accent4" accent5="accent5" accent6="accent6" hlink="hlink" folHlink="folHlink"/>
+  <p:notesStyle>
+    <a:lvl1pPr marL="0" algn="l" defTabSz="457200" rtl="0" eaLnBrk="1" latinLnBrk="0" hangingPunct="1">
+      <a:defRPr sz="1200" kern="1200">
+        <a:solidFill>
+          <a:schemeClr val="tx1"/>
+        </a:solidFill>
+        <a:latin typeface="+mn-lt"/>
+        <a:ea typeface="+mn-ea"/>
+        <a:cs typeface="+mn-cs"/>
+      </a:defRPr>
+    </a:lvl1pPr>
+    <a:lvl2pPr marL="457200" algn="l" defTabSz="457200" rtl="0" eaLnBrk="1" latinLnBrk="0" hangingPunct="1">
+      <a:defRPr sz="1200" kern="1200">
+        <a:solidFill>
+          <a:schemeClr val="tx1"/>
+        </a:solidFill>
+        <a:latin typeface="+mn-lt"/>
+        <a:ea typeface="+mn-ea"/>
+        <a:cs typeface="+mn-cs"/>
+      </a:defRPr>
+    </a:lvl2pPr>
+    <a:lvl3pPr marL="914400" algn="l" defTabSz="457200" rtl="0" eaLnBrk="1" latinLnBrk="0" hangingPunct="1">
+      <a:defRPr sz="1200" kern="1200">
+        <a:solidFill>
+          <a:schemeClr val="tx1"/>
+        </a:solidFill>
+        <a:latin typeface="+mn-lt"/>
+        <a:ea typeface="+mn-ea"/>
+        <a:cs typeface="+mn-cs"/>
+      </a:defRPr>
+    </a:lvl3pPr>
+    <a:lvl4pPr marL="1371600" algn="l" defTabSz="457200" rtl="0" eaLnBrk="1" latinLnBrk="0" hangingPunct="1">
+      <a:defRPr sz="1200" kern="1200">
+        <a:solidFill>
+          <a:schemeClr val="tx1"/>
+        </a:solidFill>
+        <a:latin typeface="+mn-lt"/>
+        <a:ea typeface="+mn-ea"/>
+        <a:cs typeface="+mn-cs"/>
+      </a:defRPr>
+    </a:lvl4pPr>
+    <a:lvl5pPr marL="1828800" algn="l" defTabSz="457200" rtl="0" eaLnBrk="1" latinLnBrk="0" hangingPunct="1">
+      <a:defRPr sz="1200" kern="1200">
+        <a:solidFill>
+          <a:schemeClr val="tx1"/>
+        </a:solidFill>
+        <a:latin typeface="+mn-lt"/>
+        <a:ea typeface="+mn-ea"/>
+        <a:cs typeface="+mn-cs"/>
+      </a:defRPr>
+    </a:lvl5pPr>
+    <a:lvl6pPr marL="2286000" algn="l" defTabSz="457200" rtl="0" eaLnBrk="1" latinLnBrk="0" hangingPunct="1">
+      <a:defRPr sz="1200" kern="1200">
+        <a:solidFill>
+          <a:schemeClr val="tx1"/>
+        </a:solidFill>
+        <a:latin typeface="+mn-lt"/>
+        <a:ea typeface="+mn-ea"/>
+        <a:cs typeface="+mn-cs"/>
+      </a:defRPr>
+    </a:lvl6pPr>
+    <a:lvl7pPr marL="2743200" algn="l" defTabSz="457200" rtl="0" eaLnBrk="1" latinLnBrk="0" hangingPunct="1">
+      <a:defRPr sz="1200" kern="1200">
+        <a:solidFill>
+          <a:schemeClr val="tx1"/>
+        </a:solidFill>
+        <a:latin typeface="+mn-lt"/>
+        <a:ea typeface="+mn-ea"/>
+        <a:cs typeface="+mn-cs"/>
+      </a:defRPr>
+    </a:lvl7pPr>
+    <a:lvl8pPr marL="3200400" algn="l" defTabSz="457200" rtl="0" eaLnBrk="1" latinLnBrk="0" hangingPunct="1">
+      <a:defRPr sz="1200" kern="1200">
+        <a:solidFill>
+          <a:schemeClr val="tx1"/>
+        </a:solidFill>
+        <a:latin typeface="+mn-lt"/>
+        <a:ea typeface="+mn-ea"/>
+        <a:cs typeface="+mn-cs"/>
+      </a:defRPr>
+    </a:lvl8pPr>
+    <a:lvl9pPr marL="3657600" algn="l" defTabSz="457200" rtl="0" eaLnBrk="1" latinLnBrk="0" hangingPunct="1">
+      <a:defRPr sz="1200" kern="1200">
+        <a:solidFill>
+          <a:schemeClr val="tx1"/>
+        </a:solidFill>
+        <a:latin typeface="+mn-lt"/>
+        <a:ea typeface="+mn-ea"/>
+        <a:cs typeface="+mn-cs"/>
+      </a:defRPr>
+    </a:lvl9pPr>
+  </p:notesStyle>
+</p:notesMaster>
+</file>
+
+<file path=ppt/notesSlides/notesSlide1.xml><?xml version="1.0" encoding="utf-8"?>
+<p:notes xmlns:a="http://schemas.openxmlformats.org/drawingml/2006/main" xmlns:r="http://schemas.openxmlformats.org/officeDocument/2006/relationships" xmlns:p="http://schemas.openxmlformats.org/presentationml/2006/main">
+  <p:cSld>
+    <p:spTree>
+      <p:nvGrpSpPr>
+        <p:cNvPr id="1" name=""/>
+        <p:cNvGrpSpPr/>
+        <p:nvPr/>
+      </p:nvGrpSpPr>
+      <p:grpSpPr>
+        <a:xfrm>
+          <a:off x="0" y="0"/>
+          <a:ext cx="0" cy="0"/>
+          <a:chOff x="0" y="0"/>
+          <a:chExt cx="0" cy="0"/>
+        </a:xfrm>
+      </p:grpSpPr>
+      <p:sp>
+        <p:nvSpPr>
+          <p:cNvPr id="2" name="Slide Image Placeholder 1"/>
+          <p:cNvSpPr>
+            <a:spLocks noGrp="1" noRot="1" noChangeAspect="1"/>
+          </p:cNvSpPr>
+          <p:nvPr>
+            <p:ph type="sldImg"/>
+          </p:nvPr>
+        </p:nvSpPr>
+        <p:spPr/>
+      </p:sp>
+      <p:sp>
+        <p:nvSpPr>
+          <p:cNvPr id="3" name="Notes Placeholder 2"/>
+          <p:cNvSpPr>
+            <a:spLocks noGrp="1"/>
+          </p:cNvSpPr>
+          <p:nvPr>
+            <p:ph type="body" idx="1"/>
+          </p:nvPr>
+        </p:nvSpPr>
+        <p:spPr/>
+        <p:txBody>
+          <a:bodyPr/>
+          <a:lstStyle/>
+          <a:p>
+            <a:r>
+              <a:rPr lang="en-US" dirty="0" smtClean="0"/>
+              <a:t>Explain the purpose</a:t>
+            </a:r>
+            <a:r>
+              <a:rPr lang="en-US" baseline="0" dirty="0" smtClean="0"/>
+              <a:t> of the talk:</a:t>
+            </a:r>
+          </a:p>
+          <a:p>
+            <a:pPr marL="228600" indent="-228600">
+              <a:buAutoNum type="arabicParenR"/>
+            </a:pPr>
+            <a:r>
+              <a:rPr lang="en-US" baseline="0" dirty="0" smtClean="0"/>
+              <a:t>Glimpse of capabilities of Firebox V0</a:t>
+            </a:r>
+          </a:p>
+          <a:p>
+            <a:pPr marL="228600" indent="-228600">
+              <a:buAutoNum type="arabicParenR"/>
+            </a:pPr>
+            <a:r>
+              <a:rPr lang="en-US" baseline="0" dirty="0" smtClean="0"/>
+              <a:t>Set of interesting workloads we have been running and thinking about</a:t>
+            </a:r>
+          </a:p>
+          <a:p>
+            <a:pPr marL="228600" indent="-228600">
+              <a:buAutoNum type="arabicParenR"/>
+            </a:pPr>
+            <a:r>
+              <a:rPr lang="en-US" baseline="0" dirty="0" smtClean="0"/>
+              <a:t>Set of results/benchmarks of these workloads</a:t>
+            </a:r>
+            <a:endParaRPr lang="en-US" dirty="0"/>
+          </a:p>
+        </p:txBody>
+      </p:sp>
+      <p:sp>
+        <p:nvSpPr>
+          <p:cNvPr id="4" name="Slide Number Placeholder 3"/>
+          <p:cNvSpPr>
+            <a:spLocks noGrp="1"/>
+          </p:cNvSpPr>
+          <p:nvPr>
+            <p:ph type="sldNum" sz="quarter" idx="10"/>
+          </p:nvPr>
+        </p:nvSpPr>
+        <p:spPr/>
+        <p:txBody>
+          <a:bodyPr/>
+          <a:lstStyle/>
+          <a:p>
+            <a:fld id="{0E827EFA-5465-8D44-95A2-57B374621445}" type="slidenum">
+              <a:rPr lang="en-US" smtClean="0"/>
+              <a:t>2</a:t>
+            </a:fld>
+            <a:endParaRPr lang="en-US"/>
+          </a:p>
+        </p:txBody>
+      </p:sp>
+    </p:spTree>
+    <p:extLst>
+      <p:ext uri="{BB962C8B-B14F-4D97-AF65-F5344CB8AC3E}">
+        <p14:creationId xmlns:p14="http://schemas.microsoft.com/office/powerpoint/2010/main" val="718327898"/>
+      </p:ext>
+    </p:extLst>
+  </p:cSld>
+  <p:clrMapOvr>
+    <a:masterClrMapping/>
+  </p:clrMapOvr>
+</p:notes>
+</file>
+
+<file path=ppt/notesSlides/notesSlide2.xml><?xml version="1.0" encoding="utf-8"?>
+<p:notes xmlns:a="http://schemas.openxmlformats.org/drawingml/2006/main" xmlns:r="http://schemas.openxmlformats.org/officeDocument/2006/relationships" xmlns:p="http://schemas.openxmlformats.org/presentationml/2006/main">
+  <p:cSld>
+    <p:spTree>
+      <p:nvGrpSpPr>
+        <p:cNvPr id="1" name=""/>
+        <p:cNvGrpSpPr/>
+        <p:nvPr/>
+      </p:nvGrpSpPr>
+      <p:grpSpPr>
+        <a:xfrm>
+          <a:off x="0" y="0"/>
+          <a:ext cx="0" cy="0"/>
+          <a:chOff x="0" y="0"/>
+          <a:chExt cx="0" cy="0"/>
+        </a:xfrm>
+      </p:grpSpPr>
+      <p:sp>
+        <p:nvSpPr>
+          <p:cNvPr id="2" name="Slide Image Placeholder 1"/>
+          <p:cNvSpPr>
+            <a:spLocks noGrp="1" noRot="1" noChangeAspect="1"/>
+          </p:cNvSpPr>
+          <p:nvPr>
+            <p:ph type="sldImg"/>
+          </p:nvPr>
+        </p:nvSpPr>
+        <p:spPr/>
+      </p:sp>
+      <p:sp>
+        <p:nvSpPr>
+          <p:cNvPr id="3" name="Notes Placeholder 2"/>
+          <p:cNvSpPr>
+            <a:spLocks noGrp="1"/>
+          </p:cNvSpPr>
+          <p:nvPr>
+            <p:ph type="body" idx="1"/>
+          </p:nvPr>
+        </p:nvSpPr>
+        <p:spPr/>
+        <p:txBody>
+          <a:bodyPr/>
+          <a:lstStyle/>
+          <a:p>
+            <a:r>
+              <a:rPr lang="en-US" dirty="0" smtClean="0"/>
+              <a:t>Brief</a:t>
+            </a:r>
+            <a:r>
+              <a:rPr lang="en-US" baseline="0" dirty="0" smtClean="0"/>
+              <a:t> overview </a:t>
+            </a:r>
+            <a:r>
+              <a:rPr lang="en-US" baseline="0" smtClean="0"/>
+              <a:t>of Hardware / Software </a:t>
+            </a:r>
+            <a:r>
+              <a:rPr lang="en-US" baseline="0" dirty="0" smtClean="0"/>
+              <a:t>configuration of Firebox</a:t>
+            </a:r>
+            <a:endParaRPr lang="en-US" dirty="0" smtClean="0"/>
+          </a:p>
+        </p:txBody>
+      </p:sp>
+      <p:sp>
+        <p:nvSpPr>
+          <p:cNvPr id="4" name="Slide Number Placeholder 3"/>
+          <p:cNvSpPr>
+            <a:spLocks noGrp="1"/>
+          </p:cNvSpPr>
+          <p:nvPr>
+            <p:ph type="sldNum" sz="quarter" idx="10"/>
+          </p:nvPr>
+        </p:nvSpPr>
+        <p:spPr/>
+        <p:txBody>
+          <a:bodyPr/>
+          <a:lstStyle/>
+          <a:p>
+            <a:fld id="{0E827EFA-5465-8D44-95A2-57B374621445}" type="slidenum">
+              <a:rPr lang="en-US" smtClean="0"/>
+              <a:t>3</a:t>
+            </a:fld>
+            <a:endParaRPr lang="en-US"/>
+          </a:p>
+        </p:txBody>
+      </p:sp>
+    </p:spTree>
+    <p:extLst>
+      <p:ext uri="{BB962C8B-B14F-4D97-AF65-F5344CB8AC3E}">
+        <p14:creationId xmlns:p14="http://schemas.microsoft.com/office/powerpoint/2010/main" val="4179095948"/>
+      </p:ext>
+    </p:extLst>
+  </p:cSld>
+  <p:clrMapOvr>
+    <a:masterClrMapping/>
+  </p:clrMapOvr>
+</p:notes>
+</file>
+
 <file path=ppt/slideLayouts/slideLayout1.xml><?xml version="1.0" encoding="utf-8"?>
 <p:sldLayout xmlns:a="http://schemas.openxmlformats.org/drawingml/2006/main" xmlns:r="http://schemas.openxmlformats.org/officeDocument/2006/relationships" xmlns:p="http://schemas.openxmlformats.org/presentationml/2006/main" type="title" preserve="1">
   <p:cSld name="Title Slide">
@@ -290,7 +868,7 @@
           <a:p>
             <a:fld id="{C532CADC-E61B-5445-AB98-BD4DF8F28DCD}" type="datetimeFigureOut">
               <a:rPr lang="en-US" smtClean="0"/>
-              <a:t>12/17/14</a:t>
+              <a:t>12/28/14</a:t>
             </a:fld>
             <a:endParaRPr lang="en-US"/>
           </a:p>
@@ -460,7 +1038,7 @@
           <a:p>
             <a:fld id="{C532CADC-E61B-5445-AB98-BD4DF8F28DCD}" type="datetimeFigureOut">
               <a:rPr lang="en-US" smtClean="0"/>
-              <a:t>12/17/14</a:t>
+              <a:t>12/28/14</a:t>
             </a:fld>
             <a:endParaRPr lang="en-US"/>
           </a:p>
@@ -640,7 +1218,7 @@
           <a:p>
             <a:fld id="{C532CADC-E61B-5445-AB98-BD4DF8F28DCD}" type="datetimeFigureOut">
               <a:rPr lang="en-US" smtClean="0"/>
-              <a:t>12/17/14</a:t>
+              <a:t>12/28/14</a:t>
             </a:fld>
             <a:endParaRPr lang="en-US"/>
           </a:p>
@@ -810,7 +1388,7 @@
           <a:p>
             <a:fld id="{C532CADC-E61B-5445-AB98-BD4DF8F28DCD}" type="datetimeFigureOut">
               <a:rPr lang="en-US" smtClean="0"/>
-              <a:t>12/17/14</a:t>
+              <a:t>12/28/14</a:t>
             </a:fld>
             <a:endParaRPr lang="en-US"/>
           </a:p>
@@ -1056,7 +1634,7 @@
           <a:p>
             <a:fld id="{C532CADC-E61B-5445-AB98-BD4DF8F28DCD}" type="datetimeFigureOut">
               <a:rPr lang="en-US" smtClean="0"/>
-              <a:t>12/17/14</a:t>
+              <a:t>12/28/14</a:t>
             </a:fld>
             <a:endParaRPr lang="en-US"/>
           </a:p>
@@ -1344,7 +1922,7 @@
           <a:p>
             <a:fld id="{C532CADC-E61B-5445-AB98-BD4DF8F28DCD}" type="datetimeFigureOut">
               <a:rPr lang="en-US" smtClean="0"/>
-              <a:t>12/17/14</a:t>
+              <a:t>12/28/14</a:t>
             </a:fld>
             <a:endParaRPr lang="en-US"/>
           </a:p>
@@ -1766,7 +2344,7 @@
           <a:p>
             <a:fld id="{C532CADC-E61B-5445-AB98-BD4DF8F28DCD}" type="datetimeFigureOut">
               <a:rPr lang="en-US" smtClean="0"/>
-              <a:t>12/17/14</a:t>
+              <a:t>12/28/14</a:t>
             </a:fld>
             <a:endParaRPr lang="en-US"/>
           </a:p>
@@ -1884,7 +2462,7 @@
           <a:p>
             <a:fld id="{C532CADC-E61B-5445-AB98-BD4DF8F28DCD}" type="datetimeFigureOut">
               <a:rPr lang="en-US" smtClean="0"/>
-              <a:t>12/17/14</a:t>
+              <a:t>12/28/14</a:t>
             </a:fld>
             <a:endParaRPr lang="en-US"/>
           </a:p>
@@ -1979,7 +2557,7 @@
           <a:p>
             <a:fld id="{C532CADC-E61B-5445-AB98-BD4DF8F28DCD}" type="datetimeFigureOut">
               <a:rPr lang="en-US" smtClean="0"/>
-              <a:t>12/17/14</a:t>
+              <a:t>12/28/14</a:t>
             </a:fld>
             <a:endParaRPr lang="en-US"/>
           </a:p>
@@ -2256,7 +2834,7 @@
           <a:p>
             <a:fld id="{C532CADC-E61B-5445-AB98-BD4DF8F28DCD}" type="datetimeFigureOut">
               <a:rPr lang="en-US" smtClean="0"/>
-              <a:t>12/17/14</a:t>
+              <a:t>12/28/14</a:t>
             </a:fld>
             <a:endParaRPr lang="en-US"/>
           </a:p>
@@ -2509,7 +3087,7 @@
           <a:p>
             <a:fld id="{C532CADC-E61B-5445-AB98-BD4DF8F28DCD}" type="datetimeFigureOut">
               <a:rPr lang="en-US" smtClean="0"/>
-              <a:t>12/17/14</a:t>
+              <a:t>12/28/14</a:t>
             </a:fld>
             <a:endParaRPr lang="en-US"/>
           </a:p>
@@ -2722,7 +3300,7 @@
           <a:p>
             <a:fld id="{C532CADC-E61B-5445-AB98-BD4DF8F28DCD}" type="datetimeFigureOut">
               <a:rPr lang="en-US" smtClean="0"/>
-              <a:t>12/17/14</a:t>
+              <a:t>12/28/14</a:t>
             </a:fld>
             <a:endParaRPr lang="en-US"/>
           </a:p>
@@ -3105,6 +3683,617 @@
         </p:nvSpPr>
         <p:spPr>
           <a:xfrm>
+            <a:off x="2410160" y="2086427"/>
+            <a:ext cx="4585848" cy="1323439"/>
+          </a:xfrm>
+          <a:prstGeom prst="rect">
+            <a:avLst/>
+          </a:prstGeom>
+          <a:noFill/>
+        </p:spPr>
+        <p:txBody>
+          <a:bodyPr wrap="none" rtlCol="0">
+            <a:spAutoFit/>
+          </a:bodyPr>
+          <a:lstStyle/>
+          <a:p>
+            <a:pPr algn="ctr"/>
+            <a:r>
+              <a:rPr lang="en-US" sz="3000" b="1" dirty="0" smtClean="0"/>
+              <a:t>Firebox Workloads Analysis</a:t>
+            </a:r>
+          </a:p>
+          <a:p>
+            <a:pPr algn="ctr"/>
+            <a:endParaRPr lang="en-US" sz="2500" dirty="0" smtClean="0"/>
+          </a:p>
+          <a:p>
+            <a:pPr algn="ctr"/>
+            <a:r>
+              <a:rPr lang="en-US" sz="2500" dirty="0" smtClean="0"/>
+              <a:t>Joao Carreira</a:t>
+            </a:r>
+            <a:endParaRPr lang="en-US" sz="2500" dirty="0"/>
+          </a:p>
+        </p:txBody>
+      </p:sp>
+      <p:pic>
+        <p:nvPicPr>
+          <p:cNvPr id="5" name="Picture 2" descr="http://www.eecs.berkeley.edu/Research/Projects/Images/107112-1.gif"/>
+          <p:cNvPicPr>
+            <a:picLocks noChangeAspect="1" noChangeArrowheads="1"/>
+          </p:cNvPicPr>
+          <p:nvPr/>
+        </p:nvPicPr>
+        <p:blipFill>
+          <a:blip r:embed="rId2" cstate="print">
+            <a:extLst>
+              <a:ext uri="{28A0092B-C50C-407E-A947-70E740481C1C}">
+                <a14:useLocalDpi xmlns:a14="http://schemas.microsoft.com/office/drawing/2010/main" val="0"/>
+              </a:ext>
+            </a:extLst>
+          </a:blip>
+          <a:srcRect/>
+          <a:stretch>
+            <a:fillRect/>
+          </a:stretch>
+        </p:blipFill>
+        <p:spPr bwMode="auto">
+          <a:xfrm>
+            <a:off x="4412126" y="4559584"/>
+            <a:ext cx="2911541" cy="1106954"/>
+          </a:xfrm>
+          <a:prstGeom prst="rect">
+            <a:avLst/>
+          </a:prstGeom>
+          <a:noFill/>
+          <a:extLst>
+            <a:ext uri="{909E8E84-426E-40dd-AFC4-6F175D3DCCD1}">
+              <a14:hiddenFill xmlns:a14="http://schemas.microsoft.com/office/drawing/2010/main">
+                <a:solidFill>
+                  <a:srgbClr val="FFFFFF"/>
+                </a:solidFill>
+              </a14:hiddenFill>
+            </a:ext>
+          </a:extLst>
+        </p:spPr>
+      </p:pic>
+      <p:pic>
+        <p:nvPicPr>
+          <p:cNvPr id="6" name="Picture 556" descr="C:\Users\bjoern\Documents\My Dropbox\berkeley\cs160\final-presentations\ucseal_540_139.png"/>
+          <p:cNvPicPr>
+            <a:picLocks noChangeAspect="1" noChangeArrowheads="1"/>
+          </p:cNvPicPr>
+          <p:nvPr/>
+        </p:nvPicPr>
+        <p:blipFill>
+          <a:blip r:embed="rId3" cstate="print"/>
+          <a:stretch>
+            <a:fillRect/>
+          </a:stretch>
+        </p:blipFill>
+        <p:spPr bwMode="auto">
+          <a:xfrm>
+            <a:off x="2054959" y="4606005"/>
+            <a:ext cx="1049486" cy="1049486"/>
+          </a:xfrm>
+          <a:prstGeom prst="rect">
+            <a:avLst/>
+          </a:prstGeom>
+          <a:noFill/>
+        </p:spPr>
+      </p:pic>
+    </p:spTree>
+    <p:extLst>
+      <p:ext uri="{BB962C8B-B14F-4D97-AF65-F5344CB8AC3E}">
+        <p14:creationId xmlns:p14="http://schemas.microsoft.com/office/powerpoint/2010/main" val="1172503018"/>
+      </p:ext>
+    </p:extLst>
+  </p:cSld>
+  <p:clrMapOvr>
+    <a:masterClrMapping/>
+  </p:clrMapOvr>
+  <p:timing>
+    <p:tnLst>
+      <p:par>
+        <p:cTn xmlns:p14="http://schemas.microsoft.com/office/powerpoint/2010/main" id="1" dur="indefinite" restart="never" nodeType="tmRoot"/>
+      </p:par>
+    </p:tnLst>
+  </p:timing>
+</p:sld>
+</file>
+
+<file path=ppt/slides/slide2.xml><?xml version="1.0" encoding="utf-8"?>
+<p:sld xmlns:a="http://schemas.openxmlformats.org/drawingml/2006/main" xmlns:r="http://schemas.openxmlformats.org/officeDocument/2006/relationships" xmlns:p="http://schemas.openxmlformats.org/presentationml/2006/main">
+  <p:cSld>
+    <p:spTree>
+      <p:nvGrpSpPr>
+        <p:cNvPr id="1" name=""/>
+        <p:cNvGrpSpPr/>
+        <p:nvPr/>
+      </p:nvGrpSpPr>
+      <p:grpSpPr>
+        <a:xfrm>
+          <a:off x="0" y="0"/>
+          <a:ext cx="0" cy="0"/>
+          <a:chOff x="0" y="0"/>
+          <a:chExt cx="0" cy="0"/>
+        </a:xfrm>
+      </p:grpSpPr>
+      <p:sp>
+        <p:nvSpPr>
+          <p:cNvPr id="7" name="TextBox 6"/>
+          <p:cNvSpPr txBox="1"/>
+          <p:nvPr/>
+        </p:nvSpPr>
+        <p:spPr>
+          <a:xfrm>
+            <a:off x="619688" y="600062"/>
+            <a:ext cx="1373768" cy="553998"/>
+          </a:xfrm>
+          <a:prstGeom prst="rect">
+            <a:avLst/>
+          </a:prstGeom>
+          <a:noFill/>
+        </p:spPr>
+        <p:txBody>
+          <a:bodyPr wrap="none" rtlCol="0">
+            <a:spAutoFit/>
+          </a:bodyPr>
+          <a:lstStyle/>
+          <a:p>
+            <a:pPr algn="ctr"/>
+            <a:r>
+              <a:rPr lang="en-US" sz="3000" b="1" dirty="0" smtClean="0"/>
+              <a:t>Outline</a:t>
+            </a:r>
+            <a:endParaRPr lang="en-US" sz="3000" b="1" dirty="0" smtClean="0"/>
+          </a:p>
+        </p:txBody>
+      </p:sp>
+      <p:sp>
+        <p:nvSpPr>
+          <p:cNvPr id="2" name="TextBox 1"/>
+          <p:cNvSpPr txBox="1"/>
+          <p:nvPr/>
+        </p:nvSpPr>
+        <p:spPr>
+          <a:xfrm>
+            <a:off x="619688" y="1918821"/>
+            <a:ext cx="5031922" cy="2308324"/>
+          </a:xfrm>
+          <a:prstGeom prst="rect">
+            <a:avLst/>
+          </a:prstGeom>
+          <a:noFill/>
+        </p:spPr>
+        <p:txBody>
+          <a:bodyPr wrap="none" rtlCol="0">
+            <a:spAutoFit/>
+          </a:bodyPr>
+          <a:lstStyle/>
+          <a:p>
+            <a:r>
+              <a:rPr lang="en-US" dirty="0" smtClean="0"/>
+              <a:t>Workloads</a:t>
+            </a:r>
+          </a:p>
+          <a:p>
+            <a:endParaRPr lang="en-US" dirty="0"/>
+          </a:p>
+          <a:p>
+            <a:r>
+              <a:rPr lang="en-US" dirty="0" smtClean="0"/>
+              <a:t>Set of benchmarks / workloads running in Firebox-0</a:t>
+            </a:r>
+            <a:endParaRPr lang="en-US" dirty="0"/>
+          </a:p>
+          <a:p>
+            <a:pPr marL="285750" indent="-285750">
+              <a:buFontTx/>
+              <a:buChar char="-"/>
+            </a:pPr>
+            <a:r>
+              <a:rPr lang="en-US" dirty="0" err="1" smtClean="0"/>
+              <a:t>Aerospike</a:t>
+            </a:r>
+            <a:r>
+              <a:rPr lang="en-US" dirty="0" smtClean="0"/>
+              <a:t> </a:t>
+            </a:r>
+            <a:r>
+              <a:rPr lang="en-US" dirty="0" smtClean="0"/>
+              <a:t>(YCSB)</a:t>
+            </a:r>
+          </a:p>
+          <a:p>
+            <a:pPr marL="285750" indent="-285750">
+              <a:buFontTx/>
+              <a:buChar char="-"/>
+            </a:pPr>
+            <a:r>
+              <a:rPr lang="en-US" dirty="0" err="1" smtClean="0"/>
+              <a:t>Ramcloud</a:t>
+            </a:r>
+            <a:r>
+              <a:rPr lang="en-US" dirty="0" smtClean="0"/>
+              <a:t> </a:t>
+            </a:r>
+            <a:r>
+              <a:rPr lang="en-US" dirty="0" smtClean="0"/>
+              <a:t>(YCSB, </a:t>
+            </a:r>
+            <a:r>
+              <a:rPr lang="en-US" dirty="0" err="1" smtClean="0"/>
+              <a:t>Clusterperf</a:t>
+            </a:r>
+            <a:r>
+              <a:rPr lang="en-US" dirty="0" smtClean="0"/>
+              <a:t>)</a:t>
+            </a:r>
+          </a:p>
+          <a:p>
+            <a:pPr marL="285750" indent="-285750">
+              <a:buFontTx/>
+              <a:buChar char="-"/>
+            </a:pPr>
+            <a:r>
+              <a:rPr lang="en-US" dirty="0" smtClean="0"/>
+              <a:t>Network </a:t>
+            </a:r>
+            <a:r>
+              <a:rPr lang="en-US" dirty="0" smtClean="0"/>
+              <a:t>(latencies, bandwidths)</a:t>
+            </a:r>
+          </a:p>
+          <a:p>
+            <a:r>
+              <a:rPr lang="en-US" dirty="0" smtClean="0"/>
+              <a:t>Spark, Cassandra (YCSB, </a:t>
+            </a:r>
+            <a:r>
+              <a:rPr lang="en-US" dirty="0" err="1" smtClean="0"/>
+              <a:t>Terasort</a:t>
+            </a:r>
+            <a:r>
+              <a:rPr lang="en-US" dirty="0" smtClean="0"/>
+              <a:t>)</a:t>
+            </a:r>
+          </a:p>
+          <a:p>
+            <a:r>
+              <a:rPr lang="en-US" dirty="0" err="1" smtClean="0"/>
+              <a:t>BigDataBenchmark</a:t>
+            </a:r>
+            <a:r>
+              <a:rPr lang="en-US" dirty="0" smtClean="0"/>
+              <a:t> Impala, Hive, </a:t>
+            </a:r>
+            <a:r>
+              <a:rPr lang="en-US" dirty="0" err="1" smtClean="0"/>
+              <a:t>Tez</a:t>
+            </a:r>
+            <a:r>
+              <a:rPr lang="en-US" dirty="0" smtClean="0"/>
+              <a:t>, Redshift</a:t>
+            </a:r>
+            <a:endParaRPr lang="en-US" dirty="0"/>
+          </a:p>
+        </p:txBody>
+      </p:sp>
+    </p:spTree>
+    <p:extLst>
+      <p:ext uri="{BB962C8B-B14F-4D97-AF65-F5344CB8AC3E}">
+        <p14:creationId xmlns:p14="http://schemas.microsoft.com/office/powerpoint/2010/main" val="3321272537"/>
+      </p:ext>
+    </p:extLst>
+  </p:cSld>
+  <p:clrMapOvr>
+    <a:masterClrMapping/>
+  </p:clrMapOvr>
+  <p:timing>
+    <p:tnLst>
+      <p:par>
+        <p:cTn xmlns:p14="http://schemas.microsoft.com/office/powerpoint/2010/main" id="1" dur="indefinite" restart="never" nodeType="tmRoot"/>
+      </p:par>
+    </p:tnLst>
+  </p:timing>
+</p:sld>
+</file>
+
+<file path=ppt/slides/slide3.xml><?xml version="1.0" encoding="utf-8"?>
+<p:sld xmlns:a="http://schemas.openxmlformats.org/drawingml/2006/main" xmlns:r="http://schemas.openxmlformats.org/officeDocument/2006/relationships" xmlns:p="http://schemas.openxmlformats.org/presentationml/2006/main">
+  <p:cSld>
+    <p:spTree>
+      <p:nvGrpSpPr>
+        <p:cNvPr id="1" name=""/>
+        <p:cNvGrpSpPr/>
+        <p:nvPr/>
+      </p:nvGrpSpPr>
+      <p:grpSpPr>
+        <a:xfrm>
+          <a:off x="0" y="0"/>
+          <a:ext cx="0" cy="0"/>
+          <a:chOff x="0" y="0"/>
+          <a:chExt cx="0" cy="0"/>
+        </a:xfrm>
+      </p:grpSpPr>
+      <p:sp>
+        <p:nvSpPr>
+          <p:cNvPr id="7" name="TextBox 6"/>
+          <p:cNvSpPr txBox="1"/>
+          <p:nvPr/>
+        </p:nvSpPr>
+        <p:spPr>
+          <a:xfrm>
+            <a:off x="505708" y="600062"/>
+            <a:ext cx="3415343" cy="553998"/>
+          </a:xfrm>
+          <a:prstGeom prst="rect">
+            <a:avLst/>
+          </a:prstGeom>
+          <a:noFill/>
+        </p:spPr>
+        <p:txBody>
+          <a:bodyPr wrap="none" rtlCol="0">
+            <a:spAutoFit/>
+          </a:bodyPr>
+          <a:lstStyle/>
+          <a:p>
+            <a:pPr algn="ctr"/>
+            <a:r>
+              <a:rPr lang="en-US" sz="3000" b="1" dirty="0" smtClean="0"/>
+              <a:t>What is Firebox – 0?</a:t>
+            </a:r>
+            <a:endParaRPr lang="en-US" sz="3000" b="1" dirty="0" smtClean="0"/>
+          </a:p>
+        </p:txBody>
+      </p:sp>
+      <p:sp>
+        <p:nvSpPr>
+          <p:cNvPr id="3" name="TextBox 2"/>
+          <p:cNvSpPr txBox="1"/>
+          <p:nvPr/>
+        </p:nvSpPr>
+        <p:spPr>
+          <a:xfrm>
+            <a:off x="619688" y="1707156"/>
+            <a:ext cx="8036740" cy="3693319"/>
+          </a:xfrm>
+          <a:prstGeom prst="rect">
+            <a:avLst/>
+          </a:prstGeom>
+          <a:noFill/>
+        </p:spPr>
+        <p:txBody>
+          <a:bodyPr wrap="square" rtlCol="0">
+            <a:spAutoFit/>
+          </a:bodyPr>
+          <a:lstStyle/>
+          <a:p>
+            <a:r>
+              <a:rPr lang="en-US" dirty="0" smtClean="0"/>
+              <a:t>- Firebox – 0:</a:t>
+            </a:r>
+          </a:p>
+          <a:p>
+            <a:pPr marL="450850" indent="-280988">
+              <a:buFont typeface="Arial"/>
+              <a:buChar char="•"/>
+            </a:pPr>
+            <a:r>
+              <a:rPr lang="en-US" dirty="0" smtClean="0"/>
+              <a:t>16-node cluster</a:t>
+            </a:r>
+          </a:p>
+          <a:p>
+            <a:pPr marL="450850" indent="-280988">
+              <a:buFont typeface="Arial"/>
+              <a:buChar char="•"/>
+            </a:pPr>
+            <a:r>
+              <a:rPr lang="en-US" dirty="0" err="1" smtClean="0"/>
+              <a:t>Infiniband</a:t>
+            </a:r>
+            <a:r>
+              <a:rPr lang="en-US" dirty="0" smtClean="0"/>
+              <a:t> interconnect</a:t>
+            </a:r>
+          </a:p>
+          <a:p>
+            <a:pPr marL="285750" indent="-285750">
+              <a:buFont typeface="Arial"/>
+              <a:buChar char="•"/>
+            </a:pPr>
+            <a:endParaRPr lang="en-US" dirty="0"/>
+          </a:p>
+          <a:p>
+            <a:r>
+              <a:rPr lang="en-US" dirty="0" smtClean="0"/>
+              <a:t>- Node configuration:</a:t>
+            </a:r>
+            <a:endParaRPr lang="en-US" dirty="0"/>
+          </a:p>
+          <a:p>
+            <a:pPr marL="169863" indent="280988">
+              <a:buFont typeface="Arial"/>
+              <a:buChar char="•"/>
+              <a:tabLst>
+                <a:tab pos="169863" algn="l"/>
+              </a:tabLst>
+            </a:pPr>
+            <a:r>
+              <a:rPr lang="en-US" dirty="0" smtClean="0"/>
+              <a:t>Inte</a:t>
+            </a:r>
+            <a:r>
+              <a:rPr lang="en-US" dirty="0" smtClean="0"/>
+              <a:t>l Ivy Bridge 8Cores/16Threads 3.0GHz 25MB</a:t>
+            </a:r>
+          </a:p>
+          <a:p>
+            <a:pPr marL="169863" indent="280988">
+              <a:buFont typeface="Arial"/>
+              <a:buChar char="•"/>
+              <a:tabLst>
+                <a:tab pos="169863" algn="l"/>
+              </a:tabLst>
+            </a:pPr>
+            <a:r>
+              <a:rPr lang="en-US" dirty="0" smtClean="0"/>
+              <a:t>64GB RAM</a:t>
+            </a:r>
+          </a:p>
+          <a:p>
+            <a:pPr marL="169863" indent="280988">
+              <a:buFont typeface="Arial"/>
+              <a:buChar char="•"/>
+              <a:tabLst>
+                <a:tab pos="169863" algn="l"/>
+              </a:tabLst>
+            </a:pPr>
+            <a:r>
+              <a:rPr lang="en-US" dirty="0" smtClean="0"/>
+              <a:t>2 SSDs (120GB + 480GB)</a:t>
+            </a:r>
+          </a:p>
+          <a:p>
+            <a:pPr marL="169863" indent="280988">
+              <a:buFont typeface="Arial"/>
+              <a:buChar char="•"/>
+              <a:tabLst>
+                <a:tab pos="169863" algn="l"/>
+              </a:tabLst>
+            </a:pPr>
+            <a:r>
+              <a:rPr lang="en-US" dirty="0" err="1" smtClean="0"/>
+              <a:t>Infiniband</a:t>
+            </a:r>
+            <a:r>
+              <a:rPr lang="en-US" dirty="0" smtClean="0"/>
+              <a:t>: </a:t>
+            </a:r>
+            <a:r>
+              <a:rPr lang="en-US" dirty="0" err="1" smtClean="0"/>
+              <a:t>Mellanox</a:t>
+            </a:r>
+            <a:r>
+              <a:rPr lang="en-US" dirty="0" smtClean="0"/>
+              <a:t> ConnectX-3 VPI MCX354A-FCBT FDR QSFP 56Gbps</a:t>
+            </a:r>
+          </a:p>
+          <a:p>
+            <a:pPr marL="169863" indent="280988">
+              <a:buFont typeface="Arial"/>
+              <a:buChar char="•"/>
+              <a:tabLst>
+                <a:tab pos="169863" algn="l"/>
+              </a:tabLst>
+            </a:pPr>
+            <a:r>
+              <a:rPr lang="en-US" dirty="0" smtClean="0"/>
+              <a:t>Ethernet: </a:t>
+            </a:r>
+            <a:r>
+              <a:rPr lang="en-US" dirty="0" err="1" smtClean="0"/>
+              <a:t>Mellanox</a:t>
+            </a:r>
+            <a:r>
+              <a:rPr lang="en-US" dirty="0" smtClean="0"/>
+              <a:t> ConnextX-3 EN MCX314A-BCBT QSFP 40Gb</a:t>
+            </a:r>
+          </a:p>
+          <a:p>
+            <a:pPr marL="169863" indent="280988">
+              <a:buFont typeface="Arial"/>
+              <a:buChar char="•"/>
+              <a:tabLst>
+                <a:tab pos="169863" algn="l"/>
+              </a:tabLst>
+            </a:pPr>
+            <a:r>
+              <a:rPr lang="en-US" dirty="0" smtClean="0"/>
+              <a:t>Running Ubuntu 14.04 (Linux </a:t>
+            </a:r>
+            <a:r>
+              <a:rPr lang="en-US" dirty="0" smtClean="0"/>
+              <a:t>3.13.0)</a:t>
+            </a:r>
+            <a:endParaRPr lang="en-US" dirty="0" smtClean="0"/>
+          </a:p>
+          <a:p>
+            <a:pPr marL="169863" indent="280988">
+              <a:tabLst>
+                <a:tab pos="169863" algn="l"/>
+              </a:tabLst>
+            </a:pPr>
+            <a:endParaRPr lang="en-US" dirty="0" smtClean="0"/>
+          </a:p>
+          <a:p>
+            <a:pPr marL="285750" indent="-285750">
+              <a:buFontTx/>
+              <a:buChar char="-"/>
+            </a:pPr>
+            <a:r>
+              <a:rPr lang="en-US" dirty="0" smtClean="0"/>
+              <a:t>Each node is connected to 1 </a:t>
+            </a:r>
+            <a:r>
+              <a:rPr lang="en-US" dirty="0" err="1" smtClean="0"/>
+              <a:t>Infiniband</a:t>
+            </a:r>
+            <a:r>
+              <a:rPr lang="en-US" dirty="0" smtClean="0"/>
+              <a:t> and 1 Ethernet switch</a:t>
+            </a:r>
+          </a:p>
+        </p:txBody>
+      </p:sp>
+    </p:spTree>
+    <p:extLst>
+      <p:ext uri="{BB962C8B-B14F-4D97-AF65-F5344CB8AC3E}">
+        <p14:creationId xmlns:p14="http://schemas.microsoft.com/office/powerpoint/2010/main" val="2389898637"/>
+      </p:ext>
+    </p:extLst>
+  </p:cSld>
+  <p:clrMapOvr>
+    <a:masterClrMapping/>
+  </p:clrMapOvr>
+  <p:timing>
+    <p:tnLst>
+      <p:par>
+        <p:cTn xmlns:p14="http://schemas.microsoft.com/office/powerpoint/2010/main" id="1" dur="indefinite" restart="never" nodeType="tmRoot"/>
+      </p:par>
+    </p:tnLst>
+  </p:timing>
+</p:sld>
+</file>
+
+<file path=ppt/slides/slide4.xml><?xml version="1.0" encoding="utf-8"?>
+<p:sld xmlns:a="http://schemas.openxmlformats.org/drawingml/2006/main" xmlns:r="http://schemas.openxmlformats.org/officeDocument/2006/relationships" xmlns:p="http://schemas.openxmlformats.org/presentationml/2006/main">
+  <p:cSld>
+    <p:spTree>
+      <p:nvGrpSpPr>
+        <p:cNvPr id="1" name=""/>
+        <p:cNvGrpSpPr/>
+        <p:nvPr/>
+      </p:nvGrpSpPr>
+      <p:grpSpPr>
+        <a:xfrm>
+          <a:off x="0" y="0"/>
+          <a:ext cx="0" cy="0"/>
+          <a:chOff x="0" y="0"/>
+          <a:chExt cx="0" cy="0"/>
+        </a:xfrm>
+      </p:grpSpPr>
+      <p:sp>
+        <p:nvSpPr>
+          <p:cNvPr id="7" name="TextBox 6"/>
+          <p:cNvSpPr txBox="1"/>
+          <p:nvPr/>
+        </p:nvSpPr>
+        <p:spPr>
+          <a:xfrm>
             <a:off x="322431" y="302842"/>
             <a:ext cx="4753036" cy="553998"/>
           </a:xfrm>
@@ -3136,7 +4325,7 @@
           <p:nvPr>
             <p:extLst>
               <p:ext uri="{D42A27DB-BD31-4B8C-83A1-F6EECF244321}">
-                <p14:modId xmlns:p14="http://schemas.microsoft.com/office/powerpoint/2010/main" val="1267255002"/>
+                <p14:modId xmlns:p14="http://schemas.microsoft.com/office/powerpoint/2010/main" val="3973256469"/>
               </p:ext>
             </p:extLst>
           </p:nvPr>
@@ -3270,7 +4459,7 @@
           <p:nvPr>
             <p:extLst>
               <p:ext uri="{D42A27DB-BD31-4B8C-83A1-F6EECF244321}">
-                <p14:modId xmlns:p14="http://schemas.microsoft.com/office/powerpoint/2010/main" val="2459835310"/>
+                <p14:modId xmlns:p14="http://schemas.microsoft.com/office/powerpoint/2010/main" val="1781179005"/>
               </p:ext>
             </p:extLst>
           </p:nvPr>
@@ -3453,7 +4642,15 @@
             </a:r>
             <a:r>
               <a:rPr lang="en-US" b="1" dirty="0" smtClean="0"/>
-              <a:t> socket library with kernel bypass</a:t>
+              <a:t> </a:t>
+            </a:r>
+            <a:r>
+              <a:rPr lang="en-US" b="1" dirty="0" smtClean="0"/>
+              <a:t>socket </a:t>
+            </a:r>
+            <a:r>
+              <a:rPr lang="en-US" b="1" dirty="0" smtClean="0"/>
+              <a:t>library with kernel bypass</a:t>
             </a:r>
             <a:endParaRPr lang="en-US" b="1" dirty="0"/>
           </a:p>
@@ -3462,7 +4659,7 @@
     </p:spTree>
     <p:extLst>
       <p:ext uri="{BB962C8B-B14F-4D97-AF65-F5344CB8AC3E}">
-        <p14:creationId xmlns:p14="http://schemas.microsoft.com/office/powerpoint/2010/main" val="1172503018"/>
+        <p14:creationId xmlns:p14="http://schemas.microsoft.com/office/powerpoint/2010/main" val="1155595116"/>
       </p:ext>
     </p:extLst>
   </p:cSld>
@@ -3479,7 +4676,7 @@
 </p:sld>
 </file>
 
-<file path=ppt/slides/slide2.xml><?xml version="1.0" encoding="utf-8"?>
+<file path=ppt/slides/slide5.xml><?xml version="1.0" encoding="utf-8"?>
 <p:sld xmlns:a="http://schemas.openxmlformats.org/drawingml/2006/main" xmlns:r="http://schemas.openxmlformats.org/officeDocument/2006/relationships" xmlns:p="http://schemas.openxmlformats.org/presentationml/2006/main">
   <p:cSld>
     <p:spTree>
@@ -3505,7 +4702,7 @@
         <p:spPr>
           <a:xfrm>
             <a:off x="128046" y="302842"/>
-            <a:ext cx="9029485" cy="553998"/>
+            <a:ext cx="9206817" cy="553998"/>
           </a:xfrm>
           <a:prstGeom prst="rect">
             <a:avLst/>
@@ -3520,76 +4717,88 @@
           <a:p>
             <a:r>
               <a:rPr lang="en-US" sz="3000" b="1" dirty="0" err="1" smtClean="0"/>
-              <a:t>Ramcloud</a:t>
+              <a:t>RAMCloud</a:t>
             </a:r>
             <a:r>
               <a:rPr lang="en-US" sz="3000" b="1" dirty="0" smtClean="0"/>
-              <a:t> Read/Write benchmark (Bandwidth/latency)</a:t>
+              <a:t> </a:t>
+            </a:r>
+            <a:r>
+              <a:rPr lang="en-US" sz="3000" b="1" dirty="0" smtClean="0"/>
+              <a:t>Read/Write benchmark (Bandwidth/Latency)</a:t>
             </a:r>
             <a:endParaRPr lang="en-US" sz="3000" b="1" dirty="0"/>
           </a:p>
         </p:txBody>
       </p:sp>
-      <p:pic>
-        <p:nvPicPr>
-          <p:cNvPr id="12" name="Picture 11" descr="ramcloud_benchmark_bw_illust.pdf"/>
-          <p:cNvPicPr>
-            <a:picLocks noChangeAspect="1"/>
-          </p:cNvPicPr>
+      <p:sp>
+        <p:nvSpPr>
+          <p:cNvPr id="2" name="TextBox 1"/>
+          <p:cNvSpPr txBox="1"/>
           <p:nvPr/>
-        </p:nvPicPr>
-        <p:blipFill>
-          <a:blip r:embed="rId2">
-            <a:extLst>
-              <a:ext uri="{28A0092B-C50C-407E-A947-70E740481C1C}">
-                <a14:useLocalDpi xmlns:a14="http://schemas.microsoft.com/office/drawing/2010/main" val="0"/>
-              </a:ext>
-            </a:extLst>
-          </a:blip>
-          <a:stretch>
-            <a:fillRect/>
-          </a:stretch>
-        </p:blipFill>
+        </p:nvSpPr>
         <p:spPr>
           <a:xfrm>
-            <a:off x="115356" y="1410627"/>
-            <a:ext cx="4481663" cy="4114314"/>
+            <a:off x="552195" y="5857055"/>
+            <a:ext cx="3694942" cy="369332"/>
           </a:xfrm>
           <a:prstGeom prst="rect">
             <a:avLst/>
           </a:prstGeom>
+          <a:noFill/>
         </p:spPr>
-      </p:pic>
-      <p:pic>
-        <p:nvPicPr>
-          <p:cNvPr id="13" name="Picture 12" descr="ramcloud_benchmark_lat_illus.pdf"/>
-          <p:cNvPicPr>
-            <a:picLocks noChangeAspect="1"/>
-          </p:cNvPicPr>
+        <p:txBody>
+          <a:bodyPr wrap="none" rtlCol="0">
+            <a:spAutoFit/>
+          </a:bodyPr>
+          <a:lstStyle/>
+          <a:p>
+            <a:r>
+              <a:rPr lang="en-US" dirty="0" err="1" smtClean="0"/>
+              <a:t>PCIe</a:t>
+            </a:r>
+            <a:r>
+              <a:rPr lang="en-US" dirty="0" smtClean="0"/>
+              <a:t> card is bottleneck for bandwidth</a:t>
+            </a:r>
+            <a:endParaRPr lang="en-US" dirty="0"/>
+          </a:p>
+        </p:txBody>
+      </p:sp>
+      <p:sp>
+        <p:nvSpPr>
+          <p:cNvPr id="4" name="TextBox 3"/>
+          <p:cNvSpPr txBox="1"/>
           <p:nvPr/>
-        </p:nvPicPr>
-        <p:blipFill>
-          <a:blip r:embed="rId3">
-            <a:extLst>
-              <a:ext uri="{28A0092B-C50C-407E-A947-70E740481C1C}">
-                <a14:useLocalDpi xmlns:a14="http://schemas.microsoft.com/office/drawing/2010/main" val="0"/>
-              </a:ext>
-            </a:extLst>
-          </a:blip>
-          <a:stretch>
-            <a:fillRect/>
-          </a:stretch>
-        </p:blipFill>
+        </p:nvSpPr>
         <p:spPr>
           <a:xfrm>
-            <a:off x="4721088" y="1410627"/>
-            <a:ext cx="4326561" cy="4114314"/>
+            <a:off x="619688" y="1918821"/>
+            <a:ext cx="4874013" cy="369332"/>
           </a:xfrm>
           <a:prstGeom prst="rect">
             <a:avLst/>
           </a:prstGeom>
+          <a:noFill/>
         </p:spPr>
-      </p:pic>
+        <p:txBody>
+          <a:bodyPr wrap="none" rtlCol="0">
+            <a:spAutoFit/>
+          </a:bodyPr>
+          <a:lstStyle/>
+          <a:p>
+            <a:r>
+              <a:rPr lang="en-US" dirty="0" err="1" smtClean="0"/>
+              <a:t>ClusterPerf</a:t>
+            </a:r>
+            <a:r>
+              <a:rPr lang="en-US" dirty="0" smtClean="0"/>
+              <a:t> (read/write latencies and bandwidths)</a:t>
+            </a:r>
+            <a:endParaRPr lang="en-US" dirty="0"/>
+          </a:p>
+        </p:txBody>
+      </p:sp>
     </p:spTree>
     <p:extLst>
       <p:ext uri="{BB962C8B-B14F-4D97-AF65-F5344CB8AC3E}">
@@ -3610,7 +4819,201 @@
 </p:sld>
 </file>
 
-<file path=ppt/slides/slide3.xml><?xml version="1.0" encoding="utf-8"?>
+<file path=ppt/slides/slide6.xml><?xml version="1.0" encoding="utf-8"?>
+<p:sld xmlns:a="http://schemas.openxmlformats.org/drawingml/2006/main" xmlns:r="http://schemas.openxmlformats.org/officeDocument/2006/relationships" xmlns:p="http://schemas.openxmlformats.org/presentationml/2006/main">
+  <p:cSld>
+    <p:spTree>
+      <p:nvGrpSpPr>
+        <p:cNvPr id="1" name=""/>
+        <p:cNvGrpSpPr/>
+        <p:nvPr/>
+      </p:nvGrpSpPr>
+      <p:grpSpPr>
+        <a:xfrm>
+          <a:off x="0" y="0"/>
+          <a:ext cx="0" cy="0"/>
+          <a:chOff x="0" y="0"/>
+          <a:chExt cx="0" cy="0"/>
+        </a:xfrm>
+      </p:grpSpPr>
+      <p:sp>
+        <p:nvSpPr>
+          <p:cNvPr id="7" name="TextBox 6"/>
+          <p:cNvSpPr txBox="1"/>
+          <p:nvPr/>
+        </p:nvSpPr>
+        <p:spPr>
+          <a:xfrm>
+            <a:off x="128046" y="302842"/>
+            <a:ext cx="1816160" cy="553998"/>
+          </a:xfrm>
+          <a:prstGeom prst="rect">
+            <a:avLst/>
+          </a:prstGeom>
+          <a:noFill/>
+        </p:spPr>
+        <p:txBody>
+          <a:bodyPr wrap="none" rtlCol="0">
+            <a:spAutoFit/>
+          </a:bodyPr>
+          <a:lstStyle/>
+          <a:p>
+            <a:r>
+              <a:rPr lang="en-US" sz="3000" b="1" dirty="0" err="1" smtClean="0"/>
+              <a:t>AeroSpike</a:t>
+            </a:r>
+            <a:endParaRPr lang="en-US" sz="3000" b="1" dirty="0"/>
+          </a:p>
+        </p:txBody>
+      </p:sp>
+      <p:sp>
+        <p:nvSpPr>
+          <p:cNvPr id="3" name="TextBox 2"/>
+          <p:cNvSpPr txBox="1"/>
+          <p:nvPr/>
+        </p:nvSpPr>
+        <p:spPr>
+          <a:xfrm>
+            <a:off x="619688" y="1918821"/>
+            <a:ext cx="5288627" cy="369332"/>
+          </a:xfrm>
+          <a:prstGeom prst="rect">
+            <a:avLst/>
+          </a:prstGeom>
+          <a:noFill/>
+        </p:spPr>
+        <p:txBody>
+          <a:bodyPr wrap="none" rtlCol="0">
+            <a:spAutoFit/>
+          </a:bodyPr>
+          <a:lstStyle/>
+          <a:p>
+            <a:r>
+              <a:rPr lang="en-US" dirty="0" smtClean="0"/>
+              <a:t>YSCB latencies and bandwidths with two types of SSDs</a:t>
+            </a:r>
+            <a:endParaRPr lang="en-US" dirty="0"/>
+          </a:p>
+        </p:txBody>
+      </p:sp>
+    </p:spTree>
+    <p:extLst>
+      <p:ext uri="{BB962C8B-B14F-4D97-AF65-F5344CB8AC3E}">
+        <p14:creationId xmlns:p14="http://schemas.microsoft.com/office/powerpoint/2010/main" val="1744524914"/>
+      </p:ext>
+    </p:extLst>
+  </p:cSld>
+  <p:clrMapOvr>
+    <a:masterClrMapping/>
+  </p:clrMapOvr>
+  <p:timing>
+    <p:tnLst>
+      <p:par>
+        <p:cTn xmlns:p14="http://schemas.microsoft.com/office/powerpoint/2010/main" id="1" dur="indefinite" restart="never" nodeType="tmRoot"/>
+      </p:par>
+    </p:tnLst>
+  </p:timing>
+</p:sld>
+</file>
+
+<file path=ppt/slides/slide7.xml><?xml version="1.0" encoding="utf-8"?>
+<p:sld xmlns:a="http://schemas.openxmlformats.org/drawingml/2006/main" xmlns:r="http://schemas.openxmlformats.org/officeDocument/2006/relationships" xmlns:p="http://schemas.openxmlformats.org/presentationml/2006/main">
+  <p:cSld>
+    <p:spTree>
+      <p:nvGrpSpPr>
+        <p:cNvPr id="1" name=""/>
+        <p:cNvGrpSpPr/>
+        <p:nvPr/>
+      </p:nvGrpSpPr>
+      <p:grpSpPr>
+        <a:xfrm>
+          <a:off x="0" y="0"/>
+          <a:ext cx="0" cy="0"/>
+          <a:chOff x="0" y="0"/>
+          <a:chExt cx="0" cy="0"/>
+        </a:xfrm>
+      </p:grpSpPr>
+      <p:sp>
+        <p:nvSpPr>
+          <p:cNvPr id="7" name="TextBox 6"/>
+          <p:cNvSpPr txBox="1"/>
+          <p:nvPr/>
+        </p:nvSpPr>
+        <p:spPr>
+          <a:xfrm>
+            <a:off x="128046" y="302842"/>
+            <a:ext cx="3414404" cy="553998"/>
+          </a:xfrm>
+          <a:prstGeom prst="rect">
+            <a:avLst/>
+          </a:prstGeom>
+          <a:noFill/>
+        </p:spPr>
+        <p:txBody>
+          <a:bodyPr wrap="none" rtlCol="0">
+            <a:spAutoFit/>
+          </a:bodyPr>
+          <a:lstStyle/>
+          <a:p>
+            <a:r>
+              <a:rPr lang="en-US" sz="3000" b="1" dirty="0" smtClean="0"/>
+              <a:t>Big Data Benchmark</a:t>
+            </a:r>
+            <a:endParaRPr lang="en-US" sz="3000" b="1" dirty="0"/>
+          </a:p>
+        </p:txBody>
+      </p:sp>
+      <p:sp>
+        <p:nvSpPr>
+          <p:cNvPr id="3" name="TextBox 2"/>
+          <p:cNvSpPr txBox="1"/>
+          <p:nvPr/>
+        </p:nvSpPr>
+        <p:spPr>
+          <a:xfrm>
+            <a:off x="619688" y="1918821"/>
+            <a:ext cx="1176186" cy="369332"/>
+          </a:xfrm>
+          <a:prstGeom prst="rect">
+            <a:avLst/>
+          </a:prstGeom>
+          <a:noFill/>
+        </p:spPr>
+        <p:txBody>
+          <a:bodyPr wrap="none" rtlCol="0">
+            <a:spAutoFit/>
+          </a:bodyPr>
+          <a:lstStyle/>
+          <a:p>
+            <a:r>
+              <a:rPr lang="en-US" dirty="0" smtClean="0"/>
+              <a:t>Spark SQL, </a:t>
+            </a:r>
+            <a:endParaRPr lang="en-US" dirty="0"/>
+          </a:p>
+        </p:txBody>
+      </p:sp>
+    </p:spTree>
+    <p:extLst>
+      <p:ext uri="{BB962C8B-B14F-4D97-AF65-F5344CB8AC3E}">
+        <p14:creationId xmlns:p14="http://schemas.microsoft.com/office/powerpoint/2010/main" val="4105339425"/>
+      </p:ext>
+    </p:extLst>
+  </p:cSld>
+  <p:clrMapOvr>
+    <a:masterClrMapping/>
+  </p:clrMapOvr>
+  <p:timing>
+    <p:tnLst>
+      <p:par>
+        <p:cTn xmlns:p14="http://schemas.microsoft.com/office/powerpoint/2010/main" id="1" dur="indefinite" restart="never" nodeType="tmRoot"/>
+      </p:par>
+    </p:tnLst>
+  </p:timing>
+</p:sld>
+</file>
+
+<file path=ppt/slides/slide8.xml><?xml version="1.0" encoding="utf-8"?>
 <p:sld xmlns:a="http://schemas.openxmlformats.org/drawingml/2006/main" xmlns:r="http://schemas.openxmlformats.org/officeDocument/2006/relationships" xmlns:p="http://schemas.openxmlformats.org/presentationml/2006/main">
   <p:cSld>
     <p:spTree>
@@ -3921,6 +5324,73 @@
     <p:extLst>
       <p:ext uri="{BB962C8B-B14F-4D97-AF65-F5344CB8AC3E}">
         <p14:creationId xmlns:p14="http://schemas.microsoft.com/office/powerpoint/2010/main" val="2903384716"/>
+      </p:ext>
+    </p:extLst>
+  </p:cSld>
+  <p:clrMapOvr>
+    <a:masterClrMapping/>
+  </p:clrMapOvr>
+  <p:timing>
+    <p:tnLst>
+      <p:par>
+        <p:cTn xmlns:p14="http://schemas.microsoft.com/office/powerpoint/2010/main" id="1" dur="indefinite" restart="never" nodeType="tmRoot"/>
+      </p:par>
+    </p:tnLst>
+  </p:timing>
+</p:sld>
+</file>
+
+<file path=ppt/slides/slide9.xml><?xml version="1.0" encoding="utf-8"?>
+<p:sld xmlns:a="http://schemas.openxmlformats.org/drawingml/2006/main" xmlns:r="http://schemas.openxmlformats.org/officeDocument/2006/relationships" xmlns:p="http://schemas.openxmlformats.org/presentationml/2006/main">
+  <p:cSld>
+    <p:spTree>
+      <p:nvGrpSpPr>
+        <p:cNvPr id="1" name=""/>
+        <p:cNvGrpSpPr/>
+        <p:nvPr/>
+      </p:nvGrpSpPr>
+      <p:grpSpPr>
+        <a:xfrm>
+          <a:off x="0" y="0"/>
+          <a:ext cx="0" cy="0"/>
+          <a:chOff x="0" y="0"/>
+          <a:chExt cx="0" cy="0"/>
+        </a:xfrm>
+      </p:grpSpPr>
+      <p:sp>
+        <p:nvSpPr>
+          <p:cNvPr id="7" name="TextBox 6"/>
+          <p:cNvSpPr txBox="1"/>
+          <p:nvPr/>
+        </p:nvSpPr>
+        <p:spPr>
+          <a:xfrm>
+            <a:off x="322431" y="302842"/>
+            <a:ext cx="1857299" cy="553998"/>
+          </a:xfrm>
+          <a:prstGeom prst="rect">
+            <a:avLst/>
+          </a:prstGeom>
+          <a:noFill/>
+        </p:spPr>
+        <p:txBody>
+          <a:bodyPr wrap="none" rtlCol="0">
+            <a:spAutoFit/>
+          </a:bodyPr>
+          <a:lstStyle/>
+          <a:p>
+            <a:r>
+              <a:rPr lang="en-US" sz="3000" b="1" dirty="0" smtClean="0"/>
+              <a:t>Discussion</a:t>
+            </a:r>
+            <a:endParaRPr lang="en-US" sz="3000" b="1" dirty="0"/>
+          </a:p>
+        </p:txBody>
+      </p:sp>
+    </p:spTree>
+    <p:extLst>
+      <p:ext uri="{BB962C8B-B14F-4D97-AF65-F5344CB8AC3E}">
+        <p14:creationId xmlns:p14="http://schemas.microsoft.com/office/powerpoint/2010/main" val="2235642426"/>
       </p:ext>
     </p:extLst>
   </p:cSld>
@@ -4255,4 +5725,324 @@
   </a:objectDefaults>
   <a:extraClrSchemeLst/>
 </a:theme>
+</file>
+
+<file path=ppt/theme/theme2.xml><?xml version="1.0" encoding="utf-8"?>
+<a:theme xmlns:a="http://schemas.openxmlformats.org/drawingml/2006/main" name="Office Theme">
+  <a:themeElements>
+    <a:clrScheme name="Office">
+      <a:dk1>
+        <a:sysClr val="windowText" lastClr="000000"/>
+      </a:dk1>
+      <a:lt1>
+        <a:sysClr val="window" lastClr="FFFFFF"/>
+      </a:lt1>
+      <a:dk2>
+        <a:srgbClr val="1F497D"/>
+      </a:dk2>
+      <a:lt2>
+        <a:srgbClr val="EEECE1"/>
+      </a:lt2>
+      <a:accent1>
+        <a:srgbClr val="4F81BD"/>
+      </a:accent1>
+      <a:accent2>
+        <a:srgbClr val="C0504D"/>
+      </a:accent2>
+      <a:accent3>
+        <a:srgbClr val="9BBB59"/>
+      </a:accent3>
+      <a:accent4>
+        <a:srgbClr val="8064A2"/>
+      </a:accent4>
+      <a:accent5>
+        <a:srgbClr val="4BACC6"/>
+      </a:accent5>
+      <a:accent6>
+        <a:srgbClr val="F79646"/>
+      </a:accent6>
+      <a:hlink>
+        <a:srgbClr val="0000FF"/>
+      </a:hlink>
+      <a:folHlink>
+        <a:srgbClr val="800080"/>
+      </a:folHlink>
+    </a:clrScheme>
+    <a:fontScheme name="Office">
+      <a:majorFont>
+        <a:latin typeface="Calibri"/>
+        <a:ea typeface=""/>
+        <a:cs typeface=""/>
+        <a:font script="Jpan" typeface="ＭＳ Ｐゴシック"/>
+        <a:font script="Hang" typeface="맑은 고딕"/>
+        <a:font script="Hans" typeface="宋体"/>
+        <a:font script="Hant" typeface="新細明體"/>
+        <a:font script="Arab" typeface="Times New Roman"/>
+        <a:font script="Hebr" typeface="Times New Roman"/>
+        <a:font script="Thai" typeface="Angsana New"/>
+        <a:font script="Ethi" typeface="Nyala"/>
+        <a:font script="Beng" typeface="Vrinda"/>
+        <a:font script="Gujr" typeface="Shruti"/>
+        <a:font script="Khmr" typeface="MoolBoran"/>
+        <a:font script="Knda" typeface="Tunga"/>
+        <a:font script="Guru" typeface="Raavi"/>
+        <a:font script="Cans" typeface="Euphemia"/>
+        <a:font script="Cher" typeface="Plantagenet Cherokee"/>
+        <a:font script="Yiii" typeface="Microsoft Yi Baiti"/>
+        <a:font script="Tibt" typeface="Microsoft Himalaya"/>
+        <a:font script="Thaa" typeface="MV Boli"/>
+        <a:font script="Deva" typeface="Mangal"/>
+        <a:font script="Telu" typeface="Gautami"/>
+        <a:font script="Taml" typeface="Latha"/>
+        <a:font script="Syrc" typeface="Estrangelo Edessa"/>
+        <a:font script="Orya" typeface="Kalinga"/>
+        <a:font script="Mlym" typeface="Kartika"/>
+        <a:font script="Laoo" typeface="DokChampa"/>
+        <a:font script="Sinh" typeface="Iskoola Pota"/>
+        <a:font script="Mong" typeface="Mongolian Baiti"/>
+        <a:font script="Viet" typeface="Times New Roman"/>
+        <a:font script="Uigh" typeface="Microsoft Uighur"/>
+        <a:font script="Geor" typeface="Sylfaen"/>
+      </a:majorFont>
+      <a:minorFont>
+        <a:latin typeface="Calibri"/>
+        <a:ea typeface=""/>
+        <a:cs typeface=""/>
+        <a:font script="Jpan" typeface="ＭＳ Ｐゴシック"/>
+        <a:font script="Hang" typeface="맑은 고딕"/>
+        <a:font script="Hans" typeface="宋体"/>
+        <a:font script="Hant" typeface="新細明體"/>
+        <a:font script="Arab" typeface="Arial"/>
+        <a:font script="Hebr" typeface="Arial"/>
+        <a:font script="Thai" typeface="Cordia New"/>
+        <a:font script="Ethi" typeface="Nyala"/>
+        <a:font script="Beng" typeface="Vrinda"/>
+        <a:font script="Gujr" typeface="Shruti"/>
+        <a:font script="Khmr" typeface="DaunPenh"/>
+        <a:font script="Knda" typeface="Tunga"/>
+        <a:font script="Guru" typeface="Raavi"/>
+        <a:font script="Cans" typeface="Euphemia"/>
+        <a:font script="Cher" typeface="Plantagenet Cherokee"/>
+        <a:font script="Yiii" typeface="Microsoft Yi Baiti"/>
+        <a:font script="Tibt" typeface="Microsoft Himalaya"/>
+        <a:font script="Thaa" typeface="MV Boli"/>
+        <a:font script="Deva" typeface="Mangal"/>
+        <a:font script="Telu" typeface="Gautami"/>
+        <a:font script="Taml" typeface="Latha"/>
+        <a:font script="Syrc" typeface="Estrangelo Edessa"/>
+        <a:font script="Orya" typeface="Kalinga"/>
+        <a:font script="Mlym" typeface="Kartika"/>
+        <a:font script="Laoo" typeface="DokChampa"/>
+        <a:font script="Sinh" typeface="Iskoola Pota"/>
+        <a:font script="Mong" typeface="Mongolian Baiti"/>
+        <a:font script="Viet" typeface="Arial"/>
+        <a:font script="Uigh" typeface="Microsoft Uighur"/>
+        <a:font script="Geor" typeface="Sylfaen"/>
+      </a:minorFont>
+    </a:fontScheme>
+    <a:fmtScheme name="Office">
+      <a:fillStyleLst>
+        <a:solidFill>
+          <a:schemeClr val="phClr"/>
+        </a:solidFill>
+        <a:gradFill rotWithShape="1">
+          <a:gsLst>
+            <a:gs pos="0">
+              <a:schemeClr val="phClr">
+                <a:tint val="50000"/>
+                <a:satMod val="300000"/>
+              </a:schemeClr>
+            </a:gs>
+            <a:gs pos="35000">
+              <a:schemeClr val="phClr">
+                <a:tint val="37000"/>
+                <a:satMod val="300000"/>
+              </a:schemeClr>
+            </a:gs>
+            <a:gs pos="100000">
+              <a:schemeClr val="phClr">
+                <a:tint val="15000"/>
+                <a:satMod val="350000"/>
+              </a:schemeClr>
+            </a:gs>
+          </a:gsLst>
+          <a:lin ang="16200000" scaled="1"/>
+        </a:gradFill>
+        <a:gradFill rotWithShape="1">
+          <a:gsLst>
+            <a:gs pos="0">
+              <a:schemeClr val="phClr">
+                <a:tint val="100000"/>
+                <a:shade val="100000"/>
+                <a:satMod val="130000"/>
+              </a:schemeClr>
+            </a:gs>
+            <a:gs pos="100000">
+              <a:schemeClr val="phClr">
+                <a:tint val="50000"/>
+                <a:shade val="100000"/>
+                <a:satMod val="350000"/>
+              </a:schemeClr>
+            </a:gs>
+          </a:gsLst>
+          <a:lin ang="16200000" scaled="0"/>
+        </a:gradFill>
+      </a:fillStyleLst>
+      <a:lnStyleLst>
+        <a:ln w="9525" cap="flat" cmpd="sng" algn="ctr">
+          <a:solidFill>
+            <a:schemeClr val="phClr">
+              <a:shade val="95000"/>
+              <a:satMod val="105000"/>
+            </a:schemeClr>
+          </a:solidFill>
+          <a:prstDash val="solid"/>
+        </a:ln>
+        <a:ln w="25400" cap="flat" cmpd="sng" algn="ctr">
+          <a:solidFill>
+            <a:schemeClr val="phClr"/>
+          </a:solidFill>
+          <a:prstDash val="solid"/>
+        </a:ln>
+        <a:ln w="38100" cap="flat" cmpd="sng" algn="ctr">
+          <a:solidFill>
+            <a:schemeClr val="phClr"/>
+          </a:solidFill>
+          <a:prstDash val="solid"/>
+        </a:ln>
+      </a:lnStyleLst>
+      <a:effectStyleLst>
+        <a:effectStyle>
+          <a:effectLst>
+            <a:outerShdw blurRad="40000" dist="20000" dir="5400000" rotWithShape="0">
+              <a:srgbClr val="000000">
+                <a:alpha val="38000"/>
+              </a:srgbClr>
+            </a:outerShdw>
+          </a:effectLst>
+        </a:effectStyle>
+        <a:effectStyle>
+          <a:effectLst>
+            <a:outerShdw blurRad="40000" dist="23000" dir="5400000" rotWithShape="0">
+              <a:srgbClr val="000000">
+                <a:alpha val="35000"/>
+              </a:srgbClr>
+            </a:outerShdw>
+          </a:effectLst>
+        </a:effectStyle>
+        <a:effectStyle>
+          <a:effectLst>
+            <a:outerShdw blurRad="40000" dist="23000" dir="5400000" rotWithShape="0">
+              <a:srgbClr val="000000">
+                <a:alpha val="35000"/>
+              </a:srgbClr>
+            </a:outerShdw>
+          </a:effectLst>
+          <a:scene3d>
+            <a:camera prst="orthographicFront">
+              <a:rot lat="0" lon="0" rev="0"/>
+            </a:camera>
+            <a:lightRig rig="threePt" dir="t">
+              <a:rot lat="0" lon="0" rev="1200000"/>
+            </a:lightRig>
+          </a:scene3d>
+          <a:sp3d>
+            <a:bevelT w="63500" h="25400"/>
+          </a:sp3d>
+        </a:effectStyle>
+      </a:effectStyleLst>
+      <a:bgFillStyleLst>
+        <a:solidFill>
+          <a:schemeClr val="phClr"/>
+        </a:solidFill>
+        <a:gradFill rotWithShape="1">
+          <a:gsLst>
+            <a:gs pos="0">
+              <a:schemeClr val="phClr">
+                <a:tint val="40000"/>
+                <a:satMod val="350000"/>
+              </a:schemeClr>
+            </a:gs>
+            <a:gs pos="40000">
+              <a:schemeClr val="phClr">
+                <a:tint val="45000"/>
+                <a:shade val="99000"/>
+                <a:satMod val="350000"/>
+              </a:schemeClr>
+            </a:gs>
+            <a:gs pos="100000">
+              <a:schemeClr val="phClr">
+                <a:shade val="20000"/>
+                <a:satMod val="255000"/>
+              </a:schemeClr>
+            </a:gs>
+          </a:gsLst>
+          <a:path path="circle">
+            <a:fillToRect l="50000" t="-80000" r="50000" b="180000"/>
+          </a:path>
+        </a:gradFill>
+        <a:gradFill rotWithShape="1">
+          <a:gsLst>
+            <a:gs pos="0">
+              <a:schemeClr val="phClr">
+                <a:tint val="80000"/>
+                <a:satMod val="300000"/>
+              </a:schemeClr>
+            </a:gs>
+            <a:gs pos="100000">
+              <a:schemeClr val="phClr">
+                <a:shade val="30000"/>
+                <a:satMod val="200000"/>
+              </a:schemeClr>
+            </a:gs>
+          </a:gsLst>
+          <a:path path="circle">
+            <a:fillToRect l="50000" t="50000" r="50000" b="50000"/>
+          </a:path>
+        </a:gradFill>
+      </a:bgFillStyleLst>
+    </a:fmtScheme>
+  </a:themeElements>
+  <a:objectDefaults>
+    <a:spDef>
+      <a:spPr/>
+      <a:bodyPr/>
+      <a:lstStyle/>
+      <a:style>
+        <a:lnRef idx="1">
+          <a:schemeClr val="accent1"/>
+        </a:lnRef>
+        <a:fillRef idx="3">
+          <a:schemeClr val="accent1"/>
+        </a:fillRef>
+        <a:effectRef idx="2">
+          <a:schemeClr val="accent1"/>
+        </a:effectRef>
+        <a:fontRef idx="minor">
+          <a:schemeClr val="lt1"/>
+        </a:fontRef>
+      </a:style>
+    </a:spDef>
+    <a:lnDef>
+      <a:spPr/>
+      <a:bodyPr/>
+      <a:lstStyle/>
+      <a:style>
+        <a:lnRef idx="2">
+          <a:schemeClr val="accent1"/>
+        </a:lnRef>
+        <a:fillRef idx="0">
+          <a:schemeClr val="accent1"/>
+        </a:fillRef>
+        <a:effectRef idx="1">
+          <a:schemeClr val="accent1"/>
+        </a:effectRef>
+        <a:fontRef idx="minor">
+          <a:schemeClr val="tx1"/>
+        </a:fontRef>
+      </a:style>
+    </a:lnDef>
+  </a:objectDefaults>
+  <a:extraClrSchemeLst/>
+</a:theme>
 </file>
--- a/FireboxBenchmarks-retreat.pptx
+++ b/FireboxBenchmarks-retreat.pptx
@@ -5,18 +5,22 @@
     <p:sldMasterId id="2147483648" r:id="rId1"/>
   </p:sldMasterIdLst>
   <p:notesMasterIdLst>
-    <p:notesMasterId r:id="rId11"/>
+    <p:notesMasterId r:id="rId15"/>
   </p:notesMasterIdLst>
   <p:sldIdLst>
     <p:sldId id="258" r:id="rId2"/>
     <p:sldId id="261" r:id="rId3"/>
     <p:sldId id="260" r:id="rId4"/>
     <p:sldId id="259" r:id="rId5"/>
-    <p:sldId id="256" r:id="rId6"/>
-    <p:sldId id="264" r:id="rId7"/>
-    <p:sldId id="265" r:id="rId8"/>
-    <p:sldId id="257" r:id="rId9"/>
+    <p:sldId id="268" r:id="rId6"/>
+    <p:sldId id="256" r:id="rId7"/>
+    <p:sldId id="264" r:id="rId8"/>
+    <p:sldId id="265" r:id="rId9"/>
     <p:sldId id="262" r:id="rId10"/>
+    <p:sldId id="267" r:id="rId11"/>
+    <p:sldId id="266" r:id="rId12"/>
+    <p:sldId id="257" r:id="rId13"/>
+    <p:sldId id="270" r:id="rId14"/>
   </p:sldIdLst>
   <p:sldSz cx="9144000" cy="6858000" type="screen4x3"/>
   <p:notesSz cx="6858000" cy="9144000"/>
@@ -527,7 +531,7 @@
             </a:pPr>
             <a:r>
               <a:rPr lang="en-US" baseline="0" dirty="0" smtClean="0"/>
-              <a:t>Glimpse of capabilities of Firebox V0</a:t>
+              <a:t>Glimpse of hardware capabilities of Firebox V0</a:t>
             </a:r>
           </a:p>
           <a:p>
@@ -637,15 +641,28 @@
             </a:r>
             <a:r>
               <a:rPr lang="en-US" baseline="0" dirty="0" smtClean="0"/>
-              <a:t> overview </a:t>
-            </a:r>
-            <a:r>
-              <a:rPr lang="en-US" baseline="0" smtClean="0"/>
-              <a:t>of Hardware / Software </a:t>
-            </a:r>
+              <a:t> overview of Hardware / Software configuration of Firebox</a:t>
+            </a:r>
+          </a:p>
+          <a:p>
+            <a:endParaRPr lang="en-US" baseline="0" dirty="0" smtClean="0"/>
+          </a:p>
+          <a:p>
             <a:r>
               <a:rPr lang="en-US" baseline="0" dirty="0" smtClean="0"/>
-              <a:t>configuration of Firebox</a:t>
+              <a:t>Aggregate memory and disk capacity:</a:t>
+            </a:r>
+          </a:p>
+          <a:p>
+            <a:r>
+              <a:rPr lang="en-US" baseline="0" dirty="0" smtClean="0"/>
+              <a:t>- 1TB of RAM</a:t>
+            </a:r>
+          </a:p>
+          <a:p>
+            <a:r>
+              <a:rPr lang="en-US" baseline="0" dirty="0" smtClean="0"/>
+              <a:t>- ~9.4TB of SSD storage</a:t>
             </a:r>
             <a:endParaRPr lang="en-US" dirty="0" smtClean="0"/>
           </a:p>
@@ -669,6 +686,840 @@
             <a:fld id="{0E827EFA-5465-8D44-95A2-57B374621445}" type="slidenum">
               <a:rPr lang="en-US" smtClean="0"/>
               <a:t>3</a:t>
+            </a:fld>
+            <a:endParaRPr lang="en-US"/>
+          </a:p>
+        </p:txBody>
+      </p:sp>
+    </p:spTree>
+    <p:extLst>
+      <p:ext uri="{BB962C8B-B14F-4D97-AF65-F5344CB8AC3E}">
+        <p14:creationId xmlns:p14="http://schemas.microsoft.com/office/powerpoint/2010/main" val="4179095948"/>
+      </p:ext>
+    </p:extLst>
+  </p:cSld>
+  <p:clrMapOvr>
+    <a:masterClrMapping/>
+  </p:clrMapOvr>
+</p:notes>
+</file>
+
+<file path=ppt/notesSlides/notesSlide3.xml><?xml version="1.0" encoding="utf-8"?>
+<p:notes xmlns:a="http://schemas.openxmlformats.org/drawingml/2006/main" xmlns:r="http://schemas.openxmlformats.org/officeDocument/2006/relationships" xmlns:p="http://schemas.openxmlformats.org/presentationml/2006/main">
+  <p:cSld>
+    <p:spTree>
+      <p:nvGrpSpPr>
+        <p:cNvPr id="1" name=""/>
+        <p:cNvGrpSpPr/>
+        <p:nvPr/>
+      </p:nvGrpSpPr>
+      <p:grpSpPr>
+        <a:xfrm>
+          <a:off x="0" y="0"/>
+          <a:ext cx="0" cy="0"/>
+          <a:chOff x="0" y="0"/>
+          <a:chExt cx="0" cy="0"/>
+        </a:xfrm>
+      </p:grpSpPr>
+      <p:sp>
+        <p:nvSpPr>
+          <p:cNvPr id="2" name="Slide Image Placeholder 1"/>
+          <p:cNvSpPr>
+            <a:spLocks noGrp="1" noRot="1" noChangeAspect="1"/>
+          </p:cNvSpPr>
+          <p:nvPr>
+            <p:ph type="sldImg"/>
+          </p:nvPr>
+        </p:nvSpPr>
+        <p:spPr/>
+      </p:sp>
+      <p:sp>
+        <p:nvSpPr>
+          <p:cNvPr id="3" name="Notes Placeholder 2"/>
+          <p:cNvSpPr>
+            <a:spLocks noGrp="1"/>
+          </p:cNvSpPr>
+          <p:nvPr>
+            <p:ph type="body" idx="1"/>
+          </p:nvPr>
+        </p:nvSpPr>
+        <p:spPr/>
+        <p:txBody>
+          <a:bodyPr/>
+          <a:lstStyle/>
+          <a:p>
+            <a:r>
+              <a:rPr lang="en-US" dirty="0" smtClean="0"/>
+              <a:t>Raw</a:t>
+            </a:r>
+            <a:r>
+              <a:rPr lang="en-US" baseline="0" dirty="0" smtClean="0"/>
+              <a:t> benchmark of Firebox Network</a:t>
+            </a:r>
+          </a:p>
+          <a:p>
+            <a:endParaRPr lang="en-US" baseline="0" dirty="0" smtClean="0"/>
+          </a:p>
+          <a:p>
+            <a:r>
+              <a:rPr lang="en-US" baseline="0" dirty="0" smtClean="0"/>
+              <a:t>TODO:</a:t>
+            </a:r>
+          </a:p>
+          <a:p>
+            <a:endParaRPr lang="en-US" dirty="0"/>
+          </a:p>
+        </p:txBody>
+      </p:sp>
+      <p:sp>
+        <p:nvSpPr>
+          <p:cNvPr id="4" name="Slide Number Placeholder 3"/>
+          <p:cNvSpPr>
+            <a:spLocks noGrp="1"/>
+          </p:cNvSpPr>
+          <p:nvPr>
+            <p:ph type="sldNum" sz="quarter" idx="10"/>
+          </p:nvPr>
+        </p:nvSpPr>
+        <p:spPr/>
+        <p:txBody>
+          <a:bodyPr/>
+          <a:lstStyle/>
+          <a:p>
+            <a:fld id="{0E827EFA-5465-8D44-95A2-57B374621445}" type="slidenum">
+              <a:rPr lang="en-US" smtClean="0"/>
+              <a:t>4</a:t>
+            </a:fld>
+            <a:endParaRPr lang="en-US"/>
+          </a:p>
+        </p:txBody>
+      </p:sp>
+    </p:spTree>
+    <p:extLst>
+      <p:ext uri="{BB962C8B-B14F-4D97-AF65-F5344CB8AC3E}">
+        <p14:creationId xmlns:p14="http://schemas.microsoft.com/office/powerpoint/2010/main" val="643808864"/>
+      </p:ext>
+    </p:extLst>
+  </p:cSld>
+  <p:clrMapOvr>
+    <a:masterClrMapping/>
+  </p:clrMapOvr>
+</p:notes>
+</file>
+
+<file path=ppt/notesSlides/notesSlide4.xml><?xml version="1.0" encoding="utf-8"?>
+<p:notes xmlns:a="http://schemas.openxmlformats.org/drawingml/2006/main" xmlns:r="http://schemas.openxmlformats.org/officeDocument/2006/relationships" xmlns:p="http://schemas.openxmlformats.org/presentationml/2006/main">
+  <p:cSld>
+    <p:spTree>
+      <p:nvGrpSpPr>
+        <p:cNvPr id="1" name=""/>
+        <p:cNvGrpSpPr/>
+        <p:nvPr/>
+      </p:nvGrpSpPr>
+      <p:grpSpPr>
+        <a:xfrm>
+          <a:off x="0" y="0"/>
+          <a:ext cx="0" cy="0"/>
+          <a:chOff x="0" y="0"/>
+          <a:chExt cx="0" cy="0"/>
+        </a:xfrm>
+      </p:grpSpPr>
+      <p:sp>
+        <p:nvSpPr>
+          <p:cNvPr id="2" name="Slide Image Placeholder 1"/>
+          <p:cNvSpPr>
+            <a:spLocks noGrp="1" noRot="1" noChangeAspect="1"/>
+          </p:cNvSpPr>
+          <p:nvPr>
+            <p:ph type="sldImg"/>
+          </p:nvPr>
+        </p:nvSpPr>
+        <p:spPr/>
+      </p:sp>
+      <p:sp>
+        <p:nvSpPr>
+          <p:cNvPr id="3" name="Notes Placeholder 2"/>
+          <p:cNvSpPr>
+            <a:spLocks noGrp="1"/>
+          </p:cNvSpPr>
+          <p:nvPr>
+            <p:ph type="body" idx="1"/>
+          </p:nvPr>
+        </p:nvSpPr>
+        <p:spPr/>
+        <p:txBody>
+          <a:bodyPr/>
+          <a:lstStyle/>
+          <a:p>
+            <a:r>
+              <a:rPr lang="en-US" dirty="0" smtClean="0"/>
+              <a:t>Key-value</a:t>
+            </a:r>
+            <a:r>
+              <a:rPr lang="en-US" baseline="0" dirty="0" smtClean="0"/>
+              <a:t> stores.</a:t>
+            </a:r>
+          </a:p>
+          <a:p>
+            <a:endParaRPr lang="en-US" baseline="0" dirty="0" smtClean="0"/>
+          </a:p>
+          <a:p>
+            <a:r>
+              <a:rPr lang="en-US" baseline="0" dirty="0" smtClean="0"/>
+              <a:t>1) What is </a:t>
+            </a:r>
+            <a:r>
+              <a:rPr lang="en-US" baseline="0" dirty="0" err="1" smtClean="0"/>
+              <a:t>RAMCloud</a:t>
+            </a:r>
+            <a:r>
+              <a:rPr lang="en-US" baseline="0" dirty="0" smtClean="0"/>
+              <a:t>?</a:t>
+            </a:r>
+          </a:p>
+          <a:p>
+            <a:r>
+              <a:rPr lang="en-US" baseline="0" dirty="0" smtClean="0"/>
+              <a:t>DRAM-based storage system</a:t>
+            </a:r>
+          </a:p>
+          <a:p>
+            <a:endParaRPr lang="en-US" baseline="0" dirty="0" smtClean="0"/>
+          </a:p>
+          <a:p>
+            <a:r>
+              <a:rPr lang="en-US" baseline="0" dirty="0" smtClean="0"/>
+              <a:t>The case for </a:t>
+            </a:r>
+            <a:r>
+              <a:rPr lang="en-US" baseline="0" dirty="0" err="1" smtClean="0"/>
+              <a:t>RAMCloud</a:t>
+            </a:r>
+            <a:endParaRPr lang="en-US" baseline="0" dirty="0" smtClean="0"/>
+          </a:p>
+          <a:p>
+            <a:r>
+              <a:rPr lang="en-US" baseline="0" dirty="0" smtClean="0"/>
+              <a:t>http://</a:t>
+            </a:r>
+            <a:r>
+              <a:rPr lang="en-US" baseline="0" dirty="0" err="1" smtClean="0"/>
+              <a:t>delivery.acm.org</a:t>
+            </a:r>
+            <a:r>
+              <a:rPr lang="en-US" baseline="0" dirty="0" smtClean="0"/>
+              <a:t>/10.1145/1970000/1965751/p121-ousterhout.pdf?ip=2.83.55.65&amp;id=1965751&amp;acc=</a:t>
+            </a:r>
+            <a:r>
+              <a:rPr lang="en-US" baseline="0" dirty="0" err="1" smtClean="0"/>
+              <a:t>OPEN&amp;key</a:t>
+            </a:r>
+            <a:r>
+              <a:rPr lang="en-US" baseline="0" dirty="0" smtClean="0"/>
+              <a:t>=4D4702B0C3E38B35%2E4D4702B0C3E38B35%2E528120C21059793D%2E6D218144511F3437&amp;CFID=551422919&amp;CFTOKEN=31387118&amp;__acm__=1420299996_3806cb8ae5b1fc2b0b8d8d4351f9242b</a:t>
+            </a:r>
+          </a:p>
+          <a:p>
+            <a:r>
+              <a:rPr lang="en-US" baseline="0" dirty="0" smtClean="0"/>
+              <a:t>http://</a:t>
+            </a:r>
+            <a:r>
+              <a:rPr lang="en-US" baseline="0" dirty="0" err="1" smtClean="0"/>
+              <a:t>web.stanford.edu</a:t>
+            </a:r>
+            <a:r>
+              <a:rPr lang="en-US" baseline="0" dirty="0" smtClean="0"/>
+              <a:t>/~ouster/</a:t>
+            </a:r>
+            <a:r>
+              <a:rPr lang="en-US" baseline="0" dirty="0" err="1" smtClean="0"/>
+              <a:t>cgi</a:t>
+            </a:r>
+            <a:r>
+              <a:rPr lang="en-US" baseline="0" dirty="0" smtClean="0"/>
+              <a:t>-bin/papers/</a:t>
+            </a:r>
+            <a:r>
+              <a:rPr lang="en-US" baseline="0" dirty="0" err="1" smtClean="0"/>
+              <a:t>ramcloud-recovery.pdf</a:t>
+            </a:r>
+            <a:endParaRPr lang="en-US" baseline="0" dirty="0" smtClean="0"/>
+          </a:p>
+        </p:txBody>
+      </p:sp>
+      <p:sp>
+        <p:nvSpPr>
+          <p:cNvPr id="4" name="Slide Number Placeholder 3"/>
+          <p:cNvSpPr>
+            <a:spLocks noGrp="1"/>
+          </p:cNvSpPr>
+          <p:nvPr>
+            <p:ph type="sldNum" sz="quarter" idx="10"/>
+          </p:nvPr>
+        </p:nvSpPr>
+        <p:spPr/>
+        <p:txBody>
+          <a:bodyPr/>
+          <a:lstStyle/>
+          <a:p>
+            <a:fld id="{0E827EFA-5465-8D44-95A2-57B374621445}" type="slidenum">
+              <a:rPr lang="en-US" smtClean="0"/>
+              <a:t>5</a:t>
+            </a:fld>
+            <a:endParaRPr lang="en-US"/>
+          </a:p>
+        </p:txBody>
+      </p:sp>
+    </p:spTree>
+    <p:extLst>
+      <p:ext uri="{BB962C8B-B14F-4D97-AF65-F5344CB8AC3E}">
+        <p14:creationId xmlns:p14="http://schemas.microsoft.com/office/powerpoint/2010/main" val="643808864"/>
+      </p:ext>
+    </p:extLst>
+  </p:cSld>
+  <p:clrMapOvr>
+    <a:masterClrMapping/>
+  </p:clrMapOvr>
+</p:notes>
+</file>
+
+<file path=ppt/notesSlides/notesSlide5.xml><?xml version="1.0" encoding="utf-8"?>
+<p:notes xmlns:a="http://schemas.openxmlformats.org/drawingml/2006/main" xmlns:r="http://schemas.openxmlformats.org/officeDocument/2006/relationships" xmlns:p="http://schemas.openxmlformats.org/presentationml/2006/main">
+  <p:cSld>
+    <p:spTree>
+      <p:nvGrpSpPr>
+        <p:cNvPr id="1" name=""/>
+        <p:cNvGrpSpPr/>
+        <p:nvPr/>
+      </p:nvGrpSpPr>
+      <p:grpSpPr>
+        <a:xfrm>
+          <a:off x="0" y="0"/>
+          <a:ext cx="0" cy="0"/>
+          <a:chOff x="0" y="0"/>
+          <a:chExt cx="0" cy="0"/>
+        </a:xfrm>
+      </p:grpSpPr>
+      <p:sp>
+        <p:nvSpPr>
+          <p:cNvPr id="2" name="Slide Image Placeholder 1"/>
+          <p:cNvSpPr>
+            <a:spLocks noGrp="1" noRot="1" noChangeAspect="1"/>
+          </p:cNvSpPr>
+          <p:nvPr>
+            <p:ph type="sldImg"/>
+          </p:nvPr>
+        </p:nvSpPr>
+        <p:spPr/>
+      </p:sp>
+      <p:sp>
+        <p:nvSpPr>
+          <p:cNvPr id="3" name="Notes Placeholder 2"/>
+          <p:cNvSpPr>
+            <a:spLocks noGrp="1"/>
+          </p:cNvSpPr>
+          <p:nvPr>
+            <p:ph type="body" idx="1"/>
+          </p:nvPr>
+        </p:nvSpPr>
+        <p:spPr/>
+        <p:txBody>
+          <a:bodyPr/>
+          <a:lstStyle/>
+          <a:p>
+            <a:r>
+              <a:rPr lang="en-US" dirty="0" err="1" smtClean="0"/>
+              <a:t>RAMCloud</a:t>
+            </a:r>
+            <a:r>
+              <a:rPr lang="en-US" baseline="0" dirty="0" smtClean="0"/>
+              <a:t> latency/bandwidth benchmark</a:t>
+            </a:r>
+            <a:endParaRPr lang="en-US" dirty="0"/>
+          </a:p>
+        </p:txBody>
+      </p:sp>
+      <p:sp>
+        <p:nvSpPr>
+          <p:cNvPr id="4" name="Slide Number Placeholder 3"/>
+          <p:cNvSpPr>
+            <a:spLocks noGrp="1"/>
+          </p:cNvSpPr>
+          <p:nvPr>
+            <p:ph type="sldNum" sz="quarter" idx="10"/>
+          </p:nvPr>
+        </p:nvSpPr>
+        <p:spPr/>
+        <p:txBody>
+          <a:bodyPr/>
+          <a:lstStyle/>
+          <a:p>
+            <a:fld id="{0E827EFA-5465-8D44-95A2-57B374621445}" type="slidenum">
+              <a:rPr lang="en-US" smtClean="0"/>
+              <a:t>6</a:t>
+            </a:fld>
+            <a:endParaRPr lang="en-US"/>
+          </a:p>
+        </p:txBody>
+      </p:sp>
+    </p:spTree>
+    <p:extLst>
+      <p:ext uri="{BB962C8B-B14F-4D97-AF65-F5344CB8AC3E}">
+        <p14:creationId xmlns:p14="http://schemas.microsoft.com/office/powerpoint/2010/main" val="1381619385"/>
+      </p:ext>
+    </p:extLst>
+  </p:cSld>
+  <p:clrMapOvr>
+    <a:masterClrMapping/>
+  </p:clrMapOvr>
+</p:notes>
+</file>
+
+<file path=ppt/notesSlides/notesSlide6.xml><?xml version="1.0" encoding="utf-8"?>
+<p:notes xmlns:a="http://schemas.openxmlformats.org/drawingml/2006/main" xmlns:r="http://schemas.openxmlformats.org/officeDocument/2006/relationships" xmlns:p="http://schemas.openxmlformats.org/presentationml/2006/main">
+  <p:cSld>
+    <p:spTree>
+      <p:nvGrpSpPr>
+        <p:cNvPr id="1" name=""/>
+        <p:cNvGrpSpPr/>
+        <p:nvPr/>
+      </p:nvGrpSpPr>
+      <p:grpSpPr>
+        <a:xfrm>
+          <a:off x="0" y="0"/>
+          <a:ext cx="0" cy="0"/>
+          <a:chOff x="0" y="0"/>
+          <a:chExt cx="0" cy="0"/>
+        </a:xfrm>
+      </p:grpSpPr>
+      <p:sp>
+        <p:nvSpPr>
+          <p:cNvPr id="2" name="Slide Image Placeholder 1"/>
+          <p:cNvSpPr>
+            <a:spLocks noGrp="1" noRot="1" noChangeAspect="1"/>
+          </p:cNvSpPr>
+          <p:nvPr>
+            <p:ph type="sldImg"/>
+          </p:nvPr>
+        </p:nvSpPr>
+        <p:spPr/>
+      </p:sp>
+      <p:sp>
+        <p:nvSpPr>
+          <p:cNvPr id="3" name="Notes Placeholder 2"/>
+          <p:cNvSpPr>
+            <a:spLocks noGrp="1"/>
+          </p:cNvSpPr>
+          <p:nvPr>
+            <p:ph type="body" idx="1"/>
+          </p:nvPr>
+        </p:nvSpPr>
+        <p:spPr/>
+        <p:txBody>
+          <a:bodyPr/>
+          <a:lstStyle/>
+          <a:p>
+            <a:r>
+              <a:rPr lang="en-US" dirty="0" smtClean="0"/>
+              <a:t>Two</a:t>
+            </a:r>
+            <a:r>
+              <a:rPr lang="en-US" baseline="0" dirty="0" smtClean="0"/>
+              <a:t> key-value stores:</a:t>
+            </a:r>
+          </a:p>
+          <a:p>
+            <a:pPr marL="171450" indent="-171450">
+              <a:buFontTx/>
+              <a:buChar char="-"/>
+            </a:pPr>
+            <a:r>
+              <a:rPr lang="en-US" baseline="0" dirty="0" err="1" smtClean="0"/>
+              <a:t>Aerospike</a:t>
+            </a:r>
+            <a:r>
+              <a:rPr lang="en-US" baseline="0" dirty="0" smtClean="0"/>
+              <a:t>:</a:t>
+            </a:r>
+          </a:p>
+          <a:p>
+            <a:pPr marL="0" indent="0">
+              <a:buFontTx/>
+              <a:buNone/>
+            </a:pPr>
+            <a:r>
+              <a:rPr lang="en-US" baseline="0" dirty="0" smtClean="0"/>
+              <a:t>In-memory </a:t>
+            </a:r>
+            <a:r>
+              <a:rPr lang="en-US" baseline="0" dirty="0" err="1" smtClean="0"/>
+              <a:t>NoSQL</a:t>
+            </a:r>
+            <a:r>
+              <a:rPr lang="en-US" baseline="0" dirty="0" smtClean="0"/>
+              <a:t> key-value store. Optimized for flash storage. Can achieve high throughput</a:t>
+            </a:r>
+          </a:p>
+          <a:p>
+            <a:pPr marL="171450" indent="-171450">
+              <a:buFontTx/>
+              <a:buChar char="-"/>
+            </a:pPr>
+            <a:r>
+              <a:rPr lang="en-US" baseline="0" dirty="0" smtClean="0"/>
+              <a:t>Cassandra:</a:t>
+            </a:r>
+            <a:endParaRPr lang="en-US" dirty="0" smtClean="0"/>
+          </a:p>
+          <a:p>
+            <a:endParaRPr lang="en-US" dirty="0" smtClean="0"/>
+          </a:p>
+          <a:p>
+            <a:r>
+              <a:rPr lang="en-US" dirty="0" smtClean="0"/>
+              <a:t>How does YCSB work:</a:t>
+            </a:r>
+          </a:p>
+          <a:p>
+            <a:r>
+              <a:rPr lang="en-US" dirty="0" smtClean="0"/>
+              <a:t>1) </a:t>
+            </a:r>
+          </a:p>
+          <a:p>
+            <a:r>
+              <a:rPr lang="en-US" dirty="0" smtClean="0"/>
+              <a:t>2) </a:t>
+            </a:r>
+          </a:p>
+          <a:p>
+            <a:r>
+              <a:rPr lang="en-US" dirty="0" smtClean="0"/>
+              <a:t>3) </a:t>
+            </a:r>
+          </a:p>
+          <a:p>
+            <a:endParaRPr lang="en-US" dirty="0" smtClean="0"/>
+          </a:p>
+          <a:p>
+            <a:r>
+              <a:rPr lang="en-US" dirty="0" smtClean="0"/>
+              <a:t>- YCSB</a:t>
+            </a:r>
+          </a:p>
+          <a:p>
+            <a:r>
+              <a:rPr lang="en-US" dirty="0" smtClean="0"/>
+              <a:t>Workloads</a:t>
+            </a:r>
+            <a:r>
+              <a:rPr lang="en-US" baseline="0" dirty="0" smtClean="0"/>
+              <a:t>:</a:t>
+            </a:r>
+          </a:p>
+          <a:p>
+            <a:pPr marL="228600" indent="-228600">
+              <a:buAutoNum type="arabicParenR"/>
+            </a:pPr>
+            <a:r>
+              <a:rPr lang="en-US" baseline="0" dirty="0" smtClean="0"/>
+              <a:t>A: </a:t>
+            </a:r>
+          </a:p>
+          <a:p>
+            <a:pPr marL="228600" indent="-228600">
+              <a:buAutoNum type="arabicParenR"/>
+            </a:pPr>
+            <a:r>
+              <a:rPr lang="en-US" baseline="0" dirty="0" smtClean="0"/>
+              <a:t>B: </a:t>
+            </a:r>
+          </a:p>
+          <a:p>
+            <a:pPr marL="228600" indent="-228600">
+              <a:buAutoNum type="arabicParenR"/>
+            </a:pPr>
+            <a:r>
+              <a:rPr lang="en-US" baseline="0" dirty="0" smtClean="0"/>
+              <a:t>C: </a:t>
+            </a:r>
+          </a:p>
+          <a:p>
+            <a:pPr marL="228600" indent="-228600">
+              <a:buAutoNum type="arabicParenR"/>
+            </a:pPr>
+            <a:r>
+              <a:rPr lang="en-US" baseline="0" dirty="0" smtClean="0"/>
+              <a:t>D: </a:t>
+            </a:r>
+          </a:p>
+          <a:p>
+            <a:pPr marL="228600" indent="-228600">
+              <a:buAutoNum type="arabicParenR"/>
+            </a:pPr>
+            <a:r>
+              <a:rPr lang="en-US" baseline="0" dirty="0" smtClean="0"/>
+              <a:t>E: </a:t>
+            </a:r>
+          </a:p>
+          <a:p>
+            <a:pPr marL="228600" indent="-228600">
+              <a:buAutoNum type="arabicParenR"/>
+            </a:pPr>
+            <a:r>
+              <a:rPr lang="en-US" baseline="0" dirty="0" smtClean="0"/>
+              <a:t>F: </a:t>
+            </a:r>
+          </a:p>
+          <a:p>
+            <a:pPr marL="228600" indent="-228600">
+              <a:buAutoNum type="arabicParenR"/>
+            </a:pPr>
+            <a:endParaRPr lang="en-US" baseline="0" dirty="0" smtClean="0"/>
+          </a:p>
+          <a:p>
+            <a:pPr marL="0" indent="0">
+              <a:buNone/>
+            </a:pPr>
+            <a:endParaRPr lang="en-US" dirty="0"/>
+          </a:p>
+        </p:txBody>
+      </p:sp>
+      <p:sp>
+        <p:nvSpPr>
+          <p:cNvPr id="4" name="Slide Number Placeholder 3"/>
+          <p:cNvSpPr>
+            <a:spLocks noGrp="1"/>
+          </p:cNvSpPr>
+          <p:nvPr>
+            <p:ph type="sldNum" sz="quarter" idx="10"/>
+          </p:nvPr>
+        </p:nvSpPr>
+        <p:spPr/>
+        <p:txBody>
+          <a:bodyPr/>
+          <a:lstStyle/>
+          <a:p>
+            <a:fld id="{0E827EFA-5465-8D44-95A2-57B374621445}" type="slidenum">
+              <a:rPr lang="en-US" smtClean="0"/>
+              <a:t>7</a:t>
+            </a:fld>
+            <a:endParaRPr lang="en-US"/>
+          </a:p>
+        </p:txBody>
+      </p:sp>
+    </p:spTree>
+    <p:extLst>
+      <p:ext uri="{BB962C8B-B14F-4D97-AF65-F5344CB8AC3E}">
+        <p14:creationId xmlns:p14="http://schemas.microsoft.com/office/powerpoint/2010/main" val="576484738"/>
+      </p:ext>
+    </p:extLst>
+  </p:cSld>
+  <p:clrMapOvr>
+    <a:masterClrMapping/>
+  </p:clrMapOvr>
+</p:notes>
+</file>
+
+<file path=ppt/notesSlides/notesSlide7.xml><?xml version="1.0" encoding="utf-8"?>
+<p:notes xmlns:a="http://schemas.openxmlformats.org/drawingml/2006/main" xmlns:r="http://schemas.openxmlformats.org/officeDocument/2006/relationships" xmlns:p="http://schemas.openxmlformats.org/presentationml/2006/main">
+  <p:cSld>
+    <p:spTree>
+      <p:nvGrpSpPr>
+        <p:cNvPr id="1" name=""/>
+        <p:cNvGrpSpPr/>
+        <p:nvPr/>
+      </p:nvGrpSpPr>
+      <p:grpSpPr>
+        <a:xfrm>
+          <a:off x="0" y="0"/>
+          <a:ext cx="0" cy="0"/>
+          <a:chOff x="0" y="0"/>
+          <a:chExt cx="0" cy="0"/>
+        </a:xfrm>
+      </p:grpSpPr>
+      <p:sp>
+        <p:nvSpPr>
+          <p:cNvPr id="2" name="Slide Image Placeholder 1"/>
+          <p:cNvSpPr>
+            <a:spLocks noGrp="1" noRot="1" noChangeAspect="1"/>
+          </p:cNvSpPr>
+          <p:nvPr>
+            <p:ph type="sldImg"/>
+          </p:nvPr>
+        </p:nvSpPr>
+        <p:spPr/>
+      </p:sp>
+      <p:sp>
+        <p:nvSpPr>
+          <p:cNvPr id="3" name="Notes Placeholder 2"/>
+          <p:cNvSpPr>
+            <a:spLocks noGrp="1"/>
+          </p:cNvSpPr>
+          <p:nvPr>
+            <p:ph type="body" idx="1"/>
+          </p:nvPr>
+        </p:nvSpPr>
+        <p:spPr/>
+        <p:txBody>
+          <a:bodyPr/>
+          <a:lstStyle/>
+          <a:p>
+            <a:r>
+              <a:rPr lang="en-US" dirty="0" smtClean="0"/>
+              <a:t>Raw</a:t>
+            </a:r>
+            <a:r>
+              <a:rPr lang="en-US" baseline="0" dirty="0" smtClean="0"/>
+              <a:t> benchmark of Firebox Network</a:t>
+            </a:r>
+          </a:p>
+          <a:p>
+            <a:endParaRPr lang="en-US" baseline="0" dirty="0" smtClean="0"/>
+          </a:p>
+          <a:p>
+            <a:r>
+              <a:rPr lang="en-US" baseline="0" dirty="0" smtClean="0"/>
+              <a:t>TODO:</a:t>
+            </a:r>
+          </a:p>
+          <a:p>
+            <a:endParaRPr lang="en-US" dirty="0"/>
+          </a:p>
+        </p:txBody>
+      </p:sp>
+      <p:sp>
+        <p:nvSpPr>
+          <p:cNvPr id="4" name="Slide Number Placeholder 3"/>
+          <p:cNvSpPr>
+            <a:spLocks noGrp="1"/>
+          </p:cNvSpPr>
+          <p:nvPr>
+            <p:ph type="sldNum" sz="quarter" idx="10"/>
+          </p:nvPr>
+        </p:nvSpPr>
+        <p:spPr/>
+        <p:txBody>
+          <a:bodyPr/>
+          <a:lstStyle/>
+          <a:p>
+            <a:fld id="{0E827EFA-5465-8D44-95A2-57B374621445}" type="slidenum">
+              <a:rPr lang="en-US" smtClean="0"/>
+              <a:t>11</a:t>
+            </a:fld>
+            <a:endParaRPr lang="en-US"/>
+          </a:p>
+        </p:txBody>
+      </p:sp>
+    </p:spTree>
+    <p:extLst>
+      <p:ext uri="{BB962C8B-B14F-4D97-AF65-F5344CB8AC3E}">
+        <p14:creationId xmlns:p14="http://schemas.microsoft.com/office/powerpoint/2010/main" val="643808864"/>
+      </p:ext>
+    </p:extLst>
+  </p:cSld>
+  <p:clrMapOvr>
+    <a:masterClrMapping/>
+  </p:clrMapOvr>
+</p:notes>
+</file>
+
+<file path=ppt/notesSlides/notesSlide8.xml><?xml version="1.0" encoding="utf-8"?>
+<p:notes xmlns:a="http://schemas.openxmlformats.org/drawingml/2006/main" xmlns:r="http://schemas.openxmlformats.org/officeDocument/2006/relationships" xmlns:p="http://schemas.openxmlformats.org/presentationml/2006/main">
+  <p:cSld>
+    <p:spTree>
+      <p:nvGrpSpPr>
+        <p:cNvPr id="1" name=""/>
+        <p:cNvGrpSpPr/>
+        <p:nvPr/>
+      </p:nvGrpSpPr>
+      <p:grpSpPr>
+        <a:xfrm>
+          <a:off x="0" y="0"/>
+          <a:ext cx="0" cy="0"/>
+          <a:chOff x="0" y="0"/>
+          <a:chExt cx="0" cy="0"/>
+        </a:xfrm>
+      </p:grpSpPr>
+      <p:sp>
+        <p:nvSpPr>
+          <p:cNvPr id="2" name="Slide Image Placeholder 1"/>
+          <p:cNvSpPr>
+            <a:spLocks noGrp="1" noRot="1" noChangeAspect="1"/>
+          </p:cNvSpPr>
+          <p:nvPr>
+            <p:ph type="sldImg"/>
+          </p:nvPr>
+        </p:nvSpPr>
+        <p:spPr/>
+      </p:sp>
+      <p:sp>
+        <p:nvSpPr>
+          <p:cNvPr id="3" name="Notes Placeholder 2"/>
+          <p:cNvSpPr>
+            <a:spLocks noGrp="1"/>
+          </p:cNvSpPr>
+          <p:nvPr>
+            <p:ph type="body" idx="1"/>
+          </p:nvPr>
+        </p:nvSpPr>
+        <p:spPr/>
+        <p:txBody>
+          <a:bodyPr/>
+          <a:lstStyle/>
+          <a:p>
+            <a:r>
+              <a:rPr lang="en-US" dirty="0" smtClean="0"/>
+              <a:t>Brief</a:t>
+            </a:r>
+            <a:r>
+              <a:rPr lang="en-US" baseline="0" dirty="0" smtClean="0"/>
+              <a:t> overview of Hardware / Software configuration of Firebox</a:t>
+            </a:r>
+          </a:p>
+          <a:p>
+            <a:endParaRPr lang="en-US" baseline="0" dirty="0" smtClean="0"/>
+          </a:p>
+          <a:p>
+            <a:r>
+              <a:rPr lang="en-US" baseline="0" dirty="0" smtClean="0"/>
+              <a:t>Aggregate memory and disk capacity:</a:t>
+            </a:r>
+          </a:p>
+          <a:p>
+            <a:r>
+              <a:rPr lang="en-US" baseline="0" dirty="0" smtClean="0"/>
+              <a:t>- 1TB of RAM</a:t>
+            </a:r>
+          </a:p>
+          <a:p>
+            <a:r>
+              <a:rPr lang="en-US" baseline="0" dirty="0" smtClean="0"/>
+              <a:t>- ~9.4TB of SSD storage</a:t>
+            </a:r>
+            <a:endParaRPr lang="en-US" dirty="0" smtClean="0"/>
+          </a:p>
+        </p:txBody>
+      </p:sp>
+      <p:sp>
+        <p:nvSpPr>
+          <p:cNvPr id="4" name="Slide Number Placeholder 3"/>
+          <p:cNvSpPr>
+            <a:spLocks noGrp="1"/>
+          </p:cNvSpPr>
+          <p:nvPr>
+            <p:ph type="sldNum" sz="quarter" idx="10"/>
+          </p:nvPr>
+        </p:nvSpPr>
+        <p:spPr/>
+        <p:txBody>
+          <a:bodyPr/>
+          <a:lstStyle/>
+          <a:p>
+            <a:fld id="{0E827EFA-5465-8D44-95A2-57B374621445}" type="slidenum">
+              <a:rPr lang="en-US" smtClean="0"/>
+              <a:t>13</a:t>
             </a:fld>
             <a:endParaRPr lang="en-US"/>
           </a:p>
@@ -3683,8 +4534,8 @@
         </p:nvSpPr>
         <p:spPr>
           <a:xfrm>
-            <a:off x="2410160" y="2086427"/>
-            <a:ext cx="4585848" cy="1323439"/>
+            <a:off x="943099" y="2086427"/>
+            <a:ext cx="7519970" cy="1677382"/>
           </a:xfrm>
           <a:prstGeom prst="rect">
             <a:avLst/>
@@ -3699,7 +4550,7 @@
           <a:p>
             <a:pPr algn="ctr"/>
             <a:r>
-              <a:rPr lang="en-US" sz="3000" b="1" dirty="0" smtClean="0"/>
+              <a:rPr lang="en-US" sz="5000" b="1" dirty="0" smtClean="0"/>
               <a:t>Firebox Workloads Analysis</a:t>
             </a:r>
           </a:p>
@@ -3710,8 +4561,79 @@
           <a:p>
             <a:pPr algn="ctr"/>
             <a:r>
+              <a:rPr lang="en-US" sz="2800" dirty="0" smtClean="0"/>
+              <a:t>Joao Carreira  </a:t>
+            </a:r>
+            <a:r>
               <a:rPr lang="en-US" sz="2500" dirty="0" smtClean="0"/>
-              <a:t>Joao Carreira</a:t>
+              <a:t>   </a:t>
+            </a:r>
+            <a:r>
+              <a:rPr lang="en-US" sz="2500" dirty="0" smtClean="0"/>
+              <a:t> </a:t>
+            </a:r>
+            <a:r>
+              <a:rPr lang="en-US" sz="2800" dirty="0">
+                <a:solidFill>
+                  <a:schemeClr val="tx1">
+                    <a:lumMod val="85000"/>
+                    <a:lumOff val="15000"/>
+                  </a:schemeClr>
+                </a:solidFill>
+                <a:cs typeface="Calibri"/>
+              </a:rPr>
+              <a:t>Randy </a:t>
+            </a:r>
+            <a:r>
+              <a:rPr lang="en-US" sz="2800" dirty="0" smtClean="0">
+                <a:solidFill>
+                  <a:schemeClr val="tx1">
+                    <a:lumMod val="85000"/>
+                    <a:lumOff val="15000"/>
+                  </a:schemeClr>
+                </a:solidFill>
+                <a:cs typeface="Calibri"/>
+              </a:rPr>
+              <a:t>Katz      </a:t>
+            </a:r>
+            <a:r>
+              <a:rPr lang="en-US" sz="2800" dirty="0" err="1" smtClean="0">
+                <a:solidFill>
+                  <a:schemeClr val="tx1">
+                    <a:lumMod val="85000"/>
+                    <a:lumOff val="15000"/>
+                  </a:schemeClr>
+                </a:solidFill>
+                <a:latin typeface="Calibri"/>
+                <a:cs typeface="Calibri"/>
+              </a:rPr>
+              <a:t>Krste</a:t>
+            </a:r>
+            <a:r>
+              <a:rPr lang="en-US" sz="2800" dirty="0" smtClean="0">
+                <a:solidFill>
+                  <a:schemeClr val="tx1">
+                    <a:lumMod val="85000"/>
+                    <a:lumOff val="15000"/>
+                  </a:schemeClr>
+                </a:solidFill>
+                <a:latin typeface="Calibri"/>
+                <a:cs typeface="Calibri"/>
+              </a:rPr>
+              <a:t> </a:t>
+            </a:r>
+            <a:r>
+              <a:rPr lang="en-US" sz="2800" dirty="0" err="1" smtClean="0">
+                <a:solidFill>
+                  <a:schemeClr val="tx1">
+                    <a:lumMod val="85000"/>
+                    <a:lumOff val="15000"/>
+                  </a:schemeClr>
+                </a:solidFill>
+                <a:latin typeface="Calibri"/>
+                <a:cs typeface="Calibri"/>
+              </a:rPr>
+              <a:t>Asanović</a:t>
             </a:r>
             <a:endParaRPr lang="en-US" sz="2500" dirty="0"/>
           </a:p>
@@ -3719,68 +4641,50 @@
       </p:sp>
       <p:pic>
         <p:nvPicPr>
-          <p:cNvPr id="5" name="Picture 2" descr="http://www.eecs.berkeley.edu/Research/Projects/Images/107112-1.gif"/>
+          <p:cNvPr id="8" name="Picture 7"/>
           <p:cNvPicPr>
-            <a:picLocks noChangeAspect="1" noChangeArrowheads="1"/>
+            <a:picLocks noChangeAspect="1"/>
           </p:cNvPicPr>
           <p:nvPr/>
         </p:nvPicPr>
         <p:blipFill>
-          <a:blip r:embed="rId2" cstate="print">
-            <a:extLst>
-              <a:ext uri="{28A0092B-C50C-407E-A947-70E740481C1C}">
-                <a14:useLocalDpi xmlns:a14="http://schemas.microsoft.com/office/drawing/2010/main" val="0"/>
-              </a:ext>
-            </a:extLst>
-          </a:blip>
-          <a:srcRect/>
+          <a:blip r:embed="rId2"/>
           <a:stretch>
             <a:fillRect/>
           </a:stretch>
         </p:blipFill>
-        <p:spPr bwMode="auto">
+        <p:spPr>
           <a:xfrm>
-            <a:off x="4412126" y="4559584"/>
-            <a:ext cx="2911541" cy="1106954"/>
+            <a:off x="8239" y="5084278"/>
+            <a:ext cx="3120177" cy="1179970"/>
           </a:xfrm>
           <a:prstGeom prst="rect">
             <a:avLst/>
           </a:prstGeom>
-          <a:noFill/>
-          <a:extLst>
-            <a:ext uri="{909E8E84-426E-40dd-AFC4-6F175D3DCCD1}">
-              <a14:hiddenFill xmlns:a14="http://schemas.microsoft.com/office/drawing/2010/main">
-                <a:solidFill>
-                  <a:srgbClr val="FFFFFF"/>
-                </a:solidFill>
-              </a14:hiddenFill>
-            </a:ext>
-          </a:extLst>
         </p:spPr>
       </p:pic>
       <p:pic>
         <p:nvPicPr>
-          <p:cNvPr id="6" name="Picture 556" descr="C:\Users\bjoern\Documents\My Dropbox\berkeley\cs160\final-presentations\ucseal_540_139.png"/>
+          <p:cNvPr id="9" name="Picture 8"/>
           <p:cNvPicPr>
-            <a:picLocks noChangeAspect="1" noChangeArrowheads="1"/>
+            <a:picLocks noChangeAspect="1"/>
           </p:cNvPicPr>
           <p:nvPr/>
         </p:nvPicPr>
         <p:blipFill>
-          <a:blip r:embed="rId3" cstate="print"/>
+          <a:blip r:embed="rId3"/>
           <a:stretch>
             <a:fillRect/>
           </a:stretch>
         </p:blipFill>
-        <p:spPr bwMode="auto">
+        <p:spPr>
           <a:xfrm>
-            <a:off x="2054959" y="4606005"/>
-            <a:ext cx="1049486" cy="1049486"/>
+            <a:off x="6088806" y="5081730"/>
+            <a:ext cx="2994103" cy="1058630"/>
           </a:xfrm>
           <a:prstGeom prst="rect">
             <a:avLst/>
           </a:prstGeom>
-          <a:noFill/>
         </p:spPr>
       </p:pic>
     </p:spTree>
@@ -3803,7 +4707,7 @@
 </p:sld>
 </file>
 
-<file path=ppt/slides/slide2.xml><?xml version="1.0" encoding="utf-8"?>
+<file path=ppt/slides/slide10.xml><?xml version="1.0" encoding="utf-8"?>
 <p:sld xmlns:a="http://schemas.openxmlformats.org/drawingml/2006/main" xmlns:r="http://schemas.openxmlformats.org/officeDocument/2006/relationships" xmlns:p="http://schemas.openxmlformats.org/presentationml/2006/main">
   <p:cSld>
     <p:spTree>
@@ -3828,8 +4732,8 @@
         </p:nvSpPr>
         <p:spPr>
           <a:xfrm>
-            <a:off x="619688" y="600062"/>
-            <a:ext cx="1373768" cy="553998"/>
+            <a:off x="3388079" y="3096842"/>
+            <a:ext cx="2124863" cy="861774"/>
           </a:xfrm>
           <a:prstGeom prst="rect">
             <a:avLst/>
@@ -3844,147 +4748,17 @@
           <a:p>
             <a:pPr algn="ctr"/>
             <a:r>
-              <a:rPr lang="en-US" sz="3000" b="1" dirty="0" smtClean="0"/>
-              <a:t>Outline</a:t>
-            </a:r>
-            <a:endParaRPr lang="en-US" sz="3000" b="1" dirty="0" smtClean="0"/>
-          </a:p>
-        </p:txBody>
-      </p:sp>
-      <p:sp>
-        <p:nvSpPr>
-          <p:cNvPr id="2" name="TextBox 1"/>
-          <p:cNvSpPr txBox="1"/>
-          <p:nvPr/>
-        </p:nvSpPr>
-        <p:spPr>
-          <a:xfrm>
-            <a:off x="619688" y="1918821"/>
-            <a:ext cx="5031922" cy="2308324"/>
-          </a:xfrm>
-          <a:prstGeom prst="rect">
-            <a:avLst/>
-          </a:prstGeom>
-          <a:noFill/>
-        </p:spPr>
-        <p:txBody>
-          <a:bodyPr wrap="none" rtlCol="0">
-            <a:spAutoFit/>
-          </a:bodyPr>
-          <a:lstStyle/>
-          <a:p>
-            <a:r>
-              <a:rPr lang="en-US" dirty="0" smtClean="0"/>
-              <a:t>Workloads</a:t>
-            </a:r>
-          </a:p>
-          <a:p>
-            <a:endParaRPr lang="en-US" dirty="0"/>
-          </a:p>
-          <a:p>
-            <a:r>
-              <a:rPr lang="en-US" dirty="0" smtClean="0"/>
-              <a:t>Set of benchmarks / workloads running in Firebox-0</a:t>
-            </a:r>
-            <a:endParaRPr lang="en-US" dirty="0"/>
-          </a:p>
-          <a:p>
-            <a:pPr marL="285750" indent="-285750">
-              <a:buFontTx/>
-              <a:buChar char="-"/>
-            </a:pPr>
-            <a:r>
-              <a:rPr lang="en-US" dirty="0" err="1" smtClean="0"/>
-              <a:t>Aerospike</a:t>
-            </a:r>
-            <a:r>
-              <a:rPr lang="en-US" dirty="0" smtClean="0"/>
-              <a:t> </a:t>
-            </a:r>
-            <a:r>
-              <a:rPr lang="en-US" dirty="0" smtClean="0"/>
-              <a:t>(YCSB)</a:t>
-            </a:r>
-          </a:p>
-          <a:p>
-            <a:pPr marL="285750" indent="-285750">
-              <a:buFontTx/>
-              <a:buChar char="-"/>
-            </a:pPr>
-            <a:r>
-              <a:rPr lang="en-US" dirty="0" err="1" smtClean="0"/>
-              <a:t>Ramcloud</a:t>
-            </a:r>
-            <a:r>
-              <a:rPr lang="en-US" dirty="0" smtClean="0"/>
-              <a:t> </a:t>
-            </a:r>
-            <a:r>
-              <a:rPr lang="en-US" dirty="0" smtClean="0"/>
-              <a:t>(YCSB, </a:t>
-            </a:r>
-            <a:r>
-              <a:rPr lang="en-US" dirty="0" err="1" smtClean="0"/>
-              <a:t>Clusterperf</a:t>
-            </a:r>
-            <a:r>
-              <a:rPr lang="en-US" dirty="0" smtClean="0"/>
-              <a:t>)</a:t>
-            </a:r>
-          </a:p>
-          <a:p>
-            <a:pPr marL="285750" indent="-285750">
-              <a:buFontTx/>
-              <a:buChar char="-"/>
-            </a:pPr>
-            <a:r>
-              <a:rPr lang="en-US" dirty="0" smtClean="0"/>
-              <a:t>Network </a:t>
-            </a:r>
-            <a:r>
-              <a:rPr lang="en-US" dirty="0" smtClean="0"/>
-              <a:t>(latencies, bandwidths)</a:t>
-            </a:r>
-          </a:p>
-          <a:p>
-            <a:r>
-              <a:rPr lang="en-US" dirty="0" smtClean="0"/>
-              <a:t>Spark, Cassandra (YCSB, </a:t>
-            </a:r>
-            <a:r>
-              <a:rPr lang="en-US" dirty="0" err="1" smtClean="0"/>
-              <a:t>Terasort</a:t>
-            </a:r>
-            <a:r>
-              <a:rPr lang="en-US" dirty="0" smtClean="0"/>
-              <a:t>)</a:t>
-            </a:r>
-          </a:p>
-          <a:p>
-            <a:r>
-              <a:rPr lang="en-US" dirty="0" err="1" smtClean="0"/>
-              <a:t>BigDataBenchmark</a:t>
-            </a:r>
-            <a:r>
-              <a:rPr lang="en-US" dirty="0" smtClean="0"/>
-              <a:t> Impala, Hive, </a:t>
-            </a:r>
-            <a:r>
-              <a:rPr lang="en-US" dirty="0" err="1" smtClean="0"/>
-              <a:t>Tez</a:t>
-            </a:r>
-            <a:r>
-              <a:rPr lang="en-US" dirty="0" smtClean="0"/>
-              <a:t>, Redshift</a:t>
-            </a:r>
-            <a:endParaRPr lang="en-US" dirty="0"/>
+              <a:rPr lang="en-US" sz="5000" b="1" dirty="0" smtClean="0"/>
+              <a:t>Backup</a:t>
+            </a:r>
+            <a:endParaRPr lang="en-US" sz="5000" b="1" dirty="0"/>
           </a:p>
         </p:txBody>
       </p:sp>
     </p:spTree>
     <p:extLst>
       <p:ext uri="{BB962C8B-B14F-4D97-AF65-F5344CB8AC3E}">
-        <p14:creationId xmlns:p14="http://schemas.microsoft.com/office/powerpoint/2010/main" val="3321272537"/>
+        <p14:creationId xmlns:p14="http://schemas.microsoft.com/office/powerpoint/2010/main" val="2594061819"/>
       </p:ext>
     </p:extLst>
   </p:cSld>
@@ -4001,7 +4775,7 @@
 </p:sld>
 </file>
 
-<file path=ppt/slides/slide3.xml><?xml version="1.0" encoding="utf-8"?>
+<file path=ppt/slides/slide11.xml><?xml version="1.0" encoding="utf-8"?>
 <p:sld xmlns:a="http://schemas.openxmlformats.org/drawingml/2006/main" xmlns:r="http://schemas.openxmlformats.org/officeDocument/2006/relationships" xmlns:p="http://schemas.openxmlformats.org/presentationml/2006/main">
   <p:cSld>
     <p:spTree>
@@ -4026,8 +4800,8 @@
         </p:nvSpPr>
         <p:spPr>
           <a:xfrm>
-            <a:off x="505708" y="600062"/>
-            <a:ext cx="3415343" cy="553998"/>
+            <a:off x="322431" y="302842"/>
+            <a:ext cx="2858550" cy="553998"/>
           </a:xfrm>
           <a:prstGeom prst="rect">
             <a:avLst/>
@@ -4040,277 +4814,13 @@
           </a:bodyPr>
           <a:lstStyle/>
           <a:p>
-            <a:pPr algn="ctr"/>
             <a:r>
               <a:rPr lang="en-US" sz="3000" b="1" dirty="0" smtClean="0"/>
-              <a:t>What is Firebox – 0?</a:t>
-            </a:r>
-            <a:endParaRPr lang="en-US" sz="3000" b="1" dirty="0" smtClean="0"/>
-          </a:p>
-        </p:txBody>
-      </p:sp>
-      <p:sp>
-        <p:nvSpPr>
-          <p:cNvPr id="3" name="TextBox 2"/>
-          <p:cNvSpPr txBox="1"/>
-          <p:nvPr/>
-        </p:nvSpPr>
-        <p:spPr>
-          <a:xfrm>
-            <a:off x="619688" y="1707156"/>
-            <a:ext cx="8036740" cy="3693319"/>
-          </a:xfrm>
-          <a:prstGeom prst="rect">
-            <a:avLst/>
-          </a:prstGeom>
-          <a:noFill/>
-        </p:spPr>
-        <p:txBody>
-          <a:bodyPr wrap="square" rtlCol="0">
-            <a:spAutoFit/>
-          </a:bodyPr>
-          <a:lstStyle/>
-          <a:p>
-            <a:r>
-              <a:rPr lang="en-US" dirty="0" smtClean="0"/>
-              <a:t>- Firebox – 0:</a:t>
-            </a:r>
-          </a:p>
-          <a:p>
-            <a:pPr marL="450850" indent="-280988">
-              <a:buFont typeface="Arial"/>
-              <a:buChar char="•"/>
-            </a:pPr>
-            <a:r>
-              <a:rPr lang="en-US" dirty="0" smtClean="0"/>
-              <a:t>16-node cluster</a:t>
-            </a:r>
-          </a:p>
-          <a:p>
-            <a:pPr marL="450850" indent="-280988">
-              <a:buFont typeface="Arial"/>
-              <a:buChar char="•"/>
-            </a:pPr>
-            <a:r>
-              <a:rPr lang="en-US" dirty="0" err="1" smtClean="0"/>
-              <a:t>Infiniband</a:t>
-            </a:r>
-            <a:r>
-              <a:rPr lang="en-US" dirty="0" smtClean="0"/>
-              <a:t> interconnect</a:t>
-            </a:r>
-          </a:p>
-          <a:p>
-            <a:pPr marL="285750" indent="-285750">
-              <a:buFont typeface="Arial"/>
-              <a:buChar char="•"/>
-            </a:pPr>
-            <a:endParaRPr lang="en-US" dirty="0"/>
-          </a:p>
-          <a:p>
-            <a:r>
-              <a:rPr lang="en-US" dirty="0" smtClean="0"/>
-              <a:t>- Node configuration:</a:t>
-            </a:r>
-            <a:endParaRPr lang="en-US" dirty="0"/>
-          </a:p>
-          <a:p>
-            <a:pPr marL="169863" indent="280988">
-              <a:buFont typeface="Arial"/>
-              <a:buChar char="•"/>
-              <a:tabLst>
-                <a:tab pos="169863" algn="l"/>
-              </a:tabLst>
-            </a:pPr>
-            <a:r>
-              <a:rPr lang="en-US" dirty="0" smtClean="0"/>
-              <a:t>Inte</a:t>
-            </a:r>
-            <a:r>
-              <a:rPr lang="en-US" dirty="0" smtClean="0"/>
-              <a:t>l Ivy Bridge 8Cores/16Threads 3.0GHz 25MB</a:t>
-            </a:r>
-          </a:p>
-          <a:p>
-            <a:pPr marL="169863" indent="280988">
-              <a:buFont typeface="Arial"/>
-              <a:buChar char="•"/>
-              <a:tabLst>
-                <a:tab pos="169863" algn="l"/>
-              </a:tabLst>
-            </a:pPr>
-            <a:r>
-              <a:rPr lang="en-US" dirty="0" smtClean="0"/>
-              <a:t>64GB RAM</a:t>
-            </a:r>
-          </a:p>
-          <a:p>
-            <a:pPr marL="169863" indent="280988">
-              <a:buFont typeface="Arial"/>
-              <a:buChar char="•"/>
-              <a:tabLst>
-                <a:tab pos="169863" algn="l"/>
-              </a:tabLst>
-            </a:pPr>
-            <a:r>
-              <a:rPr lang="en-US" dirty="0" smtClean="0"/>
-              <a:t>2 SSDs (120GB + 480GB)</a:t>
-            </a:r>
-          </a:p>
-          <a:p>
-            <a:pPr marL="169863" indent="280988">
-              <a:buFont typeface="Arial"/>
-              <a:buChar char="•"/>
-              <a:tabLst>
-                <a:tab pos="169863" algn="l"/>
-              </a:tabLst>
-            </a:pPr>
-            <a:r>
-              <a:rPr lang="en-US" dirty="0" err="1" smtClean="0"/>
-              <a:t>Infiniband</a:t>
-            </a:r>
-            <a:r>
-              <a:rPr lang="en-US" dirty="0" smtClean="0"/>
-              <a:t>: </a:t>
-            </a:r>
-            <a:r>
-              <a:rPr lang="en-US" dirty="0" err="1" smtClean="0"/>
-              <a:t>Mellanox</a:t>
-            </a:r>
-            <a:r>
-              <a:rPr lang="en-US" dirty="0" smtClean="0"/>
-              <a:t> ConnectX-3 VPI MCX354A-FCBT FDR QSFP 56Gbps</a:t>
-            </a:r>
-          </a:p>
-          <a:p>
-            <a:pPr marL="169863" indent="280988">
-              <a:buFont typeface="Arial"/>
-              <a:buChar char="•"/>
-              <a:tabLst>
-                <a:tab pos="169863" algn="l"/>
-              </a:tabLst>
-            </a:pPr>
-            <a:r>
-              <a:rPr lang="en-US" dirty="0" smtClean="0"/>
-              <a:t>Ethernet: </a:t>
-            </a:r>
-            <a:r>
-              <a:rPr lang="en-US" dirty="0" err="1" smtClean="0"/>
-              <a:t>Mellanox</a:t>
-            </a:r>
-            <a:r>
-              <a:rPr lang="en-US" dirty="0" smtClean="0"/>
-              <a:t> ConnextX-3 EN MCX314A-BCBT QSFP 40Gb</a:t>
-            </a:r>
-          </a:p>
-          <a:p>
-            <a:pPr marL="169863" indent="280988">
-              <a:buFont typeface="Arial"/>
-              <a:buChar char="•"/>
-              <a:tabLst>
-                <a:tab pos="169863" algn="l"/>
-              </a:tabLst>
-            </a:pPr>
-            <a:r>
-              <a:rPr lang="en-US" dirty="0" smtClean="0"/>
-              <a:t>Running Ubuntu 14.04 (Linux </a:t>
-            </a:r>
-            <a:r>
-              <a:rPr lang="en-US" dirty="0" smtClean="0"/>
-              <a:t>3.13.0)</a:t>
-            </a:r>
-            <a:endParaRPr lang="en-US" dirty="0" smtClean="0"/>
-          </a:p>
-          <a:p>
-            <a:pPr marL="169863" indent="280988">
-              <a:tabLst>
-                <a:tab pos="169863" algn="l"/>
-              </a:tabLst>
-            </a:pPr>
-            <a:endParaRPr lang="en-US" dirty="0" smtClean="0"/>
-          </a:p>
-          <a:p>
-            <a:pPr marL="285750" indent="-285750">
-              <a:buFontTx/>
-              <a:buChar char="-"/>
-            </a:pPr>
-            <a:r>
-              <a:rPr lang="en-US" dirty="0" smtClean="0"/>
-              <a:t>Each node is connected to 1 </a:t>
-            </a:r>
-            <a:r>
-              <a:rPr lang="en-US" dirty="0" err="1" smtClean="0"/>
-              <a:t>Infiniband</a:t>
-            </a:r>
-            <a:r>
-              <a:rPr lang="en-US" dirty="0" smtClean="0"/>
-              <a:t> and 1 Ethernet switch</a:t>
-            </a:r>
-          </a:p>
-        </p:txBody>
-      </p:sp>
-    </p:spTree>
-    <p:extLst>
-      <p:ext uri="{BB962C8B-B14F-4D97-AF65-F5344CB8AC3E}">
-        <p14:creationId xmlns:p14="http://schemas.microsoft.com/office/powerpoint/2010/main" val="2389898637"/>
-      </p:ext>
-    </p:extLst>
-  </p:cSld>
-  <p:clrMapOvr>
-    <a:masterClrMapping/>
-  </p:clrMapOvr>
-  <p:timing>
-    <p:tnLst>
-      <p:par>
-        <p:cTn xmlns:p14="http://schemas.microsoft.com/office/powerpoint/2010/main" id="1" dur="indefinite" restart="never" nodeType="tmRoot"/>
-      </p:par>
-    </p:tnLst>
-  </p:timing>
-</p:sld>
-</file>
-
-<file path=ppt/slides/slide4.xml><?xml version="1.0" encoding="utf-8"?>
-<p:sld xmlns:a="http://schemas.openxmlformats.org/drawingml/2006/main" xmlns:r="http://schemas.openxmlformats.org/officeDocument/2006/relationships" xmlns:p="http://schemas.openxmlformats.org/presentationml/2006/main">
-  <p:cSld>
-    <p:spTree>
-      <p:nvGrpSpPr>
-        <p:cNvPr id="1" name=""/>
-        <p:cNvGrpSpPr/>
-        <p:nvPr/>
-      </p:nvGrpSpPr>
-      <p:grpSpPr>
-        <a:xfrm>
-          <a:off x="0" y="0"/>
-          <a:ext cx="0" cy="0"/>
-          <a:chOff x="0" y="0"/>
-          <a:chExt cx="0" cy="0"/>
-        </a:xfrm>
-      </p:grpSpPr>
-      <p:sp>
-        <p:nvSpPr>
-          <p:cNvPr id="7" name="TextBox 6"/>
-          <p:cNvSpPr txBox="1"/>
-          <p:nvPr/>
-        </p:nvSpPr>
-        <p:spPr>
-          <a:xfrm>
-            <a:off x="322431" y="302842"/>
-            <a:ext cx="4753036" cy="553998"/>
-          </a:xfrm>
-          <a:prstGeom prst="rect">
-            <a:avLst/>
-          </a:prstGeom>
-          <a:noFill/>
-        </p:spPr>
-        <p:txBody>
-          <a:bodyPr wrap="none" rtlCol="0">
-            <a:spAutoFit/>
-          </a:bodyPr>
-          <a:lstStyle/>
-          <a:p>
+              <a:t>Firebox </a:t>
+            </a:r>
             <a:r>
               <a:rPr lang="en-US" sz="3000" b="1" dirty="0" smtClean="0"/>
-              <a:t>Firebox Network Benchmark</a:t>
+              <a:t>Network</a:t>
             </a:r>
             <a:endParaRPr lang="en-US" sz="3000" b="1" dirty="0"/>
           </a:p>
@@ -4325,13 +4835,13 @@
           <p:nvPr>
             <p:extLst>
               <p:ext uri="{D42A27DB-BD31-4B8C-83A1-F6EECF244321}">
-                <p14:modId xmlns:p14="http://schemas.microsoft.com/office/powerpoint/2010/main" val="3973256469"/>
+                <p14:modId xmlns:p14="http://schemas.microsoft.com/office/powerpoint/2010/main" val="817332703"/>
               </p:ext>
             </p:extLst>
           </p:nvPr>
         </p:nvGraphicFramePr>
         <p:xfrm>
-          <a:off x="4732790" y="2239723"/>
+          <a:off x="429591" y="2524058"/>
           <a:ext cx="3755174" cy="736600"/>
         </p:xfrm>
         <a:graphic>
@@ -4420,7 +4930,7 @@
         </p:nvSpPr>
         <p:spPr>
           <a:xfrm>
-            <a:off x="4667995" y="1797902"/>
+            <a:off x="364796" y="2082237"/>
             <a:ext cx="3557384" cy="369332"/>
           </a:xfrm>
           <a:prstGeom prst="rect">
@@ -4459,13 +4969,13 @@
           <p:nvPr>
             <p:extLst>
               <p:ext uri="{D42A27DB-BD31-4B8C-83A1-F6EECF244321}">
-                <p14:modId xmlns:p14="http://schemas.microsoft.com/office/powerpoint/2010/main" val="1781179005"/>
+                <p14:modId xmlns:p14="http://schemas.microsoft.com/office/powerpoint/2010/main" val="256086318"/>
               </p:ext>
             </p:extLst>
           </p:nvPr>
         </p:nvGraphicFramePr>
         <p:xfrm>
-          <a:off x="4732790" y="3778625"/>
+          <a:off x="429591" y="4062960"/>
           <a:ext cx="3755174" cy="736600"/>
         </p:xfrm>
         <a:graphic>
@@ -4520,11 +5030,11 @@
                     <a:p>
                       <a:r>
                         <a:rPr lang="en-US" dirty="0" err="1" smtClean="0"/>
-                        <a:t>Ramcloud</a:t>
+                        <a:t>RAMCloud</a:t>
                       </a:r>
                       <a:r>
                         <a:rPr lang="en-US" dirty="0" smtClean="0"/>
-                        <a:t> HW</a:t>
+                        <a:t> HW [1]</a:t>
                       </a:r>
                       <a:endParaRPr lang="en-US" dirty="0"/>
                     </a:p>
@@ -4558,7 +5068,7 @@
         </p:nvSpPr>
         <p:spPr>
           <a:xfrm>
-            <a:off x="4680954" y="3336804"/>
+            <a:off x="377755" y="3621139"/>
             <a:ext cx="2595582" cy="369332"/>
           </a:xfrm>
           <a:prstGeom prst="rect">
@@ -4580,36 +5090,6 @@
           </a:p>
         </p:txBody>
       </p:sp>
-      <p:pic>
-        <p:nvPicPr>
-          <p:cNvPr id="10" name="Picture 9" descr="raw_firebox_latency.pdf"/>
-          <p:cNvPicPr>
-            <a:picLocks noChangeAspect="1"/>
-          </p:cNvPicPr>
-          <p:nvPr/>
-        </p:nvPicPr>
-        <p:blipFill>
-          <a:blip r:embed="rId2">
-            <a:extLst>
-              <a:ext uri="{28A0092B-C50C-407E-A947-70E740481C1C}">
-                <a14:useLocalDpi xmlns:a14="http://schemas.microsoft.com/office/drawing/2010/main" val="0"/>
-              </a:ext>
-            </a:extLst>
-          </a:blip>
-          <a:stretch>
-            <a:fillRect/>
-          </a:stretch>
-        </p:blipFill>
-        <p:spPr>
-          <a:xfrm>
-            <a:off x="322431" y="1332178"/>
-            <a:ext cx="4260586" cy="4260586"/>
-          </a:xfrm>
-          <a:prstGeom prst="rect">
-            <a:avLst/>
-          </a:prstGeom>
-        </p:spPr>
-      </p:pic>
       <p:sp>
         <p:nvSpPr>
           <p:cNvPr id="16" name="TextBox 15"/>
@@ -4659,7 +5139,7 @@
     </p:spTree>
     <p:extLst>
       <p:ext uri="{BB962C8B-B14F-4D97-AF65-F5344CB8AC3E}">
-        <p14:creationId xmlns:p14="http://schemas.microsoft.com/office/powerpoint/2010/main" val="1155595116"/>
+        <p14:creationId xmlns:p14="http://schemas.microsoft.com/office/powerpoint/2010/main" val="3818881955"/>
       </p:ext>
     </p:extLst>
   </p:cSld>
@@ -4676,344 +5156,7 @@
 </p:sld>
 </file>
 
-<file path=ppt/slides/slide5.xml><?xml version="1.0" encoding="utf-8"?>
-<p:sld xmlns:a="http://schemas.openxmlformats.org/drawingml/2006/main" xmlns:r="http://schemas.openxmlformats.org/officeDocument/2006/relationships" xmlns:p="http://schemas.openxmlformats.org/presentationml/2006/main">
-  <p:cSld>
-    <p:spTree>
-      <p:nvGrpSpPr>
-        <p:cNvPr id="1" name=""/>
-        <p:cNvGrpSpPr/>
-        <p:nvPr/>
-      </p:nvGrpSpPr>
-      <p:grpSpPr>
-        <a:xfrm>
-          <a:off x="0" y="0"/>
-          <a:ext cx="0" cy="0"/>
-          <a:chOff x="0" y="0"/>
-          <a:chExt cx="0" cy="0"/>
-        </a:xfrm>
-      </p:grpSpPr>
-      <p:sp>
-        <p:nvSpPr>
-          <p:cNvPr id="7" name="TextBox 6"/>
-          <p:cNvSpPr txBox="1"/>
-          <p:nvPr/>
-        </p:nvSpPr>
-        <p:spPr>
-          <a:xfrm>
-            <a:off x="128046" y="302842"/>
-            <a:ext cx="9206817" cy="553998"/>
-          </a:xfrm>
-          <a:prstGeom prst="rect">
-            <a:avLst/>
-          </a:prstGeom>
-          <a:noFill/>
-        </p:spPr>
-        <p:txBody>
-          <a:bodyPr wrap="none" rtlCol="0">
-            <a:spAutoFit/>
-          </a:bodyPr>
-          <a:lstStyle/>
-          <a:p>
-            <a:r>
-              <a:rPr lang="en-US" sz="3000" b="1" dirty="0" err="1" smtClean="0"/>
-              <a:t>RAMCloud</a:t>
-            </a:r>
-            <a:r>
-              <a:rPr lang="en-US" sz="3000" b="1" dirty="0" smtClean="0"/>
-              <a:t> </a:t>
-            </a:r>
-            <a:r>
-              <a:rPr lang="en-US" sz="3000" b="1" dirty="0" smtClean="0"/>
-              <a:t>Read/Write benchmark (Bandwidth/Latency)</a:t>
-            </a:r>
-            <a:endParaRPr lang="en-US" sz="3000" b="1" dirty="0"/>
-          </a:p>
-        </p:txBody>
-      </p:sp>
-      <p:sp>
-        <p:nvSpPr>
-          <p:cNvPr id="2" name="TextBox 1"/>
-          <p:cNvSpPr txBox="1"/>
-          <p:nvPr/>
-        </p:nvSpPr>
-        <p:spPr>
-          <a:xfrm>
-            <a:off x="552195" y="5857055"/>
-            <a:ext cx="3694942" cy="369332"/>
-          </a:xfrm>
-          <a:prstGeom prst="rect">
-            <a:avLst/>
-          </a:prstGeom>
-          <a:noFill/>
-        </p:spPr>
-        <p:txBody>
-          <a:bodyPr wrap="none" rtlCol="0">
-            <a:spAutoFit/>
-          </a:bodyPr>
-          <a:lstStyle/>
-          <a:p>
-            <a:r>
-              <a:rPr lang="en-US" dirty="0" err="1" smtClean="0"/>
-              <a:t>PCIe</a:t>
-            </a:r>
-            <a:r>
-              <a:rPr lang="en-US" dirty="0" smtClean="0"/>
-              <a:t> card is bottleneck for bandwidth</a:t>
-            </a:r>
-            <a:endParaRPr lang="en-US" dirty="0"/>
-          </a:p>
-        </p:txBody>
-      </p:sp>
-      <p:sp>
-        <p:nvSpPr>
-          <p:cNvPr id="4" name="TextBox 3"/>
-          <p:cNvSpPr txBox="1"/>
-          <p:nvPr/>
-        </p:nvSpPr>
-        <p:spPr>
-          <a:xfrm>
-            <a:off x="619688" y="1918821"/>
-            <a:ext cx="4874013" cy="369332"/>
-          </a:xfrm>
-          <a:prstGeom prst="rect">
-            <a:avLst/>
-          </a:prstGeom>
-          <a:noFill/>
-        </p:spPr>
-        <p:txBody>
-          <a:bodyPr wrap="none" rtlCol="0">
-            <a:spAutoFit/>
-          </a:bodyPr>
-          <a:lstStyle/>
-          <a:p>
-            <a:r>
-              <a:rPr lang="en-US" dirty="0" err="1" smtClean="0"/>
-              <a:t>ClusterPerf</a:t>
-            </a:r>
-            <a:r>
-              <a:rPr lang="en-US" dirty="0" smtClean="0"/>
-              <a:t> (read/write latencies and bandwidths)</a:t>
-            </a:r>
-            <a:endParaRPr lang="en-US" dirty="0"/>
-          </a:p>
-        </p:txBody>
-      </p:sp>
-    </p:spTree>
-    <p:extLst>
-      <p:ext uri="{BB962C8B-B14F-4D97-AF65-F5344CB8AC3E}">
-        <p14:creationId xmlns:p14="http://schemas.microsoft.com/office/powerpoint/2010/main" val="1818657616"/>
-      </p:ext>
-    </p:extLst>
-  </p:cSld>
-  <p:clrMapOvr>
-    <a:masterClrMapping/>
-  </p:clrMapOvr>
-  <p:timing>
-    <p:tnLst>
-      <p:par>
-        <p:cTn xmlns:p14="http://schemas.microsoft.com/office/powerpoint/2010/main" id="1" dur="indefinite" restart="never" nodeType="tmRoot"/>
-      </p:par>
-    </p:tnLst>
-  </p:timing>
-</p:sld>
-</file>
-
-<file path=ppt/slides/slide6.xml><?xml version="1.0" encoding="utf-8"?>
-<p:sld xmlns:a="http://schemas.openxmlformats.org/drawingml/2006/main" xmlns:r="http://schemas.openxmlformats.org/officeDocument/2006/relationships" xmlns:p="http://schemas.openxmlformats.org/presentationml/2006/main">
-  <p:cSld>
-    <p:spTree>
-      <p:nvGrpSpPr>
-        <p:cNvPr id="1" name=""/>
-        <p:cNvGrpSpPr/>
-        <p:nvPr/>
-      </p:nvGrpSpPr>
-      <p:grpSpPr>
-        <a:xfrm>
-          <a:off x="0" y="0"/>
-          <a:ext cx="0" cy="0"/>
-          <a:chOff x="0" y="0"/>
-          <a:chExt cx="0" cy="0"/>
-        </a:xfrm>
-      </p:grpSpPr>
-      <p:sp>
-        <p:nvSpPr>
-          <p:cNvPr id="7" name="TextBox 6"/>
-          <p:cNvSpPr txBox="1"/>
-          <p:nvPr/>
-        </p:nvSpPr>
-        <p:spPr>
-          <a:xfrm>
-            <a:off x="128046" y="302842"/>
-            <a:ext cx="1816160" cy="553998"/>
-          </a:xfrm>
-          <a:prstGeom prst="rect">
-            <a:avLst/>
-          </a:prstGeom>
-          <a:noFill/>
-        </p:spPr>
-        <p:txBody>
-          <a:bodyPr wrap="none" rtlCol="0">
-            <a:spAutoFit/>
-          </a:bodyPr>
-          <a:lstStyle/>
-          <a:p>
-            <a:r>
-              <a:rPr lang="en-US" sz="3000" b="1" dirty="0" err="1" smtClean="0"/>
-              <a:t>AeroSpike</a:t>
-            </a:r>
-            <a:endParaRPr lang="en-US" sz="3000" b="1" dirty="0"/>
-          </a:p>
-        </p:txBody>
-      </p:sp>
-      <p:sp>
-        <p:nvSpPr>
-          <p:cNvPr id="3" name="TextBox 2"/>
-          <p:cNvSpPr txBox="1"/>
-          <p:nvPr/>
-        </p:nvSpPr>
-        <p:spPr>
-          <a:xfrm>
-            <a:off x="619688" y="1918821"/>
-            <a:ext cx="5288627" cy="369332"/>
-          </a:xfrm>
-          <a:prstGeom prst="rect">
-            <a:avLst/>
-          </a:prstGeom>
-          <a:noFill/>
-        </p:spPr>
-        <p:txBody>
-          <a:bodyPr wrap="none" rtlCol="0">
-            <a:spAutoFit/>
-          </a:bodyPr>
-          <a:lstStyle/>
-          <a:p>
-            <a:r>
-              <a:rPr lang="en-US" dirty="0" smtClean="0"/>
-              <a:t>YSCB latencies and bandwidths with two types of SSDs</a:t>
-            </a:r>
-            <a:endParaRPr lang="en-US" dirty="0"/>
-          </a:p>
-        </p:txBody>
-      </p:sp>
-    </p:spTree>
-    <p:extLst>
-      <p:ext uri="{BB962C8B-B14F-4D97-AF65-F5344CB8AC3E}">
-        <p14:creationId xmlns:p14="http://schemas.microsoft.com/office/powerpoint/2010/main" val="1744524914"/>
-      </p:ext>
-    </p:extLst>
-  </p:cSld>
-  <p:clrMapOvr>
-    <a:masterClrMapping/>
-  </p:clrMapOvr>
-  <p:timing>
-    <p:tnLst>
-      <p:par>
-        <p:cTn xmlns:p14="http://schemas.microsoft.com/office/powerpoint/2010/main" id="1" dur="indefinite" restart="never" nodeType="tmRoot"/>
-      </p:par>
-    </p:tnLst>
-  </p:timing>
-</p:sld>
-</file>
-
-<file path=ppt/slides/slide7.xml><?xml version="1.0" encoding="utf-8"?>
-<p:sld xmlns:a="http://schemas.openxmlformats.org/drawingml/2006/main" xmlns:r="http://schemas.openxmlformats.org/officeDocument/2006/relationships" xmlns:p="http://schemas.openxmlformats.org/presentationml/2006/main">
-  <p:cSld>
-    <p:spTree>
-      <p:nvGrpSpPr>
-        <p:cNvPr id="1" name=""/>
-        <p:cNvGrpSpPr/>
-        <p:nvPr/>
-      </p:nvGrpSpPr>
-      <p:grpSpPr>
-        <a:xfrm>
-          <a:off x="0" y="0"/>
-          <a:ext cx="0" cy="0"/>
-          <a:chOff x="0" y="0"/>
-          <a:chExt cx="0" cy="0"/>
-        </a:xfrm>
-      </p:grpSpPr>
-      <p:sp>
-        <p:nvSpPr>
-          <p:cNvPr id="7" name="TextBox 6"/>
-          <p:cNvSpPr txBox="1"/>
-          <p:nvPr/>
-        </p:nvSpPr>
-        <p:spPr>
-          <a:xfrm>
-            <a:off x="128046" y="302842"/>
-            <a:ext cx="3414404" cy="553998"/>
-          </a:xfrm>
-          <a:prstGeom prst="rect">
-            <a:avLst/>
-          </a:prstGeom>
-          <a:noFill/>
-        </p:spPr>
-        <p:txBody>
-          <a:bodyPr wrap="none" rtlCol="0">
-            <a:spAutoFit/>
-          </a:bodyPr>
-          <a:lstStyle/>
-          <a:p>
-            <a:r>
-              <a:rPr lang="en-US" sz="3000" b="1" dirty="0" smtClean="0"/>
-              <a:t>Big Data Benchmark</a:t>
-            </a:r>
-            <a:endParaRPr lang="en-US" sz="3000" b="1" dirty="0"/>
-          </a:p>
-        </p:txBody>
-      </p:sp>
-      <p:sp>
-        <p:nvSpPr>
-          <p:cNvPr id="3" name="TextBox 2"/>
-          <p:cNvSpPr txBox="1"/>
-          <p:nvPr/>
-        </p:nvSpPr>
-        <p:spPr>
-          <a:xfrm>
-            <a:off x="619688" y="1918821"/>
-            <a:ext cx="1176186" cy="369332"/>
-          </a:xfrm>
-          <a:prstGeom prst="rect">
-            <a:avLst/>
-          </a:prstGeom>
-          <a:noFill/>
-        </p:spPr>
-        <p:txBody>
-          <a:bodyPr wrap="none" rtlCol="0">
-            <a:spAutoFit/>
-          </a:bodyPr>
-          <a:lstStyle/>
-          <a:p>
-            <a:r>
-              <a:rPr lang="en-US" dirty="0" smtClean="0"/>
-              <a:t>Spark SQL, </a:t>
-            </a:r>
-            <a:endParaRPr lang="en-US" dirty="0"/>
-          </a:p>
-        </p:txBody>
-      </p:sp>
-    </p:spTree>
-    <p:extLst>
-      <p:ext uri="{BB962C8B-B14F-4D97-AF65-F5344CB8AC3E}">
-        <p14:creationId xmlns:p14="http://schemas.microsoft.com/office/powerpoint/2010/main" val="4105339425"/>
-      </p:ext>
-    </p:extLst>
-  </p:cSld>
-  <p:clrMapOvr>
-    <a:masterClrMapping/>
-  </p:clrMapOvr>
-  <p:timing>
-    <p:tnLst>
-      <p:par>
-        <p:cTn xmlns:p14="http://schemas.microsoft.com/office/powerpoint/2010/main" id="1" dur="indefinite" restart="never" nodeType="tmRoot"/>
-      </p:par>
-    </p:tnLst>
-  </p:timing>
-</p:sld>
-</file>
-
-<file path=ppt/slides/slide8.xml><?xml version="1.0" encoding="utf-8"?>
+<file path=ppt/slides/slide12.xml><?xml version="1.0" encoding="utf-8"?>
 <p:sld xmlns:a="http://schemas.openxmlformats.org/drawingml/2006/main" xmlns:r="http://schemas.openxmlformats.org/officeDocument/2006/relationships" xmlns:p="http://schemas.openxmlformats.org/presentationml/2006/main">
   <p:cSld>
     <p:spTree>
@@ -5340,6 +5483,2792 @@
 </p:sld>
 </file>
 
+<file path=ppt/slides/slide13.xml><?xml version="1.0" encoding="utf-8"?>
+<p:sld xmlns:a="http://schemas.openxmlformats.org/drawingml/2006/main" xmlns:r="http://schemas.openxmlformats.org/officeDocument/2006/relationships" xmlns:p="http://schemas.openxmlformats.org/presentationml/2006/main">
+  <p:cSld>
+    <p:spTree>
+      <p:nvGrpSpPr>
+        <p:cNvPr id="1" name=""/>
+        <p:cNvGrpSpPr/>
+        <p:nvPr/>
+      </p:nvGrpSpPr>
+      <p:grpSpPr>
+        <a:xfrm>
+          <a:off x="0" y="0"/>
+          <a:ext cx="0" cy="0"/>
+          <a:chOff x="0" y="0"/>
+          <a:chExt cx="0" cy="0"/>
+        </a:xfrm>
+      </p:grpSpPr>
+      <p:sp>
+        <p:nvSpPr>
+          <p:cNvPr id="7" name="TextBox 6"/>
+          <p:cNvSpPr txBox="1"/>
+          <p:nvPr/>
+        </p:nvSpPr>
+        <p:spPr>
+          <a:xfrm>
+            <a:off x="619688" y="600062"/>
+            <a:ext cx="1972453" cy="553998"/>
+          </a:xfrm>
+          <a:prstGeom prst="rect">
+            <a:avLst/>
+          </a:prstGeom>
+          <a:noFill/>
+        </p:spPr>
+        <p:txBody>
+          <a:bodyPr wrap="none" rtlCol="0">
+            <a:spAutoFit/>
+          </a:bodyPr>
+          <a:lstStyle/>
+          <a:p>
+            <a:pPr algn="ctr"/>
+            <a:r>
+              <a:rPr lang="en-US" sz="3000" b="1" dirty="0" smtClean="0"/>
+              <a:t>Questions?</a:t>
+            </a:r>
+            <a:endParaRPr lang="en-US" sz="3000" b="1" dirty="0" smtClean="0"/>
+          </a:p>
+        </p:txBody>
+      </p:sp>
+      <p:sp>
+        <p:nvSpPr>
+          <p:cNvPr id="3" name="TextBox 2"/>
+          <p:cNvSpPr txBox="1"/>
+          <p:nvPr/>
+        </p:nvSpPr>
+        <p:spPr>
+          <a:xfrm>
+            <a:off x="619688" y="1707156"/>
+            <a:ext cx="8036740" cy="2308324"/>
+          </a:xfrm>
+          <a:prstGeom prst="rect">
+            <a:avLst/>
+          </a:prstGeom>
+          <a:noFill/>
+        </p:spPr>
+        <p:txBody>
+          <a:bodyPr wrap="square" rtlCol="0">
+            <a:spAutoFit/>
+          </a:bodyPr>
+          <a:lstStyle/>
+          <a:p>
+            <a:pPr marL="285750" indent="-285750">
+              <a:buFontTx/>
+              <a:buChar char="-"/>
+            </a:pPr>
+            <a:r>
+              <a:rPr lang="en-US" dirty="0" smtClean="0"/>
+              <a:t>How does </a:t>
+            </a:r>
+            <a:r>
+              <a:rPr lang="en-US" dirty="0" err="1" smtClean="0"/>
+              <a:t>RAMCloud</a:t>
+            </a:r>
+            <a:r>
+              <a:rPr lang="en-US" dirty="0" smtClean="0"/>
+              <a:t> performance compare with </a:t>
+            </a:r>
+            <a:r>
+              <a:rPr lang="en-US" dirty="0" err="1" smtClean="0"/>
+              <a:t>Aerospike</a:t>
+            </a:r>
+            <a:r>
+              <a:rPr lang="en-US" dirty="0" smtClean="0"/>
+              <a:t>?</a:t>
+            </a:r>
+          </a:p>
+          <a:p>
+            <a:pPr marL="285750" indent="-285750">
+              <a:buFontTx/>
+              <a:buChar char="-"/>
+            </a:pPr>
+            <a:r>
+              <a:rPr lang="en-US" dirty="0" smtClean="0"/>
+              <a:t>What is special about </a:t>
+            </a:r>
+            <a:r>
+              <a:rPr lang="en-US" dirty="0" err="1" smtClean="0"/>
+              <a:t>Aerospike</a:t>
+            </a:r>
+            <a:r>
+              <a:rPr lang="en-US" dirty="0" smtClean="0"/>
+              <a:t>?</a:t>
+            </a:r>
+          </a:p>
+          <a:p>
+            <a:pPr marL="285750" indent="-285750">
+              <a:buFontTx/>
+              <a:buChar char="-"/>
+            </a:pPr>
+            <a:r>
+              <a:rPr lang="en-US" dirty="0" smtClean="0"/>
+              <a:t>What kind of workloads do you envision running on Firebox?</a:t>
+            </a:r>
+          </a:p>
+          <a:p>
+            <a:pPr marL="285750" indent="-285750">
+              <a:buFontTx/>
+              <a:buChar char="-"/>
+            </a:pPr>
+            <a:r>
+              <a:rPr lang="en-US" dirty="0" smtClean="0"/>
+              <a:t>What is special about Firebox?</a:t>
+            </a:r>
+          </a:p>
+          <a:p>
+            <a:pPr marL="285750" indent="-285750">
+              <a:buFontTx/>
+              <a:buChar char="-"/>
+            </a:pPr>
+            <a:r>
+              <a:rPr lang="en-US" dirty="0" smtClean="0"/>
+              <a:t>Why bootstrap IB connections with Ethernet/IPs?</a:t>
+            </a:r>
+          </a:p>
+          <a:p>
+            <a:pPr marL="285750" indent="-285750">
+              <a:buFontTx/>
+              <a:buChar char="-"/>
+            </a:pPr>
+            <a:r>
+              <a:rPr lang="en-US" dirty="0" smtClean="0"/>
+              <a:t>What’s the difference between RDMA and IB messages?</a:t>
+            </a:r>
+          </a:p>
+          <a:p>
+            <a:pPr marL="285750" indent="-285750">
+              <a:buFontTx/>
+              <a:buChar char="-"/>
+            </a:pPr>
+            <a:r>
+              <a:rPr lang="en-US" dirty="0" smtClean="0"/>
+              <a:t>What is the latency of IB for big packets (e.g., 100MBs)</a:t>
+            </a:r>
+          </a:p>
+          <a:p>
+            <a:pPr marL="285750" indent="-285750">
+              <a:buFontTx/>
+              <a:buChar char="-"/>
+            </a:pPr>
+            <a:endParaRPr lang="en-US" dirty="0" smtClean="0"/>
+          </a:p>
+        </p:txBody>
+      </p:sp>
+    </p:spTree>
+    <p:extLst>
+      <p:ext uri="{BB962C8B-B14F-4D97-AF65-F5344CB8AC3E}">
+        <p14:creationId xmlns:p14="http://schemas.microsoft.com/office/powerpoint/2010/main" val="2576372885"/>
+      </p:ext>
+    </p:extLst>
+  </p:cSld>
+  <p:clrMapOvr>
+    <a:masterClrMapping/>
+  </p:clrMapOvr>
+  <p:timing>
+    <p:tnLst>
+      <p:par>
+        <p:cTn xmlns:p14="http://schemas.microsoft.com/office/powerpoint/2010/main" id="1" dur="indefinite" restart="never" nodeType="tmRoot"/>
+      </p:par>
+    </p:tnLst>
+  </p:timing>
+</p:sld>
+</file>
+
+<file path=ppt/slides/slide2.xml><?xml version="1.0" encoding="utf-8"?>
+<p:sld xmlns:a="http://schemas.openxmlformats.org/drawingml/2006/main" xmlns:r="http://schemas.openxmlformats.org/officeDocument/2006/relationships" xmlns:p="http://schemas.openxmlformats.org/presentationml/2006/main">
+  <p:cSld>
+    <p:spTree>
+      <p:nvGrpSpPr>
+        <p:cNvPr id="1" name=""/>
+        <p:cNvGrpSpPr/>
+        <p:nvPr/>
+      </p:nvGrpSpPr>
+      <p:grpSpPr>
+        <a:xfrm>
+          <a:off x="0" y="0"/>
+          <a:ext cx="0" cy="0"/>
+          <a:chOff x="0" y="0"/>
+          <a:chExt cx="0" cy="0"/>
+        </a:xfrm>
+      </p:grpSpPr>
+      <p:sp>
+        <p:nvSpPr>
+          <p:cNvPr id="7" name="TextBox 6"/>
+          <p:cNvSpPr txBox="1"/>
+          <p:nvPr/>
+        </p:nvSpPr>
+        <p:spPr>
+          <a:xfrm>
+            <a:off x="619688" y="600062"/>
+            <a:ext cx="3970445" cy="553998"/>
+          </a:xfrm>
+          <a:prstGeom prst="rect">
+            <a:avLst/>
+          </a:prstGeom>
+          <a:noFill/>
+        </p:spPr>
+        <p:txBody>
+          <a:bodyPr wrap="none" rtlCol="0">
+            <a:spAutoFit/>
+          </a:bodyPr>
+          <a:lstStyle/>
+          <a:p>
+            <a:pPr algn="ctr"/>
+            <a:r>
+              <a:rPr lang="en-US" sz="3000" b="1" dirty="0" smtClean="0"/>
+              <a:t>What is this talk about?</a:t>
+            </a:r>
+            <a:endParaRPr lang="en-US" sz="3000" b="1" dirty="0" smtClean="0"/>
+          </a:p>
+        </p:txBody>
+      </p:sp>
+      <p:sp>
+        <p:nvSpPr>
+          <p:cNvPr id="2" name="TextBox 1"/>
+          <p:cNvSpPr txBox="1"/>
+          <p:nvPr/>
+        </p:nvSpPr>
+        <p:spPr>
+          <a:xfrm>
+            <a:off x="619688" y="1918821"/>
+            <a:ext cx="7324868" cy="3111108"/>
+          </a:xfrm>
+          <a:prstGeom prst="rect">
+            <a:avLst/>
+          </a:prstGeom>
+          <a:noFill/>
+        </p:spPr>
+        <p:txBody>
+          <a:bodyPr wrap="square" rtlCol="0">
+            <a:spAutoFit/>
+          </a:bodyPr>
+          <a:lstStyle/>
+          <a:p>
+            <a:pPr>
+              <a:lnSpc>
+                <a:spcPct val="150000"/>
+              </a:lnSpc>
+            </a:pPr>
+            <a:r>
+              <a:rPr lang="en-US" sz="2200" b="1" dirty="0" smtClean="0"/>
+              <a:t>Goals:</a:t>
+            </a:r>
+            <a:endParaRPr lang="en-US" sz="2200" b="1" dirty="0"/>
+          </a:p>
+          <a:p>
+            <a:pPr marL="285750" indent="-285750">
+              <a:lnSpc>
+                <a:spcPct val="150000"/>
+              </a:lnSpc>
+              <a:buFontTx/>
+              <a:buChar char="-"/>
+            </a:pPr>
+            <a:r>
+              <a:rPr lang="en-US" sz="2200" dirty="0" smtClean="0"/>
+              <a:t>Assess Firebox-0 raw network performance</a:t>
+            </a:r>
+          </a:p>
+          <a:p>
+            <a:pPr marL="285750" indent="-285750">
+              <a:lnSpc>
+                <a:spcPct val="150000"/>
+              </a:lnSpc>
+              <a:buFontTx/>
+              <a:buChar char="-"/>
+            </a:pPr>
+            <a:r>
+              <a:rPr lang="en-US" sz="2200" dirty="0" smtClean="0"/>
+              <a:t>Benchmark of key-value storage systems (what is the right storage substrate?)</a:t>
+            </a:r>
+          </a:p>
+          <a:p>
+            <a:pPr marL="285750" indent="-285750">
+              <a:lnSpc>
+                <a:spcPct val="150000"/>
+              </a:lnSpc>
+              <a:buFontTx/>
+              <a:buChar char="-"/>
+            </a:pPr>
+            <a:r>
+              <a:rPr lang="en-US" sz="2200" dirty="0" smtClean="0"/>
+              <a:t>Benchmark of parallel SQL engines (what are the challenges of running data analytics at scale?)</a:t>
+            </a:r>
+          </a:p>
+        </p:txBody>
+      </p:sp>
+    </p:spTree>
+    <p:extLst>
+      <p:ext uri="{BB962C8B-B14F-4D97-AF65-F5344CB8AC3E}">
+        <p14:creationId xmlns:p14="http://schemas.microsoft.com/office/powerpoint/2010/main" val="3321272537"/>
+      </p:ext>
+    </p:extLst>
+  </p:cSld>
+  <p:clrMapOvr>
+    <a:masterClrMapping/>
+  </p:clrMapOvr>
+  <p:timing>
+    <p:tnLst>
+      <p:par>
+        <p:cTn xmlns:p14="http://schemas.microsoft.com/office/powerpoint/2010/main" id="1" dur="indefinite" restart="never" nodeType="tmRoot"/>
+      </p:par>
+    </p:tnLst>
+  </p:timing>
+</p:sld>
+</file>
+
+<file path=ppt/slides/slide3.xml><?xml version="1.0" encoding="utf-8"?>
+<p:sld xmlns:a="http://schemas.openxmlformats.org/drawingml/2006/main" xmlns:r="http://schemas.openxmlformats.org/officeDocument/2006/relationships" xmlns:p="http://schemas.openxmlformats.org/presentationml/2006/main">
+  <p:cSld>
+    <p:spTree>
+      <p:nvGrpSpPr>
+        <p:cNvPr id="1" name=""/>
+        <p:cNvGrpSpPr/>
+        <p:nvPr/>
+      </p:nvGrpSpPr>
+      <p:grpSpPr>
+        <a:xfrm>
+          <a:off x="0" y="0"/>
+          <a:ext cx="0" cy="0"/>
+          <a:chOff x="0" y="0"/>
+          <a:chExt cx="0" cy="0"/>
+        </a:xfrm>
+      </p:grpSpPr>
+      <p:sp>
+        <p:nvSpPr>
+          <p:cNvPr id="7" name="TextBox 6"/>
+          <p:cNvSpPr txBox="1"/>
+          <p:nvPr/>
+        </p:nvSpPr>
+        <p:spPr>
+          <a:xfrm>
+            <a:off x="505708" y="600062"/>
+            <a:ext cx="3415343" cy="553998"/>
+          </a:xfrm>
+          <a:prstGeom prst="rect">
+            <a:avLst/>
+          </a:prstGeom>
+          <a:noFill/>
+        </p:spPr>
+        <p:txBody>
+          <a:bodyPr wrap="none" rtlCol="0">
+            <a:spAutoFit/>
+          </a:bodyPr>
+          <a:lstStyle/>
+          <a:p>
+            <a:pPr algn="ctr"/>
+            <a:r>
+              <a:rPr lang="en-US" sz="3000" b="1" dirty="0" smtClean="0"/>
+              <a:t>What is Firebox – 0?</a:t>
+            </a:r>
+            <a:endParaRPr lang="en-US" sz="3000" b="1" dirty="0" smtClean="0"/>
+          </a:p>
+        </p:txBody>
+      </p:sp>
+      <p:sp>
+        <p:nvSpPr>
+          <p:cNvPr id="3" name="TextBox 2"/>
+          <p:cNvSpPr txBox="1"/>
+          <p:nvPr/>
+        </p:nvSpPr>
+        <p:spPr>
+          <a:xfrm>
+            <a:off x="98778" y="1707156"/>
+            <a:ext cx="5164667" cy="3970318"/>
+          </a:xfrm>
+          <a:prstGeom prst="rect">
+            <a:avLst/>
+          </a:prstGeom>
+          <a:noFill/>
+        </p:spPr>
+        <p:txBody>
+          <a:bodyPr wrap="square" rtlCol="0">
+            <a:spAutoFit/>
+          </a:bodyPr>
+          <a:lstStyle/>
+          <a:p>
+            <a:r>
+              <a:rPr lang="en-US" dirty="0" smtClean="0"/>
+              <a:t>- Firebox – 0 Cluster:</a:t>
+            </a:r>
+          </a:p>
+          <a:p>
+            <a:pPr marL="450850" indent="-280988">
+              <a:buFont typeface="Arial"/>
+              <a:buChar char="•"/>
+            </a:pPr>
+            <a:r>
+              <a:rPr lang="en-US" dirty="0" smtClean="0"/>
+              <a:t>16-node cluster</a:t>
+            </a:r>
+          </a:p>
+          <a:p>
+            <a:pPr marL="450850" indent="-280988">
+              <a:buFont typeface="Arial"/>
+              <a:buChar char="•"/>
+            </a:pPr>
+            <a:r>
+              <a:rPr lang="en-US" dirty="0" err="1" smtClean="0"/>
+              <a:t>Infiniband</a:t>
+            </a:r>
+            <a:r>
+              <a:rPr lang="en-US" dirty="0" smtClean="0"/>
+              <a:t> / Ethernet interconnect</a:t>
+            </a:r>
+          </a:p>
+          <a:p>
+            <a:pPr marL="285750" indent="-285750">
+              <a:buFont typeface="Arial"/>
+              <a:buChar char="•"/>
+            </a:pPr>
+            <a:endParaRPr lang="en-US" dirty="0"/>
+          </a:p>
+          <a:p>
+            <a:r>
+              <a:rPr lang="en-US" dirty="0" smtClean="0"/>
+              <a:t>- Node configuration:</a:t>
+            </a:r>
+            <a:endParaRPr lang="en-US" dirty="0"/>
+          </a:p>
+          <a:p>
+            <a:pPr marL="169863" indent="280988">
+              <a:buFont typeface="Arial"/>
+              <a:buChar char="•"/>
+              <a:tabLst>
+                <a:tab pos="169863" algn="l"/>
+              </a:tabLst>
+            </a:pPr>
+            <a:r>
+              <a:rPr lang="en-US" dirty="0" smtClean="0"/>
+              <a:t>Inte</a:t>
+            </a:r>
+            <a:r>
+              <a:rPr lang="en-US" dirty="0" smtClean="0"/>
+              <a:t>l Ivy Bridge 8Cores / 16Threads 3.0GHz 25MB</a:t>
+            </a:r>
+          </a:p>
+          <a:p>
+            <a:pPr marL="169863" indent="280988">
+              <a:buFont typeface="Arial"/>
+              <a:buChar char="•"/>
+              <a:tabLst>
+                <a:tab pos="169863" algn="l"/>
+              </a:tabLst>
+            </a:pPr>
+            <a:r>
+              <a:rPr lang="en-US" dirty="0" smtClean="0"/>
+              <a:t>64GB </a:t>
+            </a:r>
+            <a:r>
+              <a:rPr lang="en-US" dirty="0"/>
+              <a:t>RAM (1TB </a:t>
+            </a:r>
+            <a:r>
+              <a:rPr lang="en-US" dirty="0" smtClean="0"/>
+              <a:t>aggregate)</a:t>
+            </a:r>
+            <a:endParaRPr lang="en-US" dirty="0" smtClean="0"/>
+          </a:p>
+          <a:p>
+            <a:pPr marL="169863" indent="280988">
+              <a:buFont typeface="Arial"/>
+              <a:buChar char="•"/>
+              <a:tabLst>
+                <a:tab pos="169863" algn="l"/>
+              </a:tabLst>
+            </a:pPr>
+            <a:r>
+              <a:rPr lang="en-US" dirty="0" smtClean="0"/>
+              <a:t>2 SSDs (120GB + 480GB) (</a:t>
+            </a:r>
+            <a:r>
+              <a:rPr lang="en-US" dirty="0"/>
+              <a:t>9.4TB </a:t>
+            </a:r>
+            <a:r>
+              <a:rPr lang="en-US" dirty="0" smtClean="0"/>
+              <a:t>aggregate)</a:t>
+            </a:r>
+          </a:p>
+          <a:p>
+            <a:pPr marL="169863" indent="280988">
+              <a:buFont typeface="Arial"/>
+              <a:buChar char="•"/>
+              <a:tabLst>
+                <a:tab pos="169863" algn="l"/>
+              </a:tabLst>
+            </a:pPr>
+            <a:r>
+              <a:rPr lang="en-US" dirty="0" err="1" smtClean="0"/>
+              <a:t>Infiniband</a:t>
+            </a:r>
+            <a:r>
+              <a:rPr lang="en-US" dirty="0" smtClean="0"/>
+              <a:t>: </a:t>
+            </a:r>
+            <a:r>
+              <a:rPr lang="en-US" dirty="0" err="1" smtClean="0"/>
+              <a:t>Mellanox</a:t>
+            </a:r>
+            <a:r>
+              <a:rPr lang="en-US" dirty="0" smtClean="0"/>
+              <a:t> ConnectX-3 VPI FDR QSFP 56Gbps</a:t>
+            </a:r>
+          </a:p>
+          <a:p>
+            <a:pPr marL="169863" indent="280988">
+              <a:buFont typeface="Arial"/>
+              <a:buChar char="•"/>
+              <a:tabLst>
+                <a:tab pos="169863" algn="l"/>
+              </a:tabLst>
+            </a:pPr>
+            <a:r>
+              <a:rPr lang="en-US" dirty="0" smtClean="0"/>
+              <a:t>Ethernet: </a:t>
+            </a:r>
+            <a:r>
+              <a:rPr lang="en-US" dirty="0" err="1" smtClean="0"/>
+              <a:t>Mellanox</a:t>
+            </a:r>
+            <a:r>
+              <a:rPr lang="en-US" dirty="0" smtClean="0"/>
+              <a:t> ConnextX-3 EN QSFP 40Gb</a:t>
+            </a:r>
+          </a:p>
+          <a:p>
+            <a:pPr marL="169863" indent="280988">
+              <a:buFont typeface="Arial"/>
+              <a:buChar char="•"/>
+              <a:tabLst>
+                <a:tab pos="169863" algn="l"/>
+              </a:tabLst>
+            </a:pPr>
+            <a:r>
+              <a:rPr lang="en-US" dirty="0" smtClean="0"/>
+              <a:t>Running Ubuntu 14.04 (Linux </a:t>
+            </a:r>
+            <a:r>
+              <a:rPr lang="en-US" dirty="0" smtClean="0"/>
+              <a:t>3.13.0)</a:t>
+            </a:r>
+            <a:endParaRPr lang="en-US" dirty="0" smtClean="0"/>
+          </a:p>
+          <a:p>
+            <a:endParaRPr lang="en-US" dirty="0"/>
+          </a:p>
+        </p:txBody>
+      </p:sp>
+      <p:sp>
+        <p:nvSpPr>
+          <p:cNvPr id="6" name="Rectangle 5"/>
+          <p:cNvSpPr/>
+          <p:nvPr/>
+        </p:nvSpPr>
+        <p:spPr>
+          <a:xfrm>
+            <a:off x="5164668" y="1255887"/>
+            <a:ext cx="3753555" cy="4233335"/>
+          </a:xfrm>
+          <a:prstGeom prst="rect">
+            <a:avLst/>
+          </a:prstGeom>
+          <a:solidFill>
+            <a:schemeClr val="bg1">
+              <a:lumMod val="85000"/>
+            </a:schemeClr>
+          </a:solidFill>
+        </p:spPr>
+        <p:style>
+          <a:lnRef idx="1">
+            <a:schemeClr val="accent1"/>
+          </a:lnRef>
+          <a:fillRef idx="3">
+            <a:schemeClr val="accent1"/>
+          </a:fillRef>
+          <a:effectRef idx="2">
+            <a:schemeClr val="accent1"/>
+          </a:effectRef>
+          <a:fontRef idx="minor">
+            <a:schemeClr val="lt1"/>
+          </a:fontRef>
+        </p:style>
+        <p:txBody>
+          <a:bodyPr rtlCol="0" anchor="ctr"/>
+          <a:lstStyle/>
+          <a:p>
+            <a:pPr algn="ctr"/>
+            <a:endParaRPr lang="en-US" dirty="0"/>
+          </a:p>
+        </p:txBody>
+      </p:sp>
+      <p:sp>
+        <p:nvSpPr>
+          <p:cNvPr id="8" name="TextBox 7"/>
+          <p:cNvSpPr txBox="1"/>
+          <p:nvPr/>
+        </p:nvSpPr>
+        <p:spPr>
+          <a:xfrm>
+            <a:off x="5263447" y="1337824"/>
+            <a:ext cx="2492990" cy="492443"/>
+          </a:xfrm>
+          <a:prstGeom prst="rect">
+            <a:avLst/>
+          </a:prstGeom>
+          <a:noFill/>
+        </p:spPr>
+        <p:txBody>
+          <a:bodyPr wrap="none" rtlCol="0">
+            <a:spAutoFit/>
+          </a:bodyPr>
+          <a:lstStyle/>
+          <a:p>
+            <a:r>
+              <a:rPr lang="en-US" sz="2600" dirty="0" smtClean="0"/>
+              <a:t>Firebox-0 Cluster</a:t>
+            </a:r>
+            <a:endParaRPr lang="en-US" sz="2600" dirty="0"/>
+          </a:p>
+        </p:txBody>
+      </p:sp>
+      <p:sp>
+        <p:nvSpPr>
+          <p:cNvPr id="17" name="TextBox 16"/>
+          <p:cNvSpPr txBox="1"/>
+          <p:nvPr/>
+        </p:nvSpPr>
+        <p:spPr>
+          <a:xfrm>
+            <a:off x="7295854" y="3285438"/>
+            <a:ext cx="460583" cy="369332"/>
+          </a:xfrm>
+          <a:prstGeom prst="rect">
+            <a:avLst/>
+          </a:prstGeom>
+          <a:noFill/>
+        </p:spPr>
+        <p:txBody>
+          <a:bodyPr wrap="none" rtlCol="0">
+            <a:spAutoFit/>
+          </a:bodyPr>
+          <a:lstStyle/>
+          <a:p>
+            <a:r>
+              <a:rPr lang="en-US" dirty="0" smtClean="0"/>
+              <a:t>…..</a:t>
+            </a:r>
+            <a:endParaRPr lang="en-US" dirty="0"/>
+          </a:p>
+        </p:txBody>
+      </p:sp>
+      <p:sp>
+        <p:nvSpPr>
+          <p:cNvPr id="18" name="Rectangle 17"/>
+          <p:cNvSpPr/>
+          <p:nvPr/>
+        </p:nvSpPr>
+        <p:spPr>
+          <a:xfrm>
+            <a:off x="5263447" y="3033880"/>
+            <a:ext cx="914400" cy="917233"/>
+          </a:xfrm>
+          <a:prstGeom prst="rect">
+            <a:avLst/>
+          </a:prstGeom>
+          <a:solidFill>
+            <a:schemeClr val="bg1">
+              <a:lumMod val="65000"/>
+            </a:schemeClr>
+          </a:solidFill>
+        </p:spPr>
+        <p:style>
+          <a:lnRef idx="1">
+            <a:schemeClr val="accent1"/>
+          </a:lnRef>
+          <a:fillRef idx="3">
+            <a:schemeClr val="accent1"/>
+          </a:fillRef>
+          <a:effectRef idx="2">
+            <a:schemeClr val="accent1"/>
+          </a:effectRef>
+          <a:fontRef idx="minor">
+            <a:schemeClr val="lt1"/>
+          </a:fontRef>
+        </p:style>
+        <p:txBody>
+          <a:bodyPr rtlCol="0" anchor="ctr"/>
+          <a:lstStyle/>
+          <a:p>
+            <a:pPr algn="ctr"/>
+            <a:r>
+              <a:rPr lang="en-US" b="1" dirty="0" smtClean="0">
+                <a:solidFill>
+                  <a:schemeClr val="tx1"/>
+                </a:solidFill>
+              </a:rPr>
+              <a:t>F1</a:t>
+            </a:r>
+            <a:endParaRPr lang="en-US" b="1" dirty="0">
+              <a:solidFill>
+                <a:schemeClr val="tx1"/>
+              </a:solidFill>
+            </a:endParaRPr>
+          </a:p>
+        </p:txBody>
+      </p:sp>
+      <p:sp>
+        <p:nvSpPr>
+          <p:cNvPr id="19" name="Rectangle 18"/>
+          <p:cNvSpPr/>
+          <p:nvPr/>
+        </p:nvSpPr>
+        <p:spPr>
+          <a:xfrm>
+            <a:off x="6330247" y="3033880"/>
+            <a:ext cx="914400" cy="917233"/>
+          </a:xfrm>
+          <a:prstGeom prst="rect">
+            <a:avLst/>
+          </a:prstGeom>
+          <a:solidFill>
+            <a:schemeClr val="bg1">
+              <a:lumMod val="65000"/>
+            </a:schemeClr>
+          </a:solidFill>
+        </p:spPr>
+        <p:style>
+          <a:lnRef idx="1">
+            <a:schemeClr val="accent1"/>
+          </a:lnRef>
+          <a:fillRef idx="3">
+            <a:schemeClr val="accent1"/>
+          </a:fillRef>
+          <a:effectRef idx="2">
+            <a:schemeClr val="accent1"/>
+          </a:effectRef>
+          <a:fontRef idx="minor">
+            <a:schemeClr val="lt1"/>
+          </a:fontRef>
+        </p:style>
+        <p:txBody>
+          <a:bodyPr rtlCol="0" anchor="ctr"/>
+          <a:lstStyle/>
+          <a:p>
+            <a:pPr algn="ctr"/>
+            <a:r>
+              <a:rPr lang="en-US" b="1" dirty="0" smtClean="0">
+                <a:solidFill>
+                  <a:schemeClr val="tx1"/>
+                </a:solidFill>
+              </a:rPr>
+              <a:t>F2</a:t>
+            </a:r>
+            <a:endParaRPr lang="en-US" b="1" dirty="0">
+              <a:solidFill>
+                <a:schemeClr val="tx1"/>
+              </a:solidFill>
+            </a:endParaRPr>
+          </a:p>
+        </p:txBody>
+      </p:sp>
+      <p:sp>
+        <p:nvSpPr>
+          <p:cNvPr id="20" name="Rectangle 19"/>
+          <p:cNvSpPr/>
+          <p:nvPr/>
+        </p:nvSpPr>
+        <p:spPr>
+          <a:xfrm>
+            <a:off x="7865536" y="3033880"/>
+            <a:ext cx="914400" cy="917233"/>
+          </a:xfrm>
+          <a:prstGeom prst="rect">
+            <a:avLst/>
+          </a:prstGeom>
+          <a:solidFill>
+            <a:schemeClr val="bg1">
+              <a:lumMod val="65000"/>
+            </a:schemeClr>
+          </a:solidFill>
+        </p:spPr>
+        <p:style>
+          <a:lnRef idx="1">
+            <a:schemeClr val="accent1"/>
+          </a:lnRef>
+          <a:fillRef idx="3">
+            <a:schemeClr val="accent1"/>
+          </a:fillRef>
+          <a:effectRef idx="2">
+            <a:schemeClr val="accent1"/>
+          </a:effectRef>
+          <a:fontRef idx="minor">
+            <a:schemeClr val="lt1"/>
+          </a:fontRef>
+        </p:style>
+        <p:txBody>
+          <a:bodyPr rtlCol="0" anchor="ctr"/>
+          <a:lstStyle/>
+          <a:p>
+            <a:pPr algn="ctr"/>
+            <a:r>
+              <a:rPr lang="en-US" b="1" dirty="0" smtClean="0">
+                <a:solidFill>
+                  <a:schemeClr val="tx1"/>
+                </a:solidFill>
+              </a:rPr>
+              <a:t>F16</a:t>
+            </a:r>
+            <a:endParaRPr lang="en-US" b="1" dirty="0">
+              <a:solidFill>
+                <a:schemeClr val="tx1"/>
+              </a:solidFill>
+            </a:endParaRPr>
+          </a:p>
+        </p:txBody>
+      </p:sp>
+      <p:cxnSp>
+        <p:nvCxnSpPr>
+          <p:cNvPr id="22" name="Straight Connector 21"/>
+          <p:cNvCxnSpPr>
+            <a:stCxn id="18" idx="2"/>
+          </p:cNvCxnSpPr>
+          <p:nvPr/>
+        </p:nvCxnSpPr>
+        <p:spPr>
+          <a:xfrm>
+            <a:off x="5720647" y="3951113"/>
+            <a:ext cx="0" cy="288552"/>
+          </a:xfrm>
+          <a:prstGeom prst="line">
+            <a:avLst/>
+          </a:prstGeom>
+        </p:spPr>
+        <p:style>
+          <a:lnRef idx="2">
+            <a:schemeClr val="accent1"/>
+          </a:lnRef>
+          <a:fillRef idx="0">
+            <a:schemeClr val="accent1"/>
+          </a:fillRef>
+          <a:effectRef idx="1">
+            <a:schemeClr val="accent1"/>
+          </a:effectRef>
+          <a:fontRef idx="minor">
+            <a:schemeClr val="tx1"/>
+          </a:fontRef>
+        </p:style>
+      </p:cxnSp>
+      <p:cxnSp>
+        <p:nvCxnSpPr>
+          <p:cNvPr id="24" name="Straight Connector 23"/>
+          <p:cNvCxnSpPr/>
+          <p:nvPr/>
+        </p:nvCxnSpPr>
+        <p:spPr>
+          <a:xfrm>
+            <a:off x="5720647" y="4239665"/>
+            <a:ext cx="2604909" cy="0"/>
+          </a:xfrm>
+          <a:prstGeom prst="line">
+            <a:avLst/>
+          </a:prstGeom>
+        </p:spPr>
+        <p:style>
+          <a:lnRef idx="2">
+            <a:schemeClr val="accent1"/>
+          </a:lnRef>
+          <a:fillRef idx="0">
+            <a:schemeClr val="accent1"/>
+          </a:fillRef>
+          <a:effectRef idx="1">
+            <a:schemeClr val="accent1"/>
+          </a:effectRef>
+          <a:fontRef idx="minor">
+            <a:schemeClr val="tx1"/>
+          </a:fontRef>
+        </p:style>
+      </p:cxnSp>
+      <p:cxnSp>
+        <p:nvCxnSpPr>
+          <p:cNvPr id="26" name="Straight Connector 25"/>
+          <p:cNvCxnSpPr>
+            <a:stCxn id="20" idx="2"/>
+          </p:cNvCxnSpPr>
+          <p:nvPr/>
+        </p:nvCxnSpPr>
+        <p:spPr>
+          <a:xfrm>
+            <a:off x="8322736" y="3951113"/>
+            <a:ext cx="2820" cy="288552"/>
+          </a:xfrm>
+          <a:prstGeom prst="line">
+            <a:avLst/>
+          </a:prstGeom>
+        </p:spPr>
+        <p:style>
+          <a:lnRef idx="2">
+            <a:schemeClr val="accent1"/>
+          </a:lnRef>
+          <a:fillRef idx="0">
+            <a:schemeClr val="accent1"/>
+          </a:fillRef>
+          <a:effectRef idx="1">
+            <a:schemeClr val="accent1"/>
+          </a:effectRef>
+          <a:fontRef idx="minor">
+            <a:schemeClr val="tx1"/>
+          </a:fontRef>
+        </p:style>
+      </p:cxnSp>
+      <p:cxnSp>
+        <p:nvCxnSpPr>
+          <p:cNvPr id="31" name="Straight Connector 30"/>
+          <p:cNvCxnSpPr>
+            <a:stCxn id="19" idx="2"/>
+          </p:cNvCxnSpPr>
+          <p:nvPr/>
+        </p:nvCxnSpPr>
+        <p:spPr>
+          <a:xfrm flipH="1">
+            <a:off x="6787445" y="3951113"/>
+            <a:ext cx="2" cy="288552"/>
+          </a:xfrm>
+          <a:prstGeom prst="line">
+            <a:avLst/>
+          </a:prstGeom>
+        </p:spPr>
+        <p:style>
+          <a:lnRef idx="2">
+            <a:schemeClr val="accent1"/>
+          </a:lnRef>
+          <a:fillRef idx="0">
+            <a:schemeClr val="accent1"/>
+          </a:fillRef>
+          <a:effectRef idx="1">
+            <a:schemeClr val="accent1"/>
+          </a:effectRef>
+          <a:fontRef idx="minor">
+            <a:schemeClr val="tx1"/>
+          </a:fontRef>
+        </p:style>
+      </p:cxnSp>
+      <p:sp>
+        <p:nvSpPr>
+          <p:cNvPr id="35" name="TextBox 34"/>
+          <p:cNvSpPr txBox="1"/>
+          <p:nvPr/>
+        </p:nvSpPr>
+        <p:spPr>
+          <a:xfrm>
+            <a:off x="7786112" y="4253776"/>
+            <a:ext cx="1134934" cy="646331"/>
+          </a:xfrm>
+          <a:prstGeom prst="rect">
+            <a:avLst/>
+          </a:prstGeom>
+          <a:noFill/>
+        </p:spPr>
+        <p:txBody>
+          <a:bodyPr wrap="none" rtlCol="0">
+            <a:spAutoFit/>
+          </a:bodyPr>
+          <a:lstStyle/>
+          <a:p>
+            <a:r>
+              <a:rPr lang="en-US" dirty="0" smtClean="0"/>
+              <a:t>56Gbps</a:t>
+            </a:r>
+          </a:p>
+          <a:p>
+            <a:r>
+              <a:rPr lang="en-US" dirty="0" err="1" smtClean="0"/>
+              <a:t>Infiniband</a:t>
+            </a:r>
+            <a:endParaRPr lang="en-US" dirty="0"/>
+          </a:p>
+        </p:txBody>
+      </p:sp>
+      <p:cxnSp>
+        <p:nvCxnSpPr>
+          <p:cNvPr id="36" name="Straight Connector 35"/>
+          <p:cNvCxnSpPr/>
+          <p:nvPr/>
+        </p:nvCxnSpPr>
+        <p:spPr>
+          <a:xfrm>
+            <a:off x="5729112" y="2783391"/>
+            <a:ext cx="2604909" cy="0"/>
+          </a:xfrm>
+          <a:prstGeom prst="line">
+            <a:avLst/>
+          </a:prstGeom>
+        </p:spPr>
+        <p:style>
+          <a:lnRef idx="2">
+            <a:schemeClr val="accent1"/>
+          </a:lnRef>
+          <a:fillRef idx="0">
+            <a:schemeClr val="accent1"/>
+          </a:fillRef>
+          <a:effectRef idx="1">
+            <a:schemeClr val="accent1"/>
+          </a:effectRef>
+          <a:fontRef idx="minor">
+            <a:schemeClr val="tx1"/>
+          </a:fontRef>
+        </p:style>
+      </p:cxnSp>
+      <p:cxnSp>
+        <p:nvCxnSpPr>
+          <p:cNvPr id="37" name="Straight Connector 36"/>
+          <p:cNvCxnSpPr/>
+          <p:nvPr/>
+        </p:nvCxnSpPr>
+        <p:spPr>
+          <a:xfrm>
+            <a:off x="5754512" y="2773547"/>
+            <a:ext cx="8465" cy="260333"/>
+          </a:xfrm>
+          <a:prstGeom prst="line">
+            <a:avLst/>
+          </a:prstGeom>
+        </p:spPr>
+        <p:style>
+          <a:lnRef idx="2">
+            <a:schemeClr val="accent1"/>
+          </a:lnRef>
+          <a:fillRef idx="0">
+            <a:schemeClr val="accent1"/>
+          </a:fillRef>
+          <a:effectRef idx="1">
+            <a:schemeClr val="accent1"/>
+          </a:effectRef>
+          <a:fontRef idx="minor">
+            <a:schemeClr val="tx1"/>
+          </a:fontRef>
+        </p:style>
+      </p:cxnSp>
+      <p:cxnSp>
+        <p:nvCxnSpPr>
+          <p:cNvPr id="38" name="Straight Connector 37"/>
+          <p:cNvCxnSpPr/>
+          <p:nvPr/>
+        </p:nvCxnSpPr>
+        <p:spPr>
+          <a:xfrm>
+            <a:off x="8356601" y="2773547"/>
+            <a:ext cx="0" cy="260333"/>
+          </a:xfrm>
+          <a:prstGeom prst="line">
+            <a:avLst/>
+          </a:prstGeom>
+        </p:spPr>
+        <p:style>
+          <a:lnRef idx="2">
+            <a:schemeClr val="accent1"/>
+          </a:lnRef>
+          <a:fillRef idx="0">
+            <a:schemeClr val="accent1"/>
+          </a:fillRef>
+          <a:effectRef idx="1">
+            <a:schemeClr val="accent1"/>
+          </a:effectRef>
+          <a:fontRef idx="minor">
+            <a:schemeClr val="tx1"/>
+          </a:fontRef>
+        </p:style>
+      </p:cxnSp>
+      <p:cxnSp>
+        <p:nvCxnSpPr>
+          <p:cNvPr id="39" name="Straight Connector 38"/>
+          <p:cNvCxnSpPr/>
+          <p:nvPr/>
+        </p:nvCxnSpPr>
+        <p:spPr>
+          <a:xfrm flipH="1">
+            <a:off x="6821310" y="2773547"/>
+            <a:ext cx="2" cy="260333"/>
+          </a:xfrm>
+          <a:prstGeom prst="line">
+            <a:avLst/>
+          </a:prstGeom>
+        </p:spPr>
+        <p:style>
+          <a:lnRef idx="2">
+            <a:schemeClr val="accent1"/>
+          </a:lnRef>
+          <a:fillRef idx="0">
+            <a:schemeClr val="accent1"/>
+          </a:fillRef>
+          <a:effectRef idx="1">
+            <a:schemeClr val="accent1"/>
+          </a:effectRef>
+          <a:fontRef idx="minor">
+            <a:schemeClr val="tx1"/>
+          </a:fontRef>
+        </p:style>
+      </p:cxnSp>
+      <p:sp>
+        <p:nvSpPr>
+          <p:cNvPr id="44" name="TextBox 43"/>
+          <p:cNvSpPr txBox="1"/>
+          <p:nvPr/>
+        </p:nvSpPr>
+        <p:spPr>
+          <a:xfrm>
+            <a:off x="7645002" y="2103262"/>
+            <a:ext cx="1005403" cy="646331"/>
+          </a:xfrm>
+          <a:prstGeom prst="rect">
+            <a:avLst/>
+          </a:prstGeom>
+          <a:noFill/>
+        </p:spPr>
+        <p:txBody>
+          <a:bodyPr wrap="none" rtlCol="0">
+            <a:spAutoFit/>
+          </a:bodyPr>
+          <a:lstStyle/>
+          <a:p>
+            <a:r>
+              <a:rPr lang="en-US" dirty="0" smtClean="0"/>
+              <a:t>40Gbps</a:t>
+            </a:r>
+          </a:p>
+          <a:p>
+            <a:r>
+              <a:rPr lang="en-US" dirty="0" smtClean="0"/>
+              <a:t>Ethernet</a:t>
+            </a:r>
+            <a:endParaRPr lang="en-US" dirty="0"/>
+          </a:p>
+        </p:txBody>
+      </p:sp>
+      <p:pic>
+        <p:nvPicPr>
+          <p:cNvPr id="46" name="Picture 45"/>
+          <p:cNvPicPr>
+            <a:picLocks noChangeAspect="1"/>
+          </p:cNvPicPr>
+          <p:nvPr/>
+        </p:nvPicPr>
+        <p:blipFill>
+          <a:blip r:embed="rId3"/>
+          <a:stretch>
+            <a:fillRect/>
+          </a:stretch>
+        </p:blipFill>
+        <p:spPr>
+          <a:xfrm>
+            <a:off x="6131448" y="4569287"/>
+            <a:ext cx="1618094" cy="807045"/>
+          </a:xfrm>
+          <a:prstGeom prst="rect">
+            <a:avLst/>
+          </a:prstGeom>
+        </p:spPr>
+      </p:pic>
+      <p:pic>
+        <p:nvPicPr>
+          <p:cNvPr id="54" name="Picture 53"/>
+          <p:cNvPicPr>
+            <a:picLocks noChangeAspect="1"/>
+          </p:cNvPicPr>
+          <p:nvPr/>
+        </p:nvPicPr>
+        <p:blipFill>
+          <a:blip r:embed="rId4"/>
+          <a:stretch>
+            <a:fillRect/>
+          </a:stretch>
+        </p:blipFill>
+        <p:spPr>
+          <a:xfrm>
+            <a:off x="6004293" y="1607139"/>
+            <a:ext cx="1566304" cy="1176252"/>
+          </a:xfrm>
+          <a:prstGeom prst="rect">
+            <a:avLst/>
+          </a:prstGeom>
+        </p:spPr>
+      </p:pic>
+      <p:sp>
+        <p:nvSpPr>
+          <p:cNvPr id="64" name="Rectangle 63"/>
+          <p:cNvSpPr/>
+          <p:nvPr/>
+        </p:nvSpPr>
+        <p:spPr>
+          <a:xfrm>
+            <a:off x="6457246" y="5884325"/>
+            <a:ext cx="1172600" cy="620898"/>
+          </a:xfrm>
+          <a:prstGeom prst="rect">
+            <a:avLst/>
+          </a:prstGeom>
+          <a:solidFill>
+            <a:schemeClr val="bg1">
+              <a:lumMod val="65000"/>
+            </a:schemeClr>
+          </a:solidFill>
+        </p:spPr>
+        <p:style>
+          <a:lnRef idx="1">
+            <a:schemeClr val="accent1"/>
+          </a:lnRef>
+          <a:fillRef idx="3">
+            <a:schemeClr val="accent1"/>
+          </a:fillRef>
+          <a:effectRef idx="2">
+            <a:schemeClr val="accent1"/>
+          </a:effectRef>
+          <a:fontRef idx="minor">
+            <a:schemeClr val="lt1"/>
+          </a:fontRef>
+        </p:style>
+        <p:txBody>
+          <a:bodyPr rtlCol="0" anchor="ctr"/>
+          <a:lstStyle/>
+          <a:p>
+            <a:pPr algn="ctr"/>
+            <a:r>
+              <a:rPr lang="en-US" b="1" dirty="0" err="1" smtClean="0">
+                <a:solidFill>
+                  <a:schemeClr val="tx1"/>
+                </a:solidFill>
+              </a:rPr>
+              <a:t>Fbox</a:t>
+            </a:r>
+            <a:endParaRPr lang="en-US" b="1" dirty="0">
+              <a:solidFill>
+                <a:schemeClr val="tx1"/>
+              </a:solidFill>
+            </a:endParaRPr>
+          </a:p>
+        </p:txBody>
+      </p:sp>
+      <p:cxnSp>
+        <p:nvCxnSpPr>
+          <p:cNvPr id="76" name="Straight Arrow Connector 75"/>
+          <p:cNvCxnSpPr>
+            <a:endCxn id="64" idx="3"/>
+          </p:cNvCxnSpPr>
+          <p:nvPr/>
+        </p:nvCxnSpPr>
+        <p:spPr>
+          <a:xfrm flipH="1" flipV="1">
+            <a:off x="7629846" y="6194774"/>
+            <a:ext cx="235690" cy="4"/>
+          </a:xfrm>
+          <a:prstGeom prst="straightConnector1">
+            <a:avLst/>
+          </a:prstGeom>
+          <a:ln>
+            <a:tailEnd type="arrow"/>
+          </a:ln>
+        </p:spPr>
+        <p:style>
+          <a:lnRef idx="2">
+            <a:schemeClr val="accent1"/>
+          </a:lnRef>
+          <a:fillRef idx="0">
+            <a:schemeClr val="accent1"/>
+          </a:fillRef>
+          <a:effectRef idx="1">
+            <a:schemeClr val="accent1"/>
+          </a:effectRef>
+          <a:fontRef idx="minor">
+            <a:schemeClr val="tx1"/>
+          </a:fontRef>
+        </p:style>
+      </p:cxnSp>
+      <p:cxnSp>
+        <p:nvCxnSpPr>
+          <p:cNvPr id="78" name="Straight Arrow Connector 77"/>
+          <p:cNvCxnSpPr/>
+          <p:nvPr/>
+        </p:nvCxnSpPr>
+        <p:spPr>
+          <a:xfrm flipV="1">
+            <a:off x="7865536" y="5489222"/>
+            <a:ext cx="0" cy="705552"/>
+          </a:xfrm>
+          <a:prstGeom prst="straightConnector1">
+            <a:avLst/>
+          </a:prstGeom>
+          <a:ln>
+            <a:tailEnd type="arrow"/>
+          </a:ln>
+        </p:spPr>
+        <p:style>
+          <a:lnRef idx="2">
+            <a:schemeClr val="accent1"/>
+          </a:lnRef>
+          <a:fillRef idx="0">
+            <a:schemeClr val="accent1"/>
+          </a:fillRef>
+          <a:effectRef idx="1">
+            <a:schemeClr val="accent1"/>
+          </a:effectRef>
+          <a:fontRef idx="minor">
+            <a:schemeClr val="tx1"/>
+          </a:fontRef>
+        </p:style>
+      </p:cxnSp>
+      <p:sp>
+        <p:nvSpPr>
+          <p:cNvPr id="79" name="TextBox 78"/>
+          <p:cNvSpPr txBox="1"/>
+          <p:nvPr/>
+        </p:nvSpPr>
+        <p:spPr>
+          <a:xfrm>
+            <a:off x="7938512" y="5678203"/>
+            <a:ext cx="1005403" cy="646331"/>
+          </a:xfrm>
+          <a:prstGeom prst="rect">
+            <a:avLst/>
+          </a:prstGeom>
+          <a:noFill/>
+        </p:spPr>
+        <p:txBody>
+          <a:bodyPr wrap="none" rtlCol="0">
+            <a:spAutoFit/>
+          </a:bodyPr>
+          <a:lstStyle/>
+          <a:p>
+            <a:r>
+              <a:rPr lang="en-US" dirty="0" smtClean="0"/>
+              <a:t>10Gbps</a:t>
+            </a:r>
+          </a:p>
+          <a:p>
+            <a:r>
+              <a:rPr lang="en-US" dirty="0" smtClean="0"/>
+              <a:t>Ethernet</a:t>
+            </a:r>
+            <a:endParaRPr lang="en-US" dirty="0"/>
+          </a:p>
+        </p:txBody>
+      </p:sp>
+      <p:cxnSp>
+        <p:nvCxnSpPr>
+          <p:cNvPr id="81" name="Straight Arrow Connector 80"/>
+          <p:cNvCxnSpPr/>
+          <p:nvPr/>
+        </p:nvCxnSpPr>
+        <p:spPr>
+          <a:xfrm>
+            <a:off x="6970890" y="4239665"/>
+            <a:ext cx="0" cy="487557"/>
+          </a:xfrm>
+          <a:prstGeom prst="straightConnector1">
+            <a:avLst/>
+          </a:prstGeom>
+          <a:ln>
+            <a:headEnd type="arrow"/>
+            <a:tailEnd type="arrow"/>
+          </a:ln>
+        </p:spPr>
+        <p:style>
+          <a:lnRef idx="2">
+            <a:schemeClr val="accent1"/>
+          </a:lnRef>
+          <a:fillRef idx="0">
+            <a:schemeClr val="accent1"/>
+          </a:fillRef>
+          <a:effectRef idx="1">
+            <a:schemeClr val="accent1"/>
+          </a:effectRef>
+          <a:fontRef idx="minor">
+            <a:schemeClr val="tx1"/>
+          </a:fontRef>
+        </p:style>
+      </p:cxnSp>
+      <p:cxnSp>
+        <p:nvCxnSpPr>
+          <p:cNvPr id="83" name="Straight Arrow Connector 82"/>
+          <p:cNvCxnSpPr/>
+          <p:nvPr/>
+        </p:nvCxnSpPr>
+        <p:spPr>
+          <a:xfrm>
+            <a:off x="6939846" y="2295834"/>
+            <a:ext cx="0" cy="487557"/>
+          </a:xfrm>
+          <a:prstGeom prst="straightConnector1">
+            <a:avLst/>
+          </a:prstGeom>
+          <a:ln>
+            <a:headEnd type="arrow"/>
+            <a:tailEnd type="arrow"/>
+          </a:ln>
+        </p:spPr>
+        <p:style>
+          <a:lnRef idx="2">
+            <a:schemeClr val="accent1"/>
+          </a:lnRef>
+          <a:fillRef idx="0">
+            <a:schemeClr val="accent1"/>
+          </a:fillRef>
+          <a:effectRef idx="1">
+            <a:schemeClr val="accent1"/>
+          </a:effectRef>
+          <a:fontRef idx="minor">
+            <a:schemeClr val="tx1"/>
+          </a:fontRef>
+        </p:style>
+      </p:cxnSp>
+      <p:sp>
+        <p:nvSpPr>
+          <p:cNvPr id="84" name="TextBox 83"/>
+          <p:cNvSpPr txBox="1"/>
+          <p:nvPr/>
+        </p:nvSpPr>
+        <p:spPr>
+          <a:xfrm>
+            <a:off x="8861779" y="5522252"/>
+            <a:ext cx="2054576" cy="369332"/>
+          </a:xfrm>
+          <a:prstGeom prst="rect">
+            <a:avLst/>
+          </a:prstGeom>
+          <a:solidFill>
+            <a:srgbClr val="FFFF00"/>
+          </a:solidFill>
+        </p:spPr>
+        <p:txBody>
+          <a:bodyPr wrap="square" rtlCol="0">
+            <a:spAutoFit/>
+          </a:bodyPr>
+          <a:lstStyle/>
+          <a:p>
+            <a:r>
+              <a:rPr lang="en-US" b="1" dirty="0" smtClean="0"/>
+              <a:t>Check this 10Gbps</a:t>
+            </a:r>
+          </a:p>
+        </p:txBody>
+      </p:sp>
+    </p:spTree>
+    <p:extLst>
+      <p:ext uri="{BB962C8B-B14F-4D97-AF65-F5344CB8AC3E}">
+        <p14:creationId xmlns:p14="http://schemas.microsoft.com/office/powerpoint/2010/main" val="2389898637"/>
+      </p:ext>
+    </p:extLst>
+  </p:cSld>
+  <p:clrMapOvr>
+    <a:masterClrMapping/>
+  </p:clrMapOvr>
+  <p:timing>
+    <p:tnLst>
+      <p:par>
+        <p:cTn xmlns:p14="http://schemas.microsoft.com/office/powerpoint/2010/main" id="1" dur="indefinite" restart="never" nodeType="tmRoot"/>
+      </p:par>
+    </p:tnLst>
+  </p:timing>
+</p:sld>
+</file>
+
+<file path=ppt/slides/slide4.xml><?xml version="1.0" encoding="utf-8"?>
+<p:sld xmlns:a="http://schemas.openxmlformats.org/drawingml/2006/main" xmlns:r="http://schemas.openxmlformats.org/officeDocument/2006/relationships" xmlns:p="http://schemas.openxmlformats.org/presentationml/2006/main">
+  <p:cSld>
+    <p:spTree>
+      <p:nvGrpSpPr>
+        <p:cNvPr id="1" name=""/>
+        <p:cNvGrpSpPr/>
+        <p:nvPr/>
+      </p:nvGrpSpPr>
+      <p:grpSpPr>
+        <a:xfrm>
+          <a:off x="0" y="0"/>
+          <a:ext cx="0" cy="0"/>
+          <a:chOff x="0" y="0"/>
+          <a:chExt cx="0" cy="0"/>
+        </a:xfrm>
+      </p:grpSpPr>
+      <p:sp>
+        <p:nvSpPr>
+          <p:cNvPr id="7" name="TextBox 6"/>
+          <p:cNvSpPr txBox="1"/>
+          <p:nvPr/>
+        </p:nvSpPr>
+        <p:spPr>
+          <a:xfrm>
+            <a:off x="322431" y="302842"/>
+            <a:ext cx="6572758" cy="553998"/>
+          </a:xfrm>
+          <a:prstGeom prst="rect">
+            <a:avLst/>
+          </a:prstGeom>
+          <a:noFill/>
+        </p:spPr>
+        <p:txBody>
+          <a:bodyPr wrap="none" rtlCol="0">
+            <a:spAutoFit/>
+          </a:bodyPr>
+          <a:lstStyle/>
+          <a:p>
+            <a:r>
+              <a:rPr lang="en-US" sz="3000" b="1" dirty="0" smtClean="0"/>
+              <a:t>Firebox-0 Network Latency / Bandwidth</a:t>
+            </a:r>
+            <a:endParaRPr lang="en-US" sz="3000" b="1" dirty="0"/>
+          </a:p>
+        </p:txBody>
+      </p:sp>
+      <p:pic>
+        <p:nvPicPr>
+          <p:cNvPr id="5" name="Picture 4" descr="raw_firebox_bandwidth.pdf"/>
+          <p:cNvPicPr>
+            <a:picLocks noChangeAspect="1"/>
+          </p:cNvPicPr>
+          <p:nvPr/>
+        </p:nvPicPr>
+        <p:blipFill>
+          <a:blip r:embed="rId3">
+            <a:extLst>
+              <a:ext uri="{28A0092B-C50C-407E-A947-70E740481C1C}">
+                <a14:useLocalDpi xmlns:a14="http://schemas.microsoft.com/office/drawing/2010/main" val="0"/>
+              </a:ext>
+            </a:extLst>
+          </a:blip>
+          <a:stretch>
+            <a:fillRect/>
+          </a:stretch>
+        </p:blipFill>
+        <p:spPr>
+          <a:xfrm>
+            <a:off x="4272566" y="1356795"/>
+            <a:ext cx="4045831" cy="3404172"/>
+          </a:xfrm>
+          <a:prstGeom prst="rect">
+            <a:avLst/>
+          </a:prstGeom>
+        </p:spPr>
+      </p:pic>
+      <p:pic>
+        <p:nvPicPr>
+          <p:cNvPr id="11" name="Picture 10" descr="raw_firebox_latency_illust.pdf"/>
+          <p:cNvPicPr>
+            <a:picLocks noChangeAspect="1"/>
+          </p:cNvPicPr>
+          <p:nvPr/>
+        </p:nvPicPr>
+        <p:blipFill>
+          <a:blip r:embed="rId4">
+            <a:extLst>
+              <a:ext uri="{28A0092B-C50C-407E-A947-70E740481C1C}">
+                <a14:useLocalDpi xmlns:a14="http://schemas.microsoft.com/office/drawing/2010/main" val="0"/>
+              </a:ext>
+            </a:extLst>
+          </a:blip>
+          <a:stretch>
+            <a:fillRect/>
+          </a:stretch>
+        </p:blipFill>
+        <p:spPr>
+          <a:xfrm>
+            <a:off x="290630" y="1356795"/>
+            <a:ext cx="3512241" cy="3404172"/>
+          </a:xfrm>
+          <a:prstGeom prst="rect">
+            <a:avLst/>
+          </a:prstGeom>
+        </p:spPr>
+      </p:pic>
+      <p:sp>
+        <p:nvSpPr>
+          <p:cNvPr id="17" name="TextBox 16"/>
+          <p:cNvSpPr txBox="1"/>
+          <p:nvPr/>
+        </p:nvSpPr>
+        <p:spPr>
+          <a:xfrm>
+            <a:off x="274583" y="4907426"/>
+            <a:ext cx="7995965" cy="1781242"/>
+          </a:xfrm>
+          <a:prstGeom prst="rect">
+            <a:avLst/>
+          </a:prstGeom>
+          <a:noFill/>
+          <a:ln>
+            <a:solidFill>
+              <a:schemeClr val="tx1"/>
+            </a:solidFill>
+          </a:ln>
+        </p:spPr>
+        <p:txBody>
+          <a:bodyPr wrap="none" rtlCol="0">
+            <a:noAutofit/>
+          </a:bodyPr>
+          <a:lstStyle/>
+          <a:p>
+            <a:pPr marL="285750" indent="-285750">
+              <a:buFontTx/>
+              <a:buChar char="-"/>
+            </a:pPr>
+            <a:r>
+              <a:rPr lang="en-US" dirty="0" smtClean="0"/>
+              <a:t>RDMA Ping Pong Benchmark</a:t>
+            </a:r>
+          </a:p>
+          <a:p>
+            <a:pPr marL="742950" lvl="1" indent="-285750">
+              <a:buFontTx/>
+              <a:buChar char="-"/>
+            </a:pPr>
+            <a:r>
+              <a:rPr lang="en-US" dirty="0" smtClean="0"/>
+              <a:t>RDMA connection is setup through TCP/IP</a:t>
+            </a:r>
+          </a:p>
+          <a:p>
+            <a:pPr marL="742950" lvl="1" indent="-285750">
+              <a:buFontTx/>
+              <a:buChar char="-"/>
+            </a:pPr>
+            <a:r>
+              <a:rPr lang="en-US" dirty="0" smtClean="0"/>
+              <a:t>Series of RDMA reads are performed with different sizes</a:t>
+            </a:r>
+          </a:p>
+          <a:p>
+            <a:pPr marL="285750" indent="-285750">
+              <a:buFontTx/>
+              <a:buChar char="-"/>
+            </a:pPr>
+            <a:r>
+              <a:rPr lang="en-US" dirty="0" err="1" smtClean="0"/>
+              <a:t>Infiniband</a:t>
+            </a:r>
+            <a:r>
+              <a:rPr lang="en-US" dirty="0" smtClean="0"/>
+              <a:t> interconnect</a:t>
+            </a:r>
+          </a:p>
+          <a:p>
+            <a:pPr marL="742950" lvl="1" indent="-285750">
+              <a:buFont typeface="Wingdings" charset="2"/>
+              <a:buChar char="§"/>
+            </a:pPr>
+            <a:r>
+              <a:rPr lang="en-US" dirty="0" smtClean="0"/>
+              <a:t>Latency of 1.7us for small packets</a:t>
+            </a:r>
+          </a:p>
+          <a:p>
+            <a:pPr marL="742950" lvl="1" indent="-285750">
+              <a:buFont typeface="Wingdings" charset="2"/>
+              <a:buChar char="§"/>
+            </a:pPr>
+            <a:r>
+              <a:rPr lang="en-US" dirty="0" smtClean="0"/>
+              <a:t>Maximum bandwidth of ~5 GB/s</a:t>
+            </a:r>
+            <a:endParaRPr lang="en-US" dirty="0"/>
+          </a:p>
+        </p:txBody>
+      </p:sp>
+      <p:sp>
+        <p:nvSpPr>
+          <p:cNvPr id="12" name="TextBox 11"/>
+          <p:cNvSpPr txBox="1"/>
+          <p:nvPr/>
+        </p:nvSpPr>
+        <p:spPr>
+          <a:xfrm>
+            <a:off x="6886221" y="229738"/>
+            <a:ext cx="3739445" cy="923330"/>
+          </a:xfrm>
+          <a:prstGeom prst="rect">
+            <a:avLst/>
+          </a:prstGeom>
+          <a:solidFill>
+            <a:srgbClr val="FFFF00"/>
+          </a:solidFill>
+        </p:spPr>
+        <p:txBody>
+          <a:bodyPr wrap="square" rtlCol="0">
+            <a:spAutoFit/>
+          </a:bodyPr>
+          <a:lstStyle/>
+          <a:p>
+            <a:r>
+              <a:rPr lang="en-US" b="1" dirty="0" smtClean="0"/>
+              <a:t>Put values on top of bars</a:t>
+            </a:r>
+          </a:p>
+          <a:p>
+            <a:r>
+              <a:rPr lang="en-US" b="1" dirty="0" smtClean="0"/>
+              <a:t>Put RDMA on titles of graphs</a:t>
+            </a:r>
+          </a:p>
+          <a:p>
+            <a:r>
+              <a:rPr lang="en-US" b="1" dirty="0" smtClean="0"/>
+              <a:t>Put x label (“Data size”)</a:t>
+            </a:r>
+          </a:p>
+        </p:txBody>
+      </p:sp>
+    </p:spTree>
+    <p:extLst>
+      <p:ext uri="{BB962C8B-B14F-4D97-AF65-F5344CB8AC3E}">
+        <p14:creationId xmlns:p14="http://schemas.microsoft.com/office/powerpoint/2010/main" val="1155595116"/>
+      </p:ext>
+    </p:extLst>
+  </p:cSld>
+  <p:clrMapOvr>
+    <a:masterClrMapping/>
+  </p:clrMapOvr>
+  <p:timing>
+    <p:tnLst>
+      <p:par>
+        <p:cTn xmlns:p14="http://schemas.microsoft.com/office/powerpoint/2010/main" id="1" dur="indefinite" restart="never" nodeType="tmRoot"/>
+      </p:par>
+    </p:tnLst>
+  </p:timing>
+</p:sld>
+</file>
+
+<file path=ppt/slides/slide5.xml><?xml version="1.0" encoding="utf-8"?>
+<p:sld xmlns:a="http://schemas.openxmlformats.org/drawingml/2006/main" xmlns:r="http://schemas.openxmlformats.org/officeDocument/2006/relationships" xmlns:p="http://schemas.openxmlformats.org/presentationml/2006/main">
+  <p:cSld>
+    <p:spTree>
+      <p:nvGrpSpPr>
+        <p:cNvPr id="1" name=""/>
+        <p:cNvGrpSpPr/>
+        <p:nvPr/>
+      </p:nvGrpSpPr>
+      <p:grpSpPr>
+        <a:xfrm>
+          <a:off x="0" y="0"/>
+          <a:ext cx="0" cy="0"/>
+          <a:chOff x="0" y="0"/>
+          <a:chExt cx="0" cy="0"/>
+        </a:xfrm>
+      </p:grpSpPr>
+      <p:sp>
+        <p:nvSpPr>
+          <p:cNvPr id="7" name="TextBox 6"/>
+          <p:cNvSpPr txBox="1"/>
+          <p:nvPr/>
+        </p:nvSpPr>
+        <p:spPr>
+          <a:xfrm>
+            <a:off x="322431" y="302842"/>
+            <a:ext cx="5129867" cy="553998"/>
+          </a:xfrm>
+          <a:prstGeom prst="rect">
+            <a:avLst/>
+          </a:prstGeom>
+          <a:noFill/>
+        </p:spPr>
+        <p:txBody>
+          <a:bodyPr wrap="none" rtlCol="0">
+            <a:spAutoFit/>
+          </a:bodyPr>
+          <a:lstStyle/>
+          <a:p>
+            <a:r>
+              <a:rPr lang="en-US" sz="3000" b="1" dirty="0" smtClean="0"/>
+              <a:t>Benchmark of Key-value stores</a:t>
+            </a:r>
+            <a:endParaRPr lang="en-US" sz="3000" b="1" dirty="0"/>
+          </a:p>
+        </p:txBody>
+      </p:sp>
+      <p:sp>
+        <p:nvSpPr>
+          <p:cNvPr id="17" name="TextBox 16"/>
+          <p:cNvSpPr txBox="1"/>
+          <p:nvPr/>
+        </p:nvSpPr>
+        <p:spPr>
+          <a:xfrm>
+            <a:off x="491764" y="1224427"/>
+            <a:ext cx="5698996" cy="1200329"/>
+          </a:xfrm>
+          <a:prstGeom prst="rect">
+            <a:avLst/>
+          </a:prstGeom>
+          <a:noFill/>
+        </p:spPr>
+        <p:txBody>
+          <a:bodyPr wrap="none" rtlCol="0">
+            <a:spAutoFit/>
+          </a:bodyPr>
+          <a:lstStyle/>
+          <a:p>
+            <a:r>
+              <a:rPr lang="en-US" dirty="0" smtClean="0"/>
+              <a:t>Key-value stores benchmarked:</a:t>
+            </a:r>
+          </a:p>
+          <a:p>
+            <a:pPr marL="342900" indent="-342900">
+              <a:buAutoNum type="arabicParenR"/>
+            </a:pPr>
+            <a:r>
+              <a:rPr lang="en-US" dirty="0" err="1" smtClean="0"/>
+              <a:t>RAMCloud</a:t>
+            </a:r>
+            <a:r>
+              <a:rPr lang="en-US" dirty="0" smtClean="0"/>
+              <a:t> (RAM storage system with low-latency RPCs)</a:t>
+            </a:r>
+          </a:p>
+          <a:p>
+            <a:pPr marL="342900" indent="-342900">
+              <a:buAutoNum type="arabicParenR"/>
+            </a:pPr>
+            <a:r>
+              <a:rPr lang="en-US" dirty="0" err="1" smtClean="0"/>
+              <a:t>Aerospike</a:t>
+            </a:r>
+            <a:r>
+              <a:rPr lang="en-US" dirty="0" smtClean="0"/>
+              <a:t> (</a:t>
+            </a:r>
+          </a:p>
+          <a:p>
+            <a:pPr marL="342900" indent="-342900">
+              <a:buAutoNum type="arabicParenR"/>
+            </a:pPr>
+            <a:r>
+              <a:rPr lang="en-US" dirty="0" smtClean="0"/>
+              <a:t>Cassandra</a:t>
+            </a:r>
+            <a:endParaRPr lang="en-US" dirty="0"/>
+          </a:p>
+        </p:txBody>
+      </p:sp>
+      <p:graphicFrame>
+        <p:nvGraphicFramePr>
+          <p:cNvPr id="2" name="Table 1"/>
+          <p:cNvGraphicFramePr>
+            <a:graphicFrameLocks noGrp="1"/>
+          </p:cNvGraphicFramePr>
+          <p:nvPr>
+            <p:extLst>
+              <p:ext uri="{D42A27DB-BD31-4B8C-83A1-F6EECF244321}">
+                <p14:modId xmlns:p14="http://schemas.microsoft.com/office/powerpoint/2010/main" val="407445766"/>
+              </p:ext>
+            </p:extLst>
+          </p:nvPr>
+        </p:nvGraphicFramePr>
+        <p:xfrm>
+          <a:off x="265989" y="2920436"/>
+          <a:ext cx="8680456" cy="3277250"/>
+        </p:xfrm>
+        <a:graphic>
+          <a:graphicData uri="http://schemas.openxmlformats.org/drawingml/2006/table">
+            <a:tbl>
+              <a:tblPr firstRow="1" bandRow="1">
+                <a:tableStyleId>{5C22544A-7EE6-4342-B048-85BDC9FD1C3A}</a:tableStyleId>
+              </a:tblPr>
+              <a:tblGrid>
+                <a:gridCol w="1237786"/>
+                <a:gridCol w="3167003"/>
+                <a:gridCol w="3069141"/>
+                <a:gridCol w="1206526"/>
+              </a:tblGrid>
+              <a:tr h="522675">
+                <a:tc>
+                  <a:txBody>
+                    <a:bodyPr/>
+                    <a:lstStyle/>
+                    <a:p>
+                      <a:pPr algn="l"/>
+                      <a:r>
+                        <a:rPr lang="en-US" sz="2000" dirty="0" smtClean="0"/>
+                        <a:t>Name</a:t>
+                      </a:r>
+                      <a:endParaRPr lang="en-US" sz="2000" dirty="0"/>
+                    </a:p>
+                  </a:txBody>
+                  <a:tcPr anchor="ctr"/>
+                </a:tc>
+                <a:tc>
+                  <a:txBody>
+                    <a:bodyPr/>
+                    <a:lstStyle/>
+                    <a:p>
+                      <a:pPr algn="l"/>
+                      <a:r>
+                        <a:rPr lang="en-US" sz="2000" dirty="0" smtClean="0"/>
+                        <a:t>Atomicity</a:t>
+                      </a:r>
+                      <a:r>
+                        <a:rPr lang="en-US" sz="2000" baseline="0" dirty="0" smtClean="0"/>
+                        <a:t> / Consistency</a:t>
+                      </a:r>
+                      <a:endParaRPr lang="en-US" sz="2000" dirty="0"/>
+                    </a:p>
+                  </a:txBody>
+                  <a:tcPr anchor="ctr"/>
+                </a:tc>
+                <a:tc>
+                  <a:txBody>
+                    <a:bodyPr/>
+                    <a:lstStyle/>
+                    <a:p>
+                      <a:pPr algn="l"/>
+                      <a:r>
+                        <a:rPr lang="en-US" sz="2000" dirty="0" smtClean="0"/>
+                        <a:t>Durability / Replication</a:t>
+                      </a:r>
+                      <a:endParaRPr lang="en-US" sz="2000" dirty="0"/>
+                    </a:p>
+                  </a:txBody>
+                  <a:tcPr anchor="ctr"/>
+                </a:tc>
+                <a:tc>
+                  <a:txBody>
+                    <a:bodyPr/>
+                    <a:lstStyle/>
+                    <a:p>
+                      <a:pPr algn="l"/>
+                      <a:r>
+                        <a:rPr lang="en-US" sz="2000" dirty="0" smtClean="0"/>
+                        <a:t>Latency</a:t>
+                      </a:r>
+                      <a:endParaRPr lang="en-US" sz="2000" dirty="0"/>
+                    </a:p>
+                  </a:txBody>
+                  <a:tcPr anchor="ctr"/>
+                </a:tc>
+              </a:tr>
+              <a:tr h="925776">
+                <a:tc>
+                  <a:txBody>
+                    <a:bodyPr/>
+                    <a:lstStyle/>
+                    <a:p>
+                      <a:r>
+                        <a:rPr lang="en-US" b="1" dirty="0" err="1" smtClean="0"/>
+                        <a:t>RAMCloud</a:t>
+                      </a:r>
+                      <a:endParaRPr lang="en-US" b="1" dirty="0"/>
+                    </a:p>
+                  </a:txBody>
+                  <a:tcPr anchor="ctr"/>
+                </a:tc>
+                <a:tc>
+                  <a:txBody>
+                    <a:bodyPr/>
+                    <a:lstStyle/>
+                    <a:p>
+                      <a:r>
+                        <a:rPr lang="en-US" dirty="0" smtClean="0"/>
+                        <a:t>Atomic single-key</a:t>
+                      </a:r>
+                      <a:r>
+                        <a:rPr lang="en-US" baseline="0" dirty="0" smtClean="0"/>
+                        <a:t> </a:t>
+                      </a:r>
+                      <a:r>
+                        <a:rPr lang="en-US" dirty="0" smtClean="0"/>
+                        <a:t>updates.</a:t>
+                      </a:r>
+                    </a:p>
+                    <a:p>
+                      <a:r>
+                        <a:rPr lang="en-US" dirty="0" smtClean="0"/>
+                        <a:t>Supports</a:t>
+                      </a:r>
+                      <a:r>
+                        <a:rPr lang="en-US" baseline="0" dirty="0" smtClean="0"/>
+                        <a:t> c</a:t>
+                      </a:r>
+                      <a:r>
+                        <a:rPr lang="en-US" dirty="0" smtClean="0"/>
+                        <a:t>ondition</a:t>
+                      </a:r>
+                      <a:r>
+                        <a:rPr lang="en-US" baseline="0" dirty="0" smtClean="0"/>
+                        <a:t>al updates</a:t>
+                      </a:r>
+                      <a:endParaRPr lang="en-US" dirty="0"/>
+                    </a:p>
+                  </a:txBody>
+                  <a:tcPr anchor="ctr"/>
+                </a:tc>
+                <a:tc>
+                  <a:txBody>
+                    <a:bodyPr/>
+                    <a:lstStyle/>
+                    <a:p>
+                      <a:r>
+                        <a:rPr lang="en-US" baseline="0" dirty="0" smtClean="0"/>
+                        <a:t>Data is replicated to other nodes (RAM) and written to disk asynchronously</a:t>
+                      </a:r>
+                      <a:endParaRPr lang="en-US" dirty="0"/>
+                    </a:p>
+                  </a:txBody>
+                  <a:tcPr anchor="ctr"/>
+                </a:tc>
+                <a:tc>
+                  <a:txBody>
+                    <a:bodyPr/>
+                    <a:lstStyle/>
+                    <a:p>
+                      <a:r>
+                        <a:rPr lang="en-US" dirty="0" smtClean="0"/>
+                        <a:t>Ultra-low</a:t>
+                      </a:r>
+                      <a:endParaRPr lang="en-US" dirty="0"/>
+                    </a:p>
+                  </a:txBody>
+                  <a:tcPr anchor="ctr"/>
+                </a:tc>
+              </a:tr>
+              <a:tr h="526451">
+                <a:tc>
+                  <a:txBody>
+                    <a:bodyPr/>
+                    <a:lstStyle/>
+                    <a:p>
+                      <a:r>
+                        <a:rPr lang="en-US" b="1" dirty="0" err="1" smtClean="0"/>
+                        <a:t>Aerospike</a:t>
+                      </a:r>
+                      <a:endParaRPr lang="en-US" b="1" dirty="0"/>
+                    </a:p>
+                  </a:txBody>
+                  <a:tcPr anchor="ctr"/>
+                </a:tc>
+                <a:tc>
+                  <a:txBody>
+                    <a:bodyPr/>
+                    <a:lstStyle/>
+                    <a:p>
+                      <a:r>
+                        <a:rPr lang="en-US" dirty="0" smtClean="0"/>
+                        <a:t>Atomic single-key update. Supports atomic multi-key reads</a:t>
+                      </a:r>
+                      <a:endParaRPr lang="en-US" dirty="0"/>
+                    </a:p>
+                  </a:txBody>
+                  <a:tcPr anchor="ctr"/>
+                </a:tc>
+                <a:tc>
+                  <a:txBody>
+                    <a:bodyPr/>
+                    <a:lstStyle/>
+                    <a:p>
+                      <a:r>
+                        <a:rPr lang="en-US" dirty="0" smtClean="0"/>
+                        <a:t>Data is replicated and written</a:t>
+                      </a:r>
+                      <a:r>
+                        <a:rPr lang="en-US" baseline="0" dirty="0" smtClean="0"/>
+                        <a:t> to disk sync/asynchronously</a:t>
+                      </a:r>
+                      <a:endParaRPr lang="en-US" dirty="0"/>
+                    </a:p>
+                  </a:txBody>
+                  <a:tcPr anchor="ctr"/>
+                </a:tc>
+                <a:tc>
+                  <a:txBody>
+                    <a:bodyPr/>
+                    <a:lstStyle/>
+                    <a:p>
+                      <a:r>
+                        <a:rPr lang="en-US" dirty="0" smtClean="0"/>
+                        <a:t>Low</a:t>
+                      </a:r>
+                      <a:endParaRPr lang="en-US" dirty="0"/>
+                    </a:p>
+                  </a:txBody>
+                  <a:tcPr anchor="ctr"/>
+                </a:tc>
+              </a:tr>
+              <a:tr h="526451">
+                <a:tc>
+                  <a:txBody>
+                    <a:bodyPr/>
+                    <a:lstStyle/>
+                    <a:p>
+                      <a:r>
+                        <a:rPr lang="en-US" b="1" dirty="0" smtClean="0"/>
+                        <a:t>Cassandra</a:t>
+                      </a:r>
+                      <a:endParaRPr lang="en-US" b="1" dirty="0"/>
+                    </a:p>
+                  </a:txBody>
+                  <a:tcPr anchor="ctr"/>
+                </a:tc>
+                <a:tc>
+                  <a:txBody>
+                    <a:bodyPr/>
+                    <a:lstStyle/>
+                    <a:p>
+                      <a:r>
+                        <a:rPr lang="en-US" dirty="0" smtClean="0"/>
+                        <a:t>Tunable / </a:t>
+                      </a:r>
+                      <a:r>
+                        <a:rPr lang="en-US" dirty="0" err="1" smtClean="0"/>
+                        <a:t>linearizable</a:t>
+                      </a:r>
+                      <a:r>
+                        <a:rPr lang="en-US" baseline="0" dirty="0" smtClean="0"/>
+                        <a:t> consistency</a:t>
+                      </a:r>
+                    </a:p>
+                    <a:p>
+                      <a:r>
+                        <a:rPr lang="en-US" baseline="0" dirty="0" smtClean="0"/>
+                        <a:t>No atomic writes across replicas</a:t>
+                      </a:r>
+                      <a:endParaRPr lang="en-US" dirty="0"/>
+                    </a:p>
+                  </a:txBody>
+                  <a:tcPr anchor="ctr"/>
+                </a:tc>
+                <a:tc>
+                  <a:txBody>
+                    <a:bodyPr/>
+                    <a:lstStyle/>
+                    <a:p>
+                      <a:pPr marL="0" marR="0" indent="0" algn="l" defTabSz="457200" rtl="0" eaLnBrk="1" fontAlgn="auto" latinLnBrk="0" hangingPunct="1">
+                        <a:lnSpc>
+                          <a:spcPct val="100000"/>
+                        </a:lnSpc>
+                        <a:spcBef>
+                          <a:spcPts val="0"/>
+                        </a:spcBef>
+                        <a:spcAft>
+                          <a:spcPts val="0"/>
+                        </a:spcAft>
+                        <a:buClrTx/>
+                        <a:buSzTx/>
+                        <a:buFontTx/>
+                        <a:buNone/>
+                        <a:tabLst/>
+                        <a:defRPr/>
+                      </a:pPr>
+                      <a:r>
+                        <a:rPr lang="en-US" dirty="0" smtClean="0"/>
+                        <a:t>Data is replicated and written</a:t>
+                      </a:r>
+                      <a:r>
+                        <a:rPr lang="en-US" baseline="0" dirty="0" smtClean="0"/>
+                        <a:t> to disk sync/asynchronously</a:t>
+                      </a:r>
+                      <a:endParaRPr lang="en-US" dirty="0" smtClean="0"/>
+                    </a:p>
+                  </a:txBody>
+                  <a:tcPr anchor="ctr"/>
+                </a:tc>
+                <a:tc>
+                  <a:txBody>
+                    <a:bodyPr/>
+                    <a:lstStyle/>
+                    <a:p>
+                      <a:r>
+                        <a:rPr lang="en-US" dirty="0" smtClean="0"/>
+                        <a:t>High</a:t>
+                      </a:r>
+                      <a:endParaRPr lang="en-US" dirty="0"/>
+                    </a:p>
+                  </a:txBody>
+                  <a:tcPr anchor="ctr"/>
+                </a:tc>
+              </a:tr>
+            </a:tbl>
+          </a:graphicData>
+        </a:graphic>
+      </p:graphicFrame>
+      <p:sp>
+        <p:nvSpPr>
+          <p:cNvPr id="3" name="TextBox 2"/>
+          <p:cNvSpPr txBox="1"/>
+          <p:nvPr/>
+        </p:nvSpPr>
+        <p:spPr>
+          <a:xfrm>
+            <a:off x="-493889" y="4416778"/>
+            <a:ext cx="184666" cy="369332"/>
+          </a:xfrm>
+          <a:prstGeom prst="rect">
+            <a:avLst/>
+          </a:prstGeom>
+          <a:noFill/>
+        </p:spPr>
+        <p:txBody>
+          <a:bodyPr wrap="none" rtlCol="0">
+            <a:spAutoFit/>
+          </a:bodyPr>
+          <a:lstStyle/>
+          <a:p>
+            <a:endParaRPr lang="en-US" dirty="0"/>
+          </a:p>
+        </p:txBody>
+      </p:sp>
+    </p:spTree>
+    <p:extLst>
+      <p:ext uri="{BB962C8B-B14F-4D97-AF65-F5344CB8AC3E}">
+        <p14:creationId xmlns:p14="http://schemas.microsoft.com/office/powerpoint/2010/main" val="1508715666"/>
+      </p:ext>
+    </p:extLst>
+  </p:cSld>
+  <p:clrMapOvr>
+    <a:masterClrMapping/>
+  </p:clrMapOvr>
+  <p:timing>
+    <p:tnLst>
+      <p:par>
+        <p:cTn xmlns:p14="http://schemas.microsoft.com/office/powerpoint/2010/main" id="1" dur="indefinite" restart="never" nodeType="tmRoot"/>
+      </p:par>
+    </p:tnLst>
+  </p:timing>
+</p:sld>
+</file>
+
+<file path=ppt/slides/slide6.xml><?xml version="1.0" encoding="utf-8"?>
+<p:sld xmlns:a="http://schemas.openxmlformats.org/drawingml/2006/main" xmlns:r="http://schemas.openxmlformats.org/officeDocument/2006/relationships" xmlns:p="http://schemas.openxmlformats.org/presentationml/2006/main">
+  <p:cSld>
+    <p:spTree>
+      <p:nvGrpSpPr>
+        <p:cNvPr id="1" name=""/>
+        <p:cNvGrpSpPr/>
+        <p:nvPr/>
+      </p:nvGrpSpPr>
+      <p:grpSpPr>
+        <a:xfrm>
+          <a:off x="0" y="0"/>
+          <a:ext cx="0" cy="0"/>
+          <a:chOff x="0" y="0"/>
+          <a:chExt cx="0" cy="0"/>
+        </a:xfrm>
+      </p:grpSpPr>
+      <p:sp>
+        <p:nvSpPr>
+          <p:cNvPr id="7" name="TextBox 6"/>
+          <p:cNvSpPr txBox="1"/>
+          <p:nvPr/>
+        </p:nvSpPr>
+        <p:spPr>
+          <a:xfrm>
+            <a:off x="128046" y="302842"/>
+            <a:ext cx="1888483" cy="553998"/>
+          </a:xfrm>
+          <a:prstGeom prst="rect">
+            <a:avLst/>
+          </a:prstGeom>
+          <a:noFill/>
+        </p:spPr>
+        <p:txBody>
+          <a:bodyPr wrap="none" rtlCol="0">
+            <a:spAutoFit/>
+          </a:bodyPr>
+          <a:lstStyle/>
+          <a:p>
+            <a:r>
+              <a:rPr lang="en-US" sz="3000" b="1" dirty="0" err="1" smtClean="0"/>
+              <a:t>RAMCloud</a:t>
+            </a:r>
+            <a:endParaRPr lang="en-US" sz="3000" b="1" dirty="0"/>
+          </a:p>
+        </p:txBody>
+      </p:sp>
+      <p:sp>
+        <p:nvSpPr>
+          <p:cNvPr id="11" name="TextBox 10"/>
+          <p:cNvSpPr txBox="1"/>
+          <p:nvPr/>
+        </p:nvSpPr>
+        <p:spPr>
+          <a:xfrm>
+            <a:off x="322431" y="4780423"/>
+            <a:ext cx="7995965" cy="1738910"/>
+          </a:xfrm>
+          <a:prstGeom prst="rect">
+            <a:avLst/>
+          </a:prstGeom>
+          <a:noFill/>
+          <a:ln>
+            <a:solidFill>
+              <a:schemeClr val="tx1"/>
+            </a:solidFill>
+          </a:ln>
+        </p:spPr>
+        <p:txBody>
+          <a:bodyPr wrap="none" rtlCol="0">
+            <a:noAutofit/>
+          </a:bodyPr>
+          <a:lstStyle/>
+          <a:p>
+            <a:r>
+              <a:rPr lang="en-US" dirty="0" smtClean="0"/>
+              <a:t>Latency / Bandwidth:</a:t>
+            </a:r>
+          </a:p>
+          <a:p>
+            <a:pPr marL="285750" indent="-285750">
+              <a:buFont typeface="Arial"/>
+              <a:buChar char="•"/>
+            </a:pPr>
+            <a:r>
+              <a:rPr lang="en-US" dirty="0" smtClean="0"/>
+              <a:t>67</a:t>
+            </a:r>
+            <a:r>
+              <a:rPr lang="en-US" dirty="0"/>
+              <a:t>-107% higher read bandwidth (non-</a:t>
+            </a:r>
+            <a:r>
+              <a:rPr lang="en-US" dirty="0" err="1"/>
+              <a:t>PCIe</a:t>
+            </a:r>
+            <a:r>
+              <a:rPr lang="en-US" dirty="0"/>
+              <a:t> connection is a bottleneck)</a:t>
+            </a:r>
+          </a:p>
+          <a:p>
+            <a:pPr marL="285750" indent="-285750">
+              <a:buFont typeface="Arial"/>
+              <a:buChar char="•"/>
+            </a:pPr>
+            <a:r>
+              <a:rPr lang="en-US" dirty="0" smtClean="0"/>
+              <a:t>45-</a:t>
+            </a:r>
+            <a:r>
+              <a:rPr lang="en-US" dirty="0"/>
+              <a:t>53% lower read </a:t>
+            </a:r>
+            <a:r>
+              <a:rPr lang="en-US" dirty="0" smtClean="0"/>
+              <a:t>latency</a:t>
+            </a:r>
+          </a:p>
+          <a:p>
+            <a:endParaRPr lang="en-US" dirty="0" smtClean="0"/>
+          </a:p>
+          <a:p>
+            <a:r>
+              <a:rPr lang="en-US" dirty="0" smtClean="0"/>
+              <a:t>Challenges:</a:t>
+            </a:r>
+          </a:p>
+          <a:p>
+            <a:pPr marL="285750" indent="-285750">
+              <a:buFont typeface="Arial"/>
+              <a:buChar char="•"/>
+            </a:pPr>
+            <a:r>
+              <a:rPr lang="en-US" dirty="0" smtClean="0"/>
+              <a:t>ACID multi-key transactions with low-latency and at scale</a:t>
+            </a:r>
+          </a:p>
+          <a:p>
+            <a:endParaRPr lang="en-US" dirty="0"/>
+          </a:p>
+        </p:txBody>
+      </p:sp>
+      <p:pic>
+        <p:nvPicPr>
+          <p:cNvPr id="12" name="Picture 11" descr="ramcloud_benchmark_bw_illust.pdf"/>
+          <p:cNvPicPr>
+            <a:picLocks noChangeAspect="1"/>
+          </p:cNvPicPr>
+          <p:nvPr/>
+        </p:nvPicPr>
+        <p:blipFill>
+          <a:blip r:embed="rId3">
+            <a:extLst>
+              <a:ext uri="{28A0092B-C50C-407E-A947-70E740481C1C}">
+                <a14:useLocalDpi xmlns:a14="http://schemas.microsoft.com/office/drawing/2010/main" val="0"/>
+              </a:ext>
+            </a:extLst>
+          </a:blip>
+          <a:stretch>
+            <a:fillRect/>
+          </a:stretch>
+        </p:blipFill>
+        <p:spPr>
+          <a:xfrm>
+            <a:off x="4496055" y="913284"/>
+            <a:ext cx="3822341" cy="3690056"/>
+          </a:xfrm>
+          <a:prstGeom prst="rect">
+            <a:avLst/>
+          </a:prstGeom>
+        </p:spPr>
+      </p:pic>
+      <p:sp>
+        <p:nvSpPr>
+          <p:cNvPr id="13" name="TextBox 12"/>
+          <p:cNvSpPr txBox="1"/>
+          <p:nvPr/>
+        </p:nvSpPr>
+        <p:spPr>
+          <a:xfrm>
+            <a:off x="522111" y="2398889"/>
+            <a:ext cx="184666" cy="369332"/>
+          </a:xfrm>
+          <a:prstGeom prst="rect">
+            <a:avLst/>
+          </a:prstGeom>
+          <a:noFill/>
+        </p:spPr>
+        <p:txBody>
+          <a:bodyPr wrap="none" rtlCol="0">
+            <a:spAutoFit/>
+          </a:bodyPr>
+          <a:lstStyle/>
+          <a:p>
+            <a:endParaRPr lang="en-US" dirty="0"/>
+          </a:p>
+        </p:txBody>
+      </p:sp>
+      <p:sp>
+        <p:nvSpPr>
+          <p:cNvPr id="14" name="TextBox 13"/>
+          <p:cNvSpPr txBox="1"/>
+          <p:nvPr/>
+        </p:nvSpPr>
+        <p:spPr>
+          <a:xfrm>
+            <a:off x="818444" y="3048000"/>
+            <a:ext cx="184666" cy="369332"/>
+          </a:xfrm>
+          <a:prstGeom prst="rect">
+            <a:avLst/>
+          </a:prstGeom>
+          <a:noFill/>
+        </p:spPr>
+        <p:txBody>
+          <a:bodyPr wrap="none" rtlCol="0">
+            <a:spAutoFit/>
+          </a:bodyPr>
+          <a:lstStyle/>
+          <a:p>
+            <a:endParaRPr lang="en-US" dirty="0"/>
+          </a:p>
+        </p:txBody>
+      </p:sp>
+      <p:pic>
+        <p:nvPicPr>
+          <p:cNvPr id="15" name="Picture 14" descr="ramcloud_benchmark_lat_illus.pdf"/>
+          <p:cNvPicPr>
+            <a:picLocks noChangeAspect="1"/>
+          </p:cNvPicPr>
+          <p:nvPr/>
+        </p:nvPicPr>
+        <p:blipFill>
+          <a:blip r:embed="rId4">
+            <a:extLst>
+              <a:ext uri="{28A0092B-C50C-407E-A947-70E740481C1C}">
+                <a14:useLocalDpi xmlns:a14="http://schemas.microsoft.com/office/drawing/2010/main" val="0"/>
+              </a:ext>
+            </a:extLst>
+          </a:blip>
+          <a:stretch>
+            <a:fillRect/>
+          </a:stretch>
+        </p:blipFill>
+        <p:spPr>
+          <a:xfrm>
+            <a:off x="243914" y="913284"/>
+            <a:ext cx="3580197" cy="3674947"/>
+          </a:xfrm>
+          <a:prstGeom prst="rect">
+            <a:avLst/>
+          </a:prstGeom>
+        </p:spPr>
+      </p:pic>
+    </p:spTree>
+    <p:extLst>
+      <p:ext uri="{BB962C8B-B14F-4D97-AF65-F5344CB8AC3E}">
+        <p14:creationId xmlns:p14="http://schemas.microsoft.com/office/powerpoint/2010/main" val="1818657616"/>
+      </p:ext>
+    </p:extLst>
+  </p:cSld>
+  <p:clrMapOvr>
+    <a:masterClrMapping/>
+  </p:clrMapOvr>
+  <p:timing>
+    <p:tnLst>
+      <p:par>
+        <p:cTn xmlns:p14="http://schemas.microsoft.com/office/powerpoint/2010/main" id="1" dur="indefinite" restart="never" nodeType="tmRoot"/>
+      </p:par>
+    </p:tnLst>
+  </p:timing>
+</p:sld>
+</file>
+
+<file path=ppt/slides/slide7.xml><?xml version="1.0" encoding="utf-8"?>
+<p:sld xmlns:a="http://schemas.openxmlformats.org/drawingml/2006/main" xmlns:r="http://schemas.openxmlformats.org/officeDocument/2006/relationships" xmlns:p="http://schemas.openxmlformats.org/presentationml/2006/main">
+  <p:cSld>
+    <p:spTree>
+      <p:nvGrpSpPr>
+        <p:cNvPr id="1" name=""/>
+        <p:cNvGrpSpPr/>
+        <p:nvPr/>
+      </p:nvGrpSpPr>
+      <p:grpSpPr>
+        <a:xfrm>
+          <a:off x="0" y="0"/>
+          <a:ext cx="0" cy="0"/>
+          <a:chOff x="0" y="0"/>
+          <a:chExt cx="0" cy="0"/>
+        </a:xfrm>
+      </p:grpSpPr>
+      <p:sp>
+        <p:nvSpPr>
+          <p:cNvPr id="7" name="TextBox 6"/>
+          <p:cNvSpPr txBox="1"/>
+          <p:nvPr/>
+        </p:nvSpPr>
+        <p:spPr>
+          <a:xfrm>
+            <a:off x="128046" y="302842"/>
+            <a:ext cx="4939386" cy="553998"/>
+          </a:xfrm>
+          <a:prstGeom prst="rect">
+            <a:avLst/>
+          </a:prstGeom>
+          <a:noFill/>
+        </p:spPr>
+        <p:txBody>
+          <a:bodyPr wrap="none" rtlCol="0">
+            <a:spAutoFit/>
+          </a:bodyPr>
+          <a:lstStyle/>
+          <a:p>
+            <a:r>
+              <a:rPr lang="en-US" sz="3000" b="1" dirty="0" err="1" smtClean="0"/>
+              <a:t>AeroSpike</a:t>
+            </a:r>
+            <a:r>
+              <a:rPr lang="en-US" sz="3000" b="1" dirty="0" smtClean="0"/>
+              <a:t> + Cassandra (YCSB)</a:t>
+            </a:r>
+            <a:endParaRPr lang="en-US" sz="3000" b="1" dirty="0"/>
+          </a:p>
+        </p:txBody>
+      </p:sp>
+      <p:pic>
+        <p:nvPicPr>
+          <p:cNvPr id="2" name="Picture 1" descr="aero_cass_ycsb_read_lat.pdf"/>
+          <p:cNvPicPr>
+            <a:picLocks noChangeAspect="1"/>
+          </p:cNvPicPr>
+          <p:nvPr/>
+        </p:nvPicPr>
+        <p:blipFill>
+          <a:blip r:embed="rId3">
+            <a:extLst>
+              <a:ext uri="{28A0092B-C50C-407E-A947-70E740481C1C}">
+                <a14:useLocalDpi xmlns:a14="http://schemas.microsoft.com/office/drawing/2010/main" val="0"/>
+              </a:ext>
+            </a:extLst>
+          </a:blip>
+          <a:stretch>
+            <a:fillRect/>
+          </a:stretch>
+        </p:blipFill>
+        <p:spPr>
+          <a:xfrm>
+            <a:off x="224580" y="1259226"/>
+            <a:ext cx="4192201" cy="4192201"/>
+          </a:xfrm>
+          <a:prstGeom prst="rect">
+            <a:avLst/>
+          </a:prstGeom>
+        </p:spPr>
+      </p:pic>
+      <p:pic>
+        <p:nvPicPr>
+          <p:cNvPr id="4" name="Picture 3" descr="aerospike_cassandra_ycsb.pdf"/>
+          <p:cNvPicPr>
+            <a:picLocks noChangeAspect="1"/>
+          </p:cNvPicPr>
+          <p:nvPr/>
+        </p:nvPicPr>
+        <p:blipFill>
+          <a:blip r:embed="rId4">
+            <a:extLst>
+              <a:ext uri="{28A0092B-C50C-407E-A947-70E740481C1C}">
+                <a14:useLocalDpi xmlns:a14="http://schemas.microsoft.com/office/drawing/2010/main" val="0"/>
+              </a:ext>
+            </a:extLst>
+          </a:blip>
+          <a:stretch>
+            <a:fillRect/>
+          </a:stretch>
+        </p:blipFill>
+        <p:spPr>
+          <a:xfrm>
+            <a:off x="4529669" y="1259226"/>
+            <a:ext cx="4075289" cy="4075289"/>
+          </a:xfrm>
+          <a:prstGeom prst="rect">
+            <a:avLst/>
+          </a:prstGeom>
+        </p:spPr>
+      </p:pic>
+      <p:sp>
+        <p:nvSpPr>
+          <p:cNvPr id="6" name="TextBox 5"/>
+          <p:cNvSpPr txBox="1"/>
+          <p:nvPr/>
+        </p:nvSpPr>
+        <p:spPr>
+          <a:xfrm>
+            <a:off x="322431" y="4780423"/>
+            <a:ext cx="7995965" cy="1738910"/>
+          </a:xfrm>
+          <a:prstGeom prst="rect">
+            <a:avLst/>
+          </a:prstGeom>
+          <a:noFill/>
+          <a:ln>
+            <a:solidFill>
+              <a:schemeClr val="tx1"/>
+            </a:solidFill>
+          </a:ln>
+        </p:spPr>
+        <p:txBody>
+          <a:bodyPr wrap="none" rtlCol="0">
+            <a:noAutofit/>
+          </a:bodyPr>
+          <a:lstStyle/>
+          <a:p>
+            <a:r>
+              <a:rPr lang="en-US" dirty="0" err="1" smtClean="0"/>
+              <a:t>asd</a:t>
+            </a:r>
+            <a:endParaRPr lang="en-US" dirty="0"/>
+          </a:p>
+        </p:txBody>
+      </p:sp>
+    </p:spTree>
+    <p:extLst>
+      <p:ext uri="{BB962C8B-B14F-4D97-AF65-F5344CB8AC3E}">
+        <p14:creationId xmlns:p14="http://schemas.microsoft.com/office/powerpoint/2010/main" val="1744524914"/>
+      </p:ext>
+    </p:extLst>
+  </p:cSld>
+  <p:clrMapOvr>
+    <a:masterClrMapping/>
+  </p:clrMapOvr>
+  <p:timing>
+    <p:tnLst>
+      <p:par>
+        <p:cTn xmlns:p14="http://schemas.microsoft.com/office/powerpoint/2010/main" id="1" dur="indefinite" restart="never" nodeType="tmRoot"/>
+      </p:par>
+    </p:tnLst>
+  </p:timing>
+</p:sld>
+</file>
+
+<file path=ppt/slides/slide8.xml><?xml version="1.0" encoding="utf-8"?>
+<p:sld xmlns:a="http://schemas.openxmlformats.org/drawingml/2006/main" xmlns:r="http://schemas.openxmlformats.org/officeDocument/2006/relationships" xmlns:p="http://schemas.openxmlformats.org/presentationml/2006/main">
+  <p:cSld>
+    <p:spTree>
+      <p:nvGrpSpPr>
+        <p:cNvPr id="1" name=""/>
+        <p:cNvGrpSpPr/>
+        <p:nvPr/>
+      </p:nvGrpSpPr>
+      <p:grpSpPr>
+        <a:xfrm>
+          <a:off x="0" y="0"/>
+          <a:ext cx="0" cy="0"/>
+          <a:chOff x="0" y="0"/>
+          <a:chExt cx="0" cy="0"/>
+        </a:xfrm>
+      </p:grpSpPr>
+      <p:sp>
+        <p:nvSpPr>
+          <p:cNvPr id="7" name="TextBox 6"/>
+          <p:cNvSpPr txBox="1"/>
+          <p:nvPr/>
+        </p:nvSpPr>
+        <p:spPr>
+          <a:xfrm>
+            <a:off x="128046" y="302842"/>
+            <a:ext cx="3414404" cy="553998"/>
+          </a:xfrm>
+          <a:prstGeom prst="rect">
+            <a:avLst/>
+          </a:prstGeom>
+          <a:noFill/>
+        </p:spPr>
+        <p:txBody>
+          <a:bodyPr wrap="none" rtlCol="0">
+            <a:spAutoFit/>
+          </a:bodyPr>
+          <a:lstStyle/>
+          <a:p>
+            <a:r>
+              <a:rPr lang="en-US" sz="3000" b="1" dirty="0" smtClean="0"/>
+              <a:t>Big Data Benchmark</a:t>
+            </a:r>
+            <a:endParaRPr lang="en-US" sz="3000" b="1" dirty="0"/>
+          </a:p>
+        </p:txBody>
+      </p:sp>
+      <p:sp>
+        <p:nvSpPr>
+          <p:cNvPr id="3" name="TextBox 2"/>
+          <p:cNvSpPr txBox="1"/>
+          <p:nvPr/>
+        </p:nvSpPr>
+        <p:spPr>
+          <a:xfrm>
+            <a:off x="619688" y="1918821"/>
+            <a:ext cx="1176186" cy="369332"/>
+          </a:xfrm>
+          <a:prstGeom prst="rect">
+            <a:avLst/>
+          </a:prstGeom>
+          <a:noFill/>
+        </p:spPr>
+        <p:txBody>
+          <a:bodyPr wrap="none" rtlCol="0">
+            <a:spAutoFit/>
+          </a:bodyPr>
+          <a:lstStyle/>
+          <a:p>
+            <a:r>
+              <a:rPr lang="en-US" dirty="0" smtClean="0"/>
+              <a:t>Spark SQL, </a:t>
+            </a:r>
+            <a:endParaRPr lang="en-US" dirty="0"/>
+          </a:p>
+        </p:txBody>
+      </p:sp>
+    </p:spTree>
+    <p:extLst>
+      <p:ext uri="{BB962C8B-B14F-4D97-AF65-F5344CB8AC3E}">
+        <p14:creationId xmlns:p14="http://schemas.microsoft.com/office/powerpoint/2010/main" val="4105339425"/>
+      </p:ext>
+    </p:extLst>
+  </p:cSld>
+  <p:clrMapOvr>
+    <a:masterClrMapping/>
+  </p:clrMapOvr>
+  <p:timing>
+    <p:tnLst>
+      <p:par>
+        <p:cTn xmlns:p14="http://schemas.microsoft.com/office/powerpoint/2010/main" id="1" dur="indefinite" restart="never" nodeType="tmRoot"/>
+      </p:par>
+    </p:tnLst>
+  </p:timing>
+</p:sld>
+</file>
+
 <file path=ppt/slides/slide9.xml><?xml version="1.0" encoding="utf-8"?>
 <p:sld xmlns:a="http://schemas.openxmlformats.org/drawingml/2006/main" xmlns:r="http://schemas.openxmlformats.org/officeDocument/2006/relationships" xmlns:p="http://schemas.openxmlformats.org/presentationml/2006/main">
   <p:cSld>
@@ -5384,6 +8313,35 @@
               <a:t>Discussion</a:t>
             </a:r>
             <a:endParaRPr lang="en-US" sz="3000" b="1" dirty="0"/>
+          </a:p>
+        </p:txBody>
+      </p:sp>
+      <p:sp>
+        <p:nvSpPr>
+          <p:cNvPr id="2" name="Rectangle 1"/>
+          <p:cNvSpPr/>
+          <p:nvPr/>
+        </p:nvSpPr>
+        <p:spPr>
+          <a:xfrm>
+            <a:off x="322430" y="1412502"/>
+            <a:ext cx="7678569" cy="369332"/>
+          </a:xfrm>
+          <a:prstGeom prst="rect">
+            <a:avLst/>
+          </a:prstGeom>
+        </p:spPr>
+        <p:txBody>
+          <a:bodyPr wrap="square">
+            <a:spAutoFit/>
+          </a:bodyPr>
+          <a:lstStyle/>
+          <a:p>
+            <a:r>
+              <a:rPr lang="en-US" dirty="0" smtClean="0"/>
+              <a:t>- What other workloads we should be paying attention to?</a:t>
+            </a:r>
+            <a:endParaRPr lang="en-US" dirty="0"/>
           </a:p>
         </p:txBody>
       </p:sp>
